--- a/router/ppt/2-1 React 路由.pptx
+++ b/router/ppt/2-1 React 路由.pptx
@@ -5,17 +5,23 @@
     <p:sldMasterId id="2147483648" r:id="rId1"/>
   </p:sldMasterIdLst>
   <p:notesMasterIdLst>
-    <p:notesMasterId r:id="rId10"/>
+    <p:notesMasterId r:id="rId16"/>
   </p:notesMasterIdLst>
   <p:sldIdLst>
     <p:sldId id="773" r:id="rId2"/>
-    <p:sldId id="942" r:id="rId3"/>
-    <p:sldId id="879" r:id="rId4"/>
+    <p:sldId id="947" r:id="rId3"/>
+    <p:sldId id="948" r:id="rId4"/>
     <p:sldId id="943" r:id="rId5"/>
-    <p:sldId id="944" r:id="rId6"/>
-    <p:sldId id="946" r:id="rId7"/>
-    <p:sldId id="945" r:id="rId8"/>
-    <p:sldId id="937" r:id="rId9"/>
+    <p:sldId id="879" r:id="rId6"/>
+    <p:sldId id="949" r:id="rId7"/>
+    <p:sldId id="953" r:id="rId8"/>
+    <p:sldId id="950" r:id="rId9"/>
+    <p:sldId id="951" r:id="rId10"/>
+    <p:sldId id="952" r:id="rId11"/>
+    <p:sldId id="944" r:id="rId12"/>
+    <p:sldId id="946" r:id="rId13"/>
+    <p:sldId id="945" r:id="rId14"/>
+    <p:sldId id="937" r:id="rId15"/>
   </p:sldIdLst>
   <p:sldSz cx="12192000" cy="6858000"/>
   <p:notesSz cx="6797675" cy="9928225"/>
@@ -837,6 +843,370 @@
       </p:grpSpPr>
       <p:sp>
         <p:nvSpPr>
+          <p:cNvPr id="2" name="幻灯片图像占位符 1"/>
+          <p:cNvSpPr>
+            <a:spLocks noGrp="1" noRot="1" noChangeAspect="1"/>
+          </p:cNvSpPr>
+          <p:nvPr>
+            <p:ph type="sldImg"/>
+          </p:nvPr>
+        </p:nvSpPr>
+        <p:spPr/>
+      </p:sp>
+      <p:sp>
+        <p:nvSpPr>
+          <p:cNvPr id="3" name="备注占位符 2"/>
+          <p:cNvSpPr>
+            <a:spLocks noGrp="1"/>
+          </p:cNvSpPr>
+          <p:nvPr>
+            <p:ph type="body" idx="1"/>
+          </p:nvPr>
+        </p:nvSpPr>
+        <p:spPr/>
+        <p:txBody>
+          <a:bodyPr/>
+          <a:lstStyle/>
+          <a:p>
+            <a:r>
+              <a:rPr lang="en-US" altLang="zh-CN" smtClean="0"/>
+              <a:t>https://reacttraining.com/react-router/web/guides/philosophy</a:t>
+            </a:r>
+            <a:endParaRPr lang="zh-CN" altLang="en-US"/>
+          </a:p>
+        </p:txBody>
+      </p:sp>
+      <p:sp>
+        <p:nvSpPr>
+          <p:cNvPr id="4" name="灯片编号占位符 3"/>
+          <p:cNvSpPr>
+            <a:spLocks noGrp="1"/>
+          </p:cNvSpPr>
+          <p:nvPr>
+            <p:ph type="sldNum" sz="quarter" idx="10"/>
+          </p:nvPr>
+        </p:nvSpPr>
+        <p:spPr/>
+        <p:txBody>
+          <a:bodyPr/>
+          <a:lstStyle/>
+          <a:p>
+            <a:pPr>
+              <a:defRPr/>
+            </a:pPr>
+            <a:fld id="{F2CCABD1-AF70-44CD-8C26-4C379059FAC1}" type="slidenum">
+              <a:rPr lang="zh-CN" altLang="zh-CN" smtClean="0"/>
+              <a:t>7</a:t>
+            </a:fld>
+            <a:endParaRPr lang="zh-CN" altLang="zh-CN"/>
+          </a:p>
+        </p:txBody>
+      </p:sp>
+    </p:spTree>
+    <p:extLst>
+      <p:ext uri="{BB962C8B-B14F-4D97-AF65-F5344CB8AC3E}">
+        <p14:creationId xmlns:p14="http://schemas.microsoft.com/office/powerpoint/2010/main" val="1234003383"/>
+      </p:ext>
+    </p:extLst>
+  </p:cSld>
+  <p:clrMapOvr>
+    <a:masterClrMapping/>
+  </p:clrMapOvr>
+</p:notes>
+</file>
+
+<file path=ppt/notesSlides/notesSlide3.xml><?xml version="1.0" encoding="utf-8"?>
+<p:notes xmlns:a="http://schemas.openxmlformats.org/drawingml/2006/main" xmlns:r="http://schemas.openxmlformats.org/officeDocument/2006/relationships" xmlns:p="http://schemas.openxmlformats.org/presentationml/2006/main">
+  <p:cSld>
+    <p:spTree>
+      <p:nvGrpSpPr>
+        <p:cNvPr id="1" name=""/>
+        <p:cNvGrpSpPr/>
+        <p:nvPr/>
+      </p:nvGrpSpPr>
+      <p:grpSpPr>
+        <a:xfrm>
+          <a:off x="0" y="0"/>
+          <a:ext cx="0" cy="0"/>
+          <a:chOff x="0" y="0"/>
+          <a:chExt cx="0" cy="0"/>
+        </a:xfrm>
+      </p:grpSpPr>
+      <p:sp>
+        <p:nvSpPr>
+          <p:cNvPr id="2" name="幻灯片图像占位符 1"/>
+          <p:cNvSpPr>
+            <a:spLocks noGrp="1" noRot="1" noChangeAspect="1"/>
+          </p:cNvSpPr>
+          <p:nvPr>
+            <p:ph type="sldImg"/>
+          </p:nvPr>
+        </p:nvSpPr>
+        <p:spPr/>
+      </p:sp>
+      <p:sp>
+        <p:nvSpPr>
+          <p:cNvPr id="3" name="备注占位符 2"/>
+          <p:cNvSpPr>
+            <a:spLocks noGrp="1"/>
+          </p:cNvSpPr>
+          <p:nvPr>
+            <p:ph type="body" idx="1"/>
+          </p:nvPr>
+        </p:nvSpPr>
+        <p:spPr/>
+        <p:txBody>
+          <a:bodyPr/>
+          <a:lstStyle/>
+          <a:p>
+            <a:r>
+              <a:rPr lang="en-US" altLang="zh-CN" dirty="0" smtClean="0"/>
+              <a:t>https://reacttraining.com/react-router/web/guides/philosophy</a:t>
+            </a:r>
+            <a:endParaRPr lang="zh-CN" altLang="en-US" dirty="0"/>
+          </a:p>
+        </p:txBody>
+      </p:sp>
+      <p:sp>
+        <p:nvSpPr>
+          <p:cNvPr id="4" name="灯片编号占位符 3"/>
+          <p:cNvSpPr>
+            <a:spLocks noGrp="1"/>
+          </p:cNvSpPr>
+          <p:nvPr>
+            <p:ph type="sldNum" sz="quarter" idx="10"/>
+          </p:nvPr>
+        </p:nvSpPr>
+        <p:spPr/>
+        <p:txBody>
+          <a:bodyPr/>
+          <a:lstStyle/>
+          <a:p>
+            <a:pPr>
+              <a:defRPr/>
+            </a:pPr>
+            <a:fld id="{F2CCABD1-AF70-44CD-8C26-4C379059FAC1}" type="slidenum">
+              <a:rPr lang="zh-CN" altLang="zh-CN" smtClean="0"/>
+              <a:t>8</a:t>
+            </a:fld>
+            <a:endParaRPr lang="zh-CN" altLang="zh-CN"/>
+          </a:p>
+        </p:txBody>
+      </p:sp>
+    </p:spTree>
+    <p:extLst>
+      <p:ext uri="{BB962C8B-B14F-4D97-AF65-F5344CB8AC3E}">
+        <p14:creationId xmlns:p14="http://schemas.microsoft.com/office/powerpoint/2010/main" val="1234003383"/>
+      </p:ext>
+    </p:extLst>
+  </p:cSld>
+  <p:clrMapOvr>
+    <a:masterClrMapping/>
+  </p:clrMapOvr>
+</p:notes>
+</file>
+
+<file path=ppt/notesSlides/notesSlide4.xml><?xml version="1.0" encoding="utf-8"?>
+<p:notes xmlns:a="http://schemas.openxmlformats.org/drawingml/2006/main" xmlns:r="http://schemas.openxmlformats.org/officeDocument/2006/relationships" xmlns:p="http://schemas.openxmlformats.org/presentationml/2006/main">
+  <p:cSld>
+    <p:spTree>
+      <p:nvGrpSpPr>
+        <p:cNvPr id="1" name=""/>
+        <p:cNvGrpSpPr/>
+        <p:nvPr/>
+      </p:nvGrpSpPr>
+      <p:grpSpPr>
+        <a:xfrm>
+          <a:off x="0" y="0"/>
+          <a:ext cx="0" cy="0"/>
+          <a:chOff x="0" y="0"/>
+          <a:chExt cx="0" cy="0"/>
+        </a:xfrm>
+      </p:grpSpPr>
+      <p:sp>
+        <p:nvSpPr>
+          <p:cNvPr id="2" name="幻灯片图像占位符 1"/>
+          <p:cNvSpPr>
+            <a:spLocks noGrp="1" noRot="1" noChangeAspect="1"/>
+          </p:cNvSpPr>
+          <p:nvPr>
+            <p:ph type="sldImg"/>
+          </p:nvPr>
+        </p:nvSpPr>
+        <p:spPr/>
+      </p:sp>
+      <p:sp>
+        <p:nvSpPr>
+          <p:cNvPr id="3" name="备注占位符 2"/>
+          <p:cNvSpPr>
+            <a:spLocks noGrp="1"/>
+          </p:cNvSpPr>
+          <p:nvPr>
+            <p:ph type="body" idx="1"/>
+          </p:nvPr>
+        </p:nvSpPr>
+        <p:spPr/>
+        <p:txBody>
+          <a:bodyPr/>
+          <a:lstStyle/>
+          <a:p>
+            <a:r>
+              <a:rPr lang="en-US" altLang="zh-CN" smtClean="0"/>
+              <a:t>https://reacttraining.com/react-router/web/guides/philosophy</a:t>
+            </a:r>
+            <a:endParaRPr lang="zh-CN" altLang="en-US"/>
+          </a:p>
+        </p:txBody>
+      </p:sp>
+      <p:sp>
+        <p:nvSpPr>
+          <p:cNvPr id="4" name="灯片编号占位符 3"/>
+          <p:cNvSpPr>
+            <a:spLocks noGrp="1"/>
+          </p:cNvSpPr>
+          <p:nvPr>
+            <p:ph type="sldNum" sz="quarter" idx="10"/>
+          </p:nvPr>
+        </p:nvSpPr>
+        <p:spPr/>
+        <p:txBody>
+          <a:bodyPr/>
+          <a:lstStyle/>
+          <a:p>
+            <a:pPr>
+              <a:defRPr/>
+            </a:pPr>
+            <a:fld id="{F2CCABD1-AF70-44CD-8C26-4C379059FAC1}" type="slidenum">
+              <a:rPr lang="zh-CN" altLang="zh-CN" smtClean="0"/>
+              <a:t>9</a:t>
+            </a:fld>
+            <a:endParaRPr lang="zh-CN" altLang="zh-CN"/>
+          </a:p>
+        </p:txBody>
+      </p:sp>
+    </p:spTree>
+    <p:extLst>
+      <p:ext uri="{BB962C8B-B14F-4D97-AF65-F5344CB8AC3E}">
+        <p14:creationId xmlns:p14="http://schemas.microsoft.com/office/powerpoint/2010/main" val="1234003383"/>
+      </p:ext>
+    </p:extLst>
+  </p:cSld>
+  <p:clrMapOvr>
+    <a:masterClrMapping/>
+  </p:clrMapOvr>
+</p:notes>
+</file>
+
+<file path=ppt/notesSlides/notesSlide5.xml><?xml version="1.0" encoding="utf-8"?>
+<p:notes xmlns:a="http://schemas.openxmlformats.org/drawingml/2006/main" xmlns:r="http://schemas.openxmlformats.org/officeDocument/2006/relationships" xmlns:p="http://schemas.openxmlformats.org/presentationml/2006/main">
+  <p:cSld>
+    <p:spTree>
+      <p:nvGrpSpPr>
+        <p:cNvPr id="1" name=""/>
+        <p:cNvGrpSpPr/>
+        <p:nvPr/>
+      </p:nvGrpSpPr>
+      <p:grpSpPr>
+        <a:xfrm>
+          <a:off x="0" y="0"/>
+          <a:ext cx="0" cy="0"/>
+          <a:chOff x="0" y="0"/>
+          <a:chExt cx="0" cy="0"/>
+        </a:xfrm>
+      </p:grpSpPr>
+      <p:sp>
+        <p:nvSpPr>
+          <p:cNvPr id="2" name="幻灯片图像占位符 1"/>
+          <p:cNvSpPr>
+            <a:spLocks noGrp="1" noRot="1" noChangeAspect="1"/>
+          </p:cNvSpPr>
+          <p:nvPr>
+            <p:ph type="sldImg"/>
+          </p:nvPr>
+        </p:nvSpPr>
+        <p:spPr/>
+      </p:sp>
+      <p:sp>
+        <p:nvSpPr>
+          <p:cNvPr id="3" name="备注占位符 2"/>
+          <p:cNvSpPr>
+            <a:spLocks noGrp="1"/>
+          </p:cNvSpPr>
+          <p:nvPr>
+            <p:ph type="body" idx="1"/>
+          </p:nvPr>
+        </p:nvSpPr>
+        <p:spPr/>
+        <p:txBody>
+          <a:bodyPr/>
+          <a:lstStyle/>
+          <a:p>
+            <a:r>
+              <a:rPr lang="en-US" altLang="zh-CN" smtClean="0"/>
+              <a:t>https://reacttraining.com/react-router/web/guides/philosophy</a:t>
+            </a:r>
+            <a:endParaRPr lang="zh-CN" altLang="en-US"/>
+          </a:p>
+        </p:txBody>
+      </p:sp>
+      <p:sp>
+        <p:nvSpPr>
+          <p:cNvPr id="4" name="灯片编号占位符 3"/>
+          <p:cNvSpPr>
+            <a:spLocks noGrp="1"/>
+          </p:cNvSpPr>
+          <p:nvPr>
+            <p:ph type="sldNum" sz="quarter" idx="10"/>
+          </p:nvPr>
+        </p:nvSpPr>
+        <p:spPr/>
+        <p:txBody>
+          <a:bodyPr/>
+          <a:lstStyle/>
+          <a:p>
+            <a:pPr>
+              <a:defRPr/>
+            </a:pPr>
+            <a:fld id="{F2CCABD1-AF70-44CD-8C26-4C379059FAC1}" type="slidenum">
+              <a:rPr lang="zh-CN" altLang="zh-CN" smtClean="0"/>
+              <a:t>10</a:t>
+            </a:fld>
+            <a:endParaRPr lang="zh-CN" altLang="zh-CN"/>
+          </a:p>
+        </p:txBody>
+      </p:sp>
+    </p:spTree>
+    <p:extLst>
+      <p:ext uri="{BB962C8B-B14F-4D97-AF65-F5344CB8AC3E}">
+        <p14:creationId xmlns:p14="http://schemas.microsoft.com/office/powerpoint/2010/main" val="1234003383"/>
+      </p:ext>
+    </p:extLst>
+  </p:cSld>
+  <p:clrMapOvr>
+    <a:masterClrMapping/>
+  </p:clrMapOvr>
+</p:notes>
+</file>
+
+<file path=ppt/notesSlides/notesSlide6.xml><?xml version="1.0" encoding="utf-8"?>
+<p:notes xmlns:a="http://schemas.openxmlformats.org/drawingml/2006/main" xmlns:r="http://schemas.openxmlformats.org/officeDocument/2006/relationships" xmlns:p="http://schemas.openxmlformats.org/presentationml/2006/main">
+  <p:cSld>
+    <p:spTree>
+      <p:nvGrpSpPr>
+        <p:cNvPr id="1" name=""/>
+        <p:cNvGrpSpPr/>
+        <p:nvPr/>
+      </p:nvGrpSpPr>
+      <p:grpSpPr>
+        <a:xfrm>
+          <a:off x="0" y="0"/>
+          <a:ext cx="0" cy="0"/>
+          <a:chOff x="0" y="0"/>
+          <a:chExt cx="0" cy="0"/>
+        </a:xfrm>
+      </p:grpSpPr>
+      <p:sp>
+        <p:nvSpPr>
           <p:cNvPr id="22530" name="幻灯片图像占位符 1"/>
           <p:cNvSpPr>
             <a:spLocks noGrp="1" noRot="1" noChangeAspect="1" noTextEdit="1"/>
@@ -1033,7 +1403,7 @@
               <a:rPr lang="zh-CN" altLang="zh-CN">
                 <a:ea typeface="宋体" panose="02010600030101010101" pitchFamily="2" charset="-122"/>
               </a:rPr>
-              <a:t>5</a:t>
+              <a:t>11</a:t>
             </a:fld>
             <a:endParaRPr lang="zh-CN" altLang="zh-CN">
               <a:ea typeface="宋体" panose="02010600030101010101" pitchFamily="2" charset="-122"/>
@@ -2477,416 +2847,7 @@
 </p:sld>
 </file>
 
-<file path=ppt/slides/slide2.xml><?xml version="1.0" encoding="utf-8"?>
-<p:sld xmlns:a="http://schemas.openxmlformats.org/drawingml/2006/main" xmlns:r="http://schemas.openxmlformats.org/officeDocument/2006/relationships" xmlns:p="http://schemas.openxmlformats.org/presentationml/2006/main">
-  <p:cSld>
-    <p:spTree>
-      <p:nvGrpSpPr>
-        <p:cNvPr id="1" name=""/>
-        <p:cNvGrpSpPr/>
-        <p:nvPr/>
-      </p:nvGrpSpPr>
-      <p:grpSpPr>
-        <a:xfrm>
-          <a:off x="0" y="0"/>
-          <a:ext cx="0" cy="0"/>
-          <a:chOff x="0" y="0"/>
-          <a:chExt cx="0" cy="0"/>
-        </a:xfrm>
-      </p:grpSpPr>
-      <p:sp>
-        <p:nvSpPr>
-          <p:cNvPr id="21506" name="矩形 2"/>
-          <p:cNvSpPr>
-            <a:spLocks noChangeArrowheads="1"/>
-          </p:cNvSpPr>
-          <p:nvPr/>
-        </p:nvSpPr>
-        <p:spPr bwMode="auto">
-          <a:xfrm>
-            <a:off x="1053690" y="258763"/>
-            <a:ext cx="3186523" cy="585787"/>
-          </a:xfrm>
-          <a:prstGeom prst="rect">
-            <a:avLst/>
-          </a:prstGeom>
-          <a:noFill/>
-          <a:ln>
-            <a:noFill/>
-          </a:ln>
-          <a:extLst>
-            <a:ext uri="{909E8E84-426E-40DD-AFC4-6F175D3DCCD1}">
-              <a14:hiddenFill xmlns:a14="http://schemas.microsoft.com/office/drawing/2010/main">
-                <a:solidFill>
-                  <a:srgbClr val="FFFFFF"/>
-                </a:solidFill>
-              </a14:hiddenFill>
-            </a:ext>
-            <a:ext uri="{91240B29-F687-4F45-9708-019B960494DF}">
-              <a14:hiddenLine xmlns:a14="http://schemas.microsoft.com/office/drawing/2010/main" w="9525">
-                <a:solidFill>
-                  <a:srgbClr val="000000"/>
-                </a:solidFill>
-                <a:miter lim="800000"/>
-                <a:headEnd/>
-                <a:tailEnd/>
-              </a14:hiddenLine>
-            </a:ext>
-          </a:extLst>
-        </p:spPr>
-        <p:txBody>
-          <a:bodyPr wrap="square">
-            <a:spAutoFit/>
-          </a:bodyPr>
-          <a:lstStyle>
-            <a:lvl1pPr>
-              <a:defRPr sz="3200">
-                <a:solidFill>
-                  <a:schemeClr val="tx1"/>
-                </a:solidFill>
-                <a:latin typeface="Arial" panose="020B0604020202020204" pitchFamily="34" charset="0"/>
-                <a:ea typeface="微软雅黑" panose="020B0503020204020204" pitchFamily="34" charset="-122"/>
-              </a:defRPr>
-            </a:lvl1pPr>
-            <a:lvl2pPr marL="742950" indent="-285750">
-              <a:defRPr sz="3200">
-                <a:solidFill>
-                  <a:schemeClr val="tx1"/>
-                </a:solidFill>
-                <a:latin typeface="Arial" panose="020B0604020202020204" pitchFamily="34" charset="0"/>
-                <a:ea typeface="微软雅黑" panose="020B0503020204020204" pitchFamily="34" charset="-122"/>
-              </a:defRPr>
-            </a:lvl2pPr>
-            <a:lvl3pPr marL="1143000" indent="-228600">
-              <a:defRPr sz="3200">
-                <a:solidFill>
-                  <a:schemeClr val="tx1"/>
-                </a:solidFill>
-                <a:latin typeface="Arial" panose="020B0604020202020204" pitchFamily="34" charset="0"/>
-                <a:ea typeface="微软雅黑" panose="020B0503020204020204" pitchFamily="34" charset="-122"/>
-              </a:defRPr>
-            </a:lvl3pPr>
-            <a:lvl4pPr marL="1600200" indent="-228600">
-              <a:defRPr sz="3200">
-                <a:solidFill>
-                  <a:schemeClr val="tx1"/>
-                </a:solidFill>
-                <a:latin typeface="Arial" panose="020B0604020202020204" pitchFamily="34" charset="0"/>
-                <a:ea typeface="微软雅黑" panose="020B0503020204020204" pitchFamily="34" charset="-122"/>
-              </a:defRPr>
-            </a:lvl4pPr>
-            <a:lvl5pPr marL="2057400" indent="-228600">
-              <a:defRPr sz="3200">
-                <a:solidFill>
-                  <a:schemeClr val="tx1"/>
-                </a:solidFill>
-                <a:latin typeface="Arial" panose="020B0604020202020204" pitchFamily="34" charset="0"/>
-                <a:ea typeface="微软雅黑" panose="020B0503020204020204" pitchFamily="34" charset="-122"/>
-              </a:defRPr>
-            </a:lvl5pPr>
-            <a:lvl6pPr marL="2514600" indent="-228600" eaLnBrk="0" fontAlgn="base" hangingPunct="0">
-              <a:spcBef>
-                <a:spcPct val="0"/>
-              </a:spcBef>
-              <a:spcAft>
-                <a:spcPct val="0"/>
-              </a:spcAft>
-              <a:defRPr sz="3200">
-                <a:solidFill>
-                  <a:schemeClr val="tx1"/>
-                </a:solidFill>
-                <a:latin typeface="Arial" panose="020B0604020202020204" pitchFamily="34" charset="0"/>
-                <a:ea typeface="微软雅黑" panose="020B0503020204020204" pitchFamily="34" charset="-122"/>
-              </a:defRPr>
-            </a:lvl6pPr>
-            <a:lvl7pPr marL="2971800" indent="-228600" eaLnBrk="0" fontAlgn="base" hangingPunct="0">
-              <a:spcBef>
-                <a:spcPct val="0"/>
-              </a:spcBef>
-              <a:spcAft>
-                <a:spcPct val="0"/>
-              </a:spcAft>
-              <a:defRPr sz="3200">
-                <a:solidFill>
-                  <a:schemeClr val="tx1"/>
-                </a:solidFill>
-                <a:latin typeface="Arial" panose="020B0604020202020204" pitchFamily="34" charset="0"/>
-                <a:ea typeface="微软雅黑" panose="020B0503020204020204" pitchFamily="34" charset="-122"/>
-              </a:defRPr>
-            </a:lvl7pPr>
-            <a:lvl8pPr marL="3429000" indent="-228600" eaLnBrk="0" fontAlgn="base" hangingPunct="0">
-              <a:spcBef>
-                <a:spcPct val="0"/>
-              </a:spcBef>
-              <a:spcAft>
-                <a:spcPct val="0"/>
-              </a:spcAft>
-              <a:defRPr sz="3200">
-                <a:solidFill>
-                  <a:schemeClr val="tx1"/>
-                </a:solidFill>
-                <a:latin typeface="Arial" panose="020B0604020202020204" pitchFamily="34" charset="0"/>
-                <a:ea typeface="微软雅黑" panose="020B0503020204020204" pitchFamily="34" charset="-122"/>
-              </a:defRPr>
-            </a:lvl8pPr>
-            <a:lvl9pPr marL="3886200" indent="-228600" eaLnBrk="0" fontAlgn="base" hangingPunct="0">
-              <a:spcBef>
-                <a:spcPct val="0"/>
-              </a:spcBef>
-              <a:spcAft>
-                <a:spcPct val="0"/>
-              </a:spcAft>
-              <a:defRPr sz="3200">
-                <a:solidFill>
-                  <a:schemeClr val="tx1"/>
-                </a:solidFill>
-                <a:latin typeface="Arial" panose="020B0604020202020204" pitchFamily="34" charset="0"/>
-                <a:ea typeface="微软雅黑" panose="020B0503020204020204" pitchFamily="34" charset="-122"/>
-              </a:defRPr>
-            </a:lvl9pPr>
-          </a:lstStyle>
-          <a:p>
-            <a:r>
-              <a:rPr lang="zh-CN" altLang="en-US" dirty="0" smtClean="0">
-                <a:solidFill>
-                  <a:srgbClr val="C00000"/>
-                </a:solidFill>
-                <a:latin typeface="+mj-ea"/>
-                <a:ea typeface="+mj-ea"/>
-              </a:rPr>
-              <a:t>内容提纲</a:t>
-            </a:r>
-            <a:endParaRPr lang="zh-CN" altLang="en-US" dirty="0">
-              <a:solidFill>
-                <a:srgbClr val="C00000"/>
-              </a:solidFill>
-              <a:latin typeface="+mj-ea"/>
-              <a:ea typeface="+mj-ea"/>
-            </a:endParaRPr>
-          </a:p>
-        </p:txBody>
-      </p:sp>
-      <p:sp>
-        <p:nvSpPr>
-          <p:cNvPr id="21507" name="AutoShape 6"/>
-          <p:cNvSpPr>
-            <a:spLocks noChangeArrowheads="1"/>
-          </p:cNvSpPr>
-          <p:nvPr/>
-        </p:nvSpPr>
-        <p:spPr bwMode="auto">
-          <a:xfrm>
-            <a:off x="2309813" y="1428750"/>
-            <a:ext cx="6532562" cy="3943350"/>
-          </a:xfrm>
-          <a:prstGeom prst="roundRect">
-            <a:avLst>
-              <a:gd name="adj" fmla="val 16667"/>
-            </a:avLst>
-          </a:prstGeom>
-          <a:noFill/>
-          <a:ln w="28575">
-            <a:solidFill>
-              <a:srgbClr val="C0C0C0"/>
-            </a:solidFill>
-            <a:prstDash val="sysDot"/>
-            <a:round/>
-          </a:ln>
-          <a:extLst>
-            <a:ext uri="{909E8E84-426E-40DD-AFC4-6F175D3DCCD1}">
-              <a14:hiddenFill xmlns:a14="http://schemas.microsoft.com/office/drawing/2010/main">
-                <a:solidFill>
-                  <a:srgbClr val="FFFFFF"/>
-                </a:solidFill>
-              </a14:hiddenFill>
-            </a:ext>
-          </a:extLst>
-        </p:spPr>
-        <p:txBody>
-          <a:bodyPr wrap="none" anchor="ctr"/>
-          <a:lstStyle>
-            <a:lvl1pPr marL="457200" indent="-457200">
-              <a:defRPr sz="3200">
-                <a:solidFill>
-                  <a:schemeClr val="tx1"/>
-                </a:solidFill>
-                <a:latin typeface="Arial" panose="020B0604020202020204" pitchFamily="34" charset="0"/>
-                <a:ea typeface="微软雅黑" panose="020B0503020204020204" pitchFamily="34" charset="-122"/>
-              </a:defRPr>
-            </a:lvl1pPr>
-            <a:lvl2pPr marL="742950" indent="-285750">
-              <a:defRPr sz="3200">
-                <a:solidFill>
-                  <a:schemeClr val="tx1"/>
-                </a:solidFill>
-                <a:latin typeface="Arial" panose="020B0604020202020204" pitchFamily="34" charset="0"/>
-                <a:ea typeface="微软雅黑" panose="020B0503020204020204" pitchFamily="34" charset="-122"/>
-              </a:defRPr>
-            </a:lvl2pPr>
-            <a:lvl3pPr marL="1143000" indent="-228600">
-              <a:defRPr sz="3200">
-                <a:solidFill>
-                  <a:schemeClr val="tx1"/>
-                </a:solidFill>
-                <a:latin typeface="Arial" panose="020B0604020202020204" pitchFamily="34" charset="0"/>
-                <a:ea typeface="微软雅黑" panose="020B0503020204020204" pitchFamily="34" charset="-122"/>
-              </a:defRPr>
-            </a:lvl3pPr>
-            <a:lvl4pPr marL="1600200" indent="-228600">
-              <a:defRPr sz="3200">
-                <a:solidFill>
-                  <a:schemeClr val="tx1"/>
-                </a:solidFill>
-                <a:latin typeface="Arial" panose="020B0604020202020204" pitchFamily="34" charset="0"/>
-                <a:ea typeface="微软雅黑" panose="020B0503020204020204" pitchFamily="34" charset="-122"/>
-              </a:defRPr>
-            </a:lvl4pPr>
-            <a:lvl5pPr marL="2057400" indent="-228600">
-              <a:defRPr sz="3200">
-                <a:solidFill>
-                  <a:schemeClr val="tx1"/>
-                </a:solidFill>
-                <a:latin typeface="Arial" panose="020B0604020202020204" pitchFamily="34" charset="0"/>
-                <a:ea typeface="微软雅黑" panose="020B0503020204020204" pitchFamily="34" charset="-122"/>
-              </a:defRPr>
-            </a:lvl5pPr>
-            <a:lvl6pPr marL="2514600" indent="-228600" eaLnBrk="0" fontAlgn="base" hangingPunct="0">
-              <a:spcBef>
-                <a:spcPct val="0"/>
-              </a:spcBef>
-              <a:spcAft>
-                <a:spcPct val="0"/>
-              </a:spcAft>
-              <a:defRPr sz="3200">
-                <a:solidFill>
-                  <a:schemeClr val="tx1"/>
-                </a:solidFill>
-                <a:latin typeface="Arial" panose="020B0604020202020204" pitchFamily="34" charset="0"/>
-                <a:ea typeface="微软雅黑" panose="020B0503020204020204" pitchFamily="34" charset="-122"/>
-              </a:defRPr>
-            </a:lvl6pPr>
-            <a:lvl7pPr marL="2971800" indent="-228600" eaLnBrk="0" fontAlgn="base" hangingPunct="0">
-              <a:spcBef>
-                <a:spcPct val="0"/>
-              </a:spcBef>
-              <a:spcAft>
-                <a:spcPct val="0"/>
-              </a:spcAft>
-              <a:defRPr sz="3200">
-                <a:solidFill>
-                  <a:schemeClr val="tx1"/>
-                </a:solidFill>
-                <a:latin typeface="Arial" panose="020B0604020202020204" pitchFamily="34" charset="0"/>
-                <a:ea typeface="微软雅黑" panose="020B0503020204020204" pitchFamily="34" charset="-122"/>
-              </a:defRPr>
-            </a:lvl7pPr>
-            <a:lvl8pPr marL="3429000" indent="-228600" eaLnBrk="0" fontAlgn="base" hangingPunct="0">
-              <a:spcBef>
-                <a:spcPct val="0"/>
-              </a:spcBef>
-              <a:spcAft>
-                <a:spcPct val="0"/>
-              </a:spcAft>
-              <a:defRPr sz="3200">
-                <a:solidFill>
-                  <a:schemeClr val="tx1"/>
-                </a:solidFill>
-                <a:latin typeface="Arial" panose="020B0604020202020204" pitchFamily="34" charset="0"/>
-                <a:ea typeface="微软雅黑" panose="020B0503020204020204" pitchFamily="34" charset="-122"/>
-              </a:defRPr>
-            </a:lvl8pPr>
-            <a:lvl9pPr marL="3886200" indent="-228600" eaLnBrk="0" fontAlgn="base" hangingPunct="0">
-              <a:spcBef>
-                <a:spcPct val="0"/>
-              </a:spcBef>
-              <a:spcAft>
-                <a:spcPct val="0"/>
-              </a:spcAft>
-              <a:defRPr sz="3200">
-                <a:solidFill>
-                  <a:schemeClr val="tx1"/>
-                </a:solidFill>
-                <a:latin typeface="Arial" panose="020B0604020202020204" pitchFamily="34" charset="0"/>
-                <a:ea typeface="微软雅黑" panose="020B0503020204020204" pitchFamily="34" charset="-122"/>
-              </a:defRPr>
-            </a:lvl9pPr>
-          </a:lstStyle>
-          <a:p>
-            <a:pPr>
-              <a:lnSpc>
-                <a:spcPct val="200000"/>
-              </a:lnSpc>
-              <a:buClr>
-                <a:srgbClr val="92D050"/>
-              </a:buClr>
-              <a:buFont typeface="Wingdings" panose="05000000000000000000" pitchFamily="2" charset="2"/>
-              <a:buChar char="Ø"/>
-            </a:pPr>
-            <a:r>
-              <a:rPr lang="zh-CN" altLang="en-US" sz="2800" b="1" dirty="0" smtClean="0">
-                <a:solidFill>
-                  <a:srgbClr val="C00000"/>
-                </a:solidFill>
-                <a:latin typeface="+mj-ea"/>
-                <a:ea typeface="+mj-ea"/>
-              </a:rPr>
-              <a:t>路由配置</a:t>
-            </a:r>
-            <a:endParaRPr lang="en-US" altLang="zh-CN" sz="2800" b="1" dirty="0" smtClean="0">
-              <a:solidFill>
-                <a:srgbClr val="C00000"/>
-              </a:solidFill>
-              <a:latin typeface="+mj-ea"/>
-              <a:ea typeface="+mj-ea"/>
-            </a:endParaRPr>
-          </a:p>
-          <a:p>
-            <a:pPr>
-              <a:lnSpc>
-                <a:spcPct val="200000"/>
-              </a:lnSpc>
-              <a:buClr>
-                <a:srgbClr val="92D050"/>
-              </a:buClr>
-              <a:buFont typeface="Wingdings" panose="05000000000000000000" pitchFamily="2" charset="2"/>
-              <a:buChar char="Ø"/>
-            </a:pPr>
-            <a:r>
-              <a:rPr lang="zh-CN" altLang="en-US" sz="2800" b="1" dirty="0" smtClean="0">
-                <a:latin typeface="+mj-ea"/>
-                <a:ea typeface="+mj-ea"/>
-              </a:rPr>
-              <a:t>动态路由</a:t>
-            </a:r>
-            <a:endParaRPr lang="en-US" altLang="zh-CN" sz="2800" b="1" dirty="0" smtClean="0">
-              <a:latin typeface="+mj-ea"/>
-              <a:ea typeface="+mj-ea"/>
-            </a:endParaRPr>
-          </a:p>
-        </p:txBody>
-      </p:sp>
-    </p:spTree>
-    <p:extLst>
-      <p:ext uri="{BB962C8B-B14F-4D97-AF65-F5344CB8AC3E}">
-        <p14:creationId xmlns:p14="http://schemas.microsoft.com/office/powerpoint/2010/main" val="1738233305"/>
-      </p:ext>
-    </p:extLst>
-  </p:cSld>
-  <p:clrMapOvr>
-    <a:masterClrMapping/>
-  </p:clrMapOvr>
-  <p:transition/>
-  <p:timing>
-    <p:tnLst>
-      <p:par>
-        <p:cTn id="1" dur="indefinite" restart="never" nodeType="tmRoot"/>
-      </p:par>
-    </p:tnLst>
-  </p:timing>
-</p:sld>
-</file>
-
-<file path=ppt/slides/slide3.xml><?xml version="1.0" encoding="utf-8"?>
+<file path=ppt/slides/slide10.xml><?xml version="1.0" encoding="utf-8"?>
 <p:sld xmlns:a="http://schemas.openxmlformats.org/drawingml/2006/main" xmlns:r="http://schemas.openxmlformats.org/officeDocument/2006/relationships" xmlns:p="http://schemas.openxmlformats.org/presentationml/2006/main">
   <p:cSld>
     <p:spTree>
@@ -2916,107 +2877,13 @@
         <p:spPr bwMode="auto">
           <a:xfrm>
             <a:off x="693526" y="907845"/>
-            <a:ext cx="10228685" cy="4898244"/>
+            <a:ext cx="10660883" cy="4898244"/>
           </a:xfrm>
-          <a:solidFill>
-            <a:schemeClr val="bg1"/>
-          </a:solidFill>
+          <a:noFill/>
         </p:spPr>
         <p:txBody>
           <a:bodyPr vert="horz" wrap="square" lIns="91440" tIns="45720" rIns="91440" bIns="45720" numCol="1" anchor="t" anchorCtr="0" compatLnSpc="1"/>
           <a:lstStyle/>
-          <a:p>
-            <a:pPr marL="360045"/>
-            <a:r>
-              <a:rPr lang="en-US" altLang="zh-CN" dirty="0"/>
-              <a:t> </a:t>
-            </a:r>
-            <a:r>
-              <a:rPr lang="zh-CN" altLang="en-US" dirty="0" smtClean="0"/>
-              <a:t>安装</a:t>
-            </a:r>
-            <a:endParaRPr lang="en-US" altLang="zh-CN" dirty="0" smtClean="0"/>
-          </a:p>
-          <a:p>
-            <a:pPr marL="591820" lvl="1"/>
-            <a:r>
-              <a:rPr lang="en-US" altLang="zh-CN" sz="2400" dirty="0" smtClean="0"/>
-              <a:t> </a:t>
-            </a:r>
-            <a:r>
-              <a:rPr lang="en-US" altLang="zh-CN" dirty="0" err="1"/>
-              <a:t>npm</a:t>
-            </a:r>
-            <a:r>
-              <a:rPr lang="en-US" altLang="zh-CN" dirty="0"/>
-              <a:t> install --save </a:t>
-            </a:r>
-            <a:r>
-              <a:rPr lang="en-US" altLang="zh-CN" dirty="0" smtClean="0"/>
-              <a:t> react-router-</a:t>
-            </a:r>
-            <a:r>
-              <a:rPr lang="en-US" altLang="zh-CN" dirty="0" err="1" smtClean="0"/>
-              <a:t>dom</a:t>
-            </a:r>
-            <a:endParaRPr lang="en-US" altLang="zh-CN" dirty="0"/>
-          </a:p>
-          <a:p>
-            <a:pPr marL="360045"/>
-            <a:r>
-              <a:rPr lang="en-US" altLang="zh-CN" sz="2800" dirty="0" smtClean="0"/>
-              <a:t>		</a:t>
-            </a:r>
-            <a:r>
-              <a:rPr lang="en-US" altLang="zh-CN" sz="2800" dirty="0" smtClean="0"/>
-              <a:t> </a:t>
-            </a:r>
-            <a:r>
-              <a:rPr lang="zh-CN" altLang="en-US" dirty="0"/>
-              <a:t>引入</a:t>
-            </a:r>
-            <a:endParaRPr lang="en-US" altLang="zh-CN" sz="2800" dirty="0" smtClean="0"/>
-          </a:p>
-          <a:p>
-            <a:pPr marL="591820" lvl="1"/>
-            <a:r>
-              <a:rPr lang="en-US" altLang="zh-CN" dirty="0">
-                <a:ea typeface="宋体" panose="02010600030101010101" pitchFamily="2" charset="-122"/>
-              </a:rPr>
-              <a:t> </a:t>
-            </a:r>
-            <a:r>
-              <a:rPr lang="en-US" altLang="zh-CN" dirty="0"/>
-              <a:t>import { </a:t>
-            </a:r>
-            <a:r>
-              <a:rPr lang="en-US" altLang="zh-CN" dirty="0" err="1"/>
-              <a:t>BrowserRouter</a:t>
-            </a:r>
-            <a:r>
-              <a:rPr lang="en-US" altLang="zh-CN" dirty="0"/>
-              <a:t> as </a:t>
-            </a:r>
-            <a:r>
-              <a:rPr lang="en-US" altLang="zh-CN" dirty="0" err="1"/>
-              <a:t>Router,Route,Link</a:t>
-            </a:r>
-            <a:r>
-              <a:rPr lang="en-US" altLang="zh-CN" dirty="0"/>
-              <a:t>} from 'react-router-</a:t>
-            </a:r>
-            <a:r>
-              <a:rPr lang="en-US" altLang="zh-CN" dirty="0" err="1"/>
-              <a:t>dom</a:t>
-            </a:r>
-            <a:r>
-              <a:rPr lang="en-US" altLang="zh-CN" dirty="0" smtClean="0"/>
-              <a:t>';</a:t>
-            </a:r>
-            <a:endParaRPr lang="en-US" altLang="zh-CN" dirty="0">
-              <a:ea typeface="宋体" panose="02010600030101010101" pitchFamily="2" charset="-122"/>
-            </a:endParaRPr>
-          </a:p>
           <a:p>
             <a:pPr marL="360045"/>
             <a:r>
@@ -3027,85 +2894,123 @@
               <a:t> </a:t>
             </a:r>
             <a:r>
-              <a:rPr lang="zh-CN" altLang="en-US" dirty="0" smtClean="0">
-                <a:latin typeface="+mn-ea"/>
-                <a:ea typeface="+mn-ea"/>
-              </a:rPr>
-              <a:t>配置</a:t>
-            </a:r>
-            <a:endParaRPr lang="en-US" altLang="zh-CN" dirty="0" smtClean="0">
-              <a:latin typeface="+mn-ea"/>
-              <a:ea typeface="+mn-ea"/>
-            </a:endParaRPr>
-          </a:p>
-          <a:p>
-            <a:pPr marL="591820" lvl="1"/>
-            <a:r>
-              <a:rPr lang="en-US" altLang="zh-CN" dirty="0">
-                <a:latin typeface="+mn-ea"/>
-                <a:ea typeface="+mn-ea"/>
-              </a:rPr>
-              <a:t> </a:t>
-            </a:r>
-            <a:r>
               <a:rPr lang="en-US" altLang="zh-CN" dirty="0" smtClean="0">
                 <a:latin typeface="+mn-ea"/>
                 <a:ea typeface="+mn-ea"/>
               </a:rPr>
-              <a:t>&lt;Router&gt;&lt;/Router&gt;</a:t>
-            </a:r>
-            <a:r>
-              <a:rPr lang="zh-CN" altLang="en-US" dirty="0" smtClean="0">
-                <a:latin typeface="+mn-ea"/>
-                <a:ea typeface="+mn-ea"/>
+              <a:t>&lt;</a:t>
+            </a:r>
+            <a:r>
+              <a:rPr lang="en-US" altLang="zh-CN" dirty="0" smtClean="0"/>
+              <a:t>Redirect  </a:t>
+            </a:r>
+            <a:r>
+              <a:rPr lang="en-US" altLang="zh-CN" dirty="0" smtClean="0"/>
+              <a:t>to = “…” &gt;</a:t>
+            </a:r>
+          </a:p>
+          <a:p>
+            <a:pPr marL="591820" lvl="1"/>
+            <a:r>
+              <a:rPr lang="en-US" altLang="zh-CN" dirty="0"/>
+              <a:t> </a:t>
+            </a:r>
+            <a:r>
+              <a:rPr lang="zh-CN" altLang="en-US" dirty="0" smtClean="0"/>
+              <a:t>当被挂载时，将路由重定向为 </a:t>
+            </a:r>
+            <a:r>
+              <a:rPr lang="en-US" altLang="zh-CN" dirty="0" smtClean="0"/>
+              <a:t>to </a:t>
+            </a:r>
+            <a:r>
+              <a:rPr lang="zh-CN" altLang="en-US" dirty="0" smtClean="0"/>
+              <a:t>属性指定的地址</a:t>
+            </a:r>
+            <a:endParaRPr lang="en-US" altLang="zh-CN" dirty="0" smtClean="0"/>
+          </a:p>
+          <a:p>
+            <a:pPr marL="591820" lvl="1"/>
+            <a:r>
+              <a:rPr lang="en-US" altLang="zh-CN" dirty="0"/>
+              <a:t> </a:t>
+            </a:r>
+            <a:r>
+              <a:rPr lang="en-US" altLang="zh-CN" dirty="0"/>
+              <a:t>&lt;Route path="/home" render</a:t>
+            </a:r>
+            <a:r>
+              <a:rPr lang="en-US" altLang="zh-CN" dirty="0" smtClean="0"/>
+              <a:t>={( )=&gt;&lt;</a:t>
+            </a:r>
+            <a:r>
+              <a:rPr lang="en-US" altLang="zh-CN" dirty="0" smtClean="0">
+                <a:solidFill>
+                  <a:srgbClr val="FF0000"/>
+                </a:solidFill>
               </a:rPr>
-              <a:t>：</a:t>
-            </a:r>
-            <a:r>
-              <a:rPr lang="zh-CN" altLang="en-US" sz="2000" dirty="0">
-                <a:latin typeface="+mn-ea"/>
+              <a:t>Redirect</a:t>
+            </a:r>
+            <a:r>
+              <a:rPr lang="en-US" altLang="zh-CN" dirty="0" smtClean="0"/>
+              <a:t> </a:t>
+            </a:r>
+            <a:r>
+              <a:rPr lang="en-US" altLang="zh-CN" dirty="0" smtClean="0">
+                <a:solidFill>
+                  <a:srgbClr val="FF0000"/>
+                </a:solidFill>
               </a:rPr>
-              <a:t>标签内只能含有一个标签</a:t>
-            </a:r>
-            <a:endParaRPr lang="en-US" altLang="zh-CN" dirty="0" smtClean="0">
-              <a:latin typeface="+mn-ea"/>
-              <a:ea typeface="+mn-ea"/>
-            </a:endParaRPr>
+              <a:t>to</a:t>
+            </a:r>
+            <a:r>
+              <a:rPr lang="en-US" altLang="zh-CN" dirty="0"/>
+              <a:t>="/</a:t>
+            </a:r>
+            <a:r>
+              <a:rPr lang="en-US" altLang="zh-CN" dirty="0" smtClean="0"/>
+              <a:t>other“ /&gt;}/&gt;</a:t>
+            </a:r>
           </a:p>
           <a:p>
             <a:pPr marL="591820" lvl="1"/>
             <a:r>
-              <a:rPr lang="en-US" altLang="zh-CN" dirty="0" smtClean="0">
-                <a:latin typeface="+mn-ea"/>
-                <a:ea typeface="+mn-ea"/>
-              </a:rPr>
+              <a:rPr lang="en-US" altLang="zh-CN" dirty="0"/>
               <a:t> </a:t>
             </a:r>
             <a:r>
+              <a:rPr lang="en-US" altLang="zh-CN" dirty="0" smtClean="0"/>
+              <a:t>from </a:t>
+            </a:r>
+            <a:r>
+              <a:rPr lang="zh-CN" altLang="en-US" dirty="0" smtClean="0"/>
+              <a:t>和 </a:t>
+            </a:r>
+            <a:r>
+              <a:rPr lang="en-US" altLang="zh-CN" dirty="0" smtClean="0"/>
+              <a:t>exact </a:t>
+            </a:r>
+            <a:r>
+              <a:rPr lang="zh-CN" altLang="en-US" dirty="0" smtClean="0"/>
+              <a:t>两个属性只能用在 </a:t>
+            </a:r>
+            <a:r>
+              <a:rPr lang="en-US" altLang="zh-CN" dirty="0" smtClean="0"/>
+              <a:t>&lt;Switch&gt; </a:t>
+            </a:r>
+            <a:r>
+              <a:rPr lang="zh-CN" altLang="en-US" dirty="0" smtClean="0"/>
+              <a:t>组件下的 </a:t>
+            </a:r>
+            <a:r>
               <a:rPr lang="en-US" altLang="zh-CN" dirty="0"/>
-              <a:t>&lt;</a:t>
+              <a:t>&lt; Redirect </a:t>
             </a:r>
             <a:r>
               <a:rPr lang="en-US" altLang="zh-CN" dirty="0" smtClean="0"/>
-              <a:t>Route  </a:t>
-            </a:r>
-            <a:r>
-              <a:rPr lang="en-US" altLang="zh-CN" dirty="0"/>
-              <a:t>path</a:t>
-            </a:r>
-            <a:r>
-              <a:rPr lang="en-US" altLang="zh-CN" dirty="0" smtClean="0"/>
-              <a:t>='/home'  component</a:t>
-            </a:r>
-            <a:r>
-              <a:rPr lang="en-US" altLang="zh-CN" dirty="0"/>
-              <a:t>={Home</a:t>
-            </a:r>
-            <a:r>
-              <a:rPr lang="en-US" altLang="zh-CN" dirty="0" smtClean="0"/>
-              <a:t>}/&gt;</a:t>
-            </a:r>
-            <a:endParaRPr lang="en-US" altLang="zh-CN" dirty="0"/>
+              <a:t> /&gt;</a:t>
+            </a:r>
+            <a:endParaRPr lang="en-US" altLang="zh-CN" dirty="0" smtClean="0"/>
           </a:p>
         </p:txBody>
       </p:sp>
@@ -3165,124 +3070,6 @@
           </a:p>
         </p:txBody>
       </p:sp>
-    </p:spTree>
-  </p:cSld>
-  <p:clrMapOvr>
-    <a:masterClrMapping/>
-  </p:clrMapOvr>
-  <p:timing>
-    <p:tnLst>
-      <p:par>
-        <p:cTn id="1" dur="indefinite" restart="never" nodeType="tmRoot"/>
-      </p:par>
-    </p:tnLst>
-  </p:timing>
-</p:sld>
-</file>
-
-<file path=ppt/slides/slide4.xml><?xml version="1.0" encoding="utf-8"?>
-<p:sld xmlns:a="http://schemas.openxmlformats.org/drawingml/2006/main" xmlns:r="http://schemas.openxmlformats.org/officeDocument/2006/relationships" xmlns:p="http://schemas.openxmlformats.org/presentationml/2006/main">
-  <p:cSld>
-    <p:spTree>
-      <p:nvGrpSpPr>
-        <p:cNvPr id="1" name=""/>
-        <p:cNvGrpSpPr/>
-        <p:nvPr/>
-      </p:nvGrpSpPr>
-      <p:grpSpPr>
-        <a:xfrm>
-          <a:off x="0" y="0"/>
-          <a:ext cx="0" cy="0"/>
-          <a:chOff x="0" y="0"/>
-          <a:chExt cx="0" cy="0"/>
-        </a:xfrm>
-      </p:grpSpPr>
-      <p:sp>
-        <p:nvSpPr>
-          <p:cNvPr id="30722" name="内容占位符 3"/>
-          <p:cNvSpPr>
-            <a:spLocks noGrp="1"/>
-          </p:cNvSpPr>
-          <p:nvPr>
-            <p:ph sz="quarter" idx="10"/>
-          </p:nvPr>
-        </p:nvSpPr>
-        <p:spPr bwMode="auto">
-          <a:xfrm>
-            <a:off x="693526" y="907845"/>
-            <a:ext cx="10228685" cy="4321378"/>
-          </a:xfrm>
-          <a:solidFill>
-            <a:schemeClr val="bg1"/>
-          </a:solidFill>
-        </p:spPr>
-        <p:txBody>
-          <a:bodyPr vert="horz" wrap="square" lIns="91440" tIns="45720" rIns="91440" bIns="45720" numCol="1" anchor="t" anchorCtr="0" compatLnSpc="1"/>
-          <a:lstStyle/>
-          <a:p>
-            <a:pPr marL="360045"/>
-            <a:endParaRPr lang="zh-CN" altLang="en-US" dirty="0" smtClean="0">
-              <a:ea typeface="宋体" panose="02010600030101010101" pitchFamily="2" charset="-122"/>
-            </a:endParaRPr>
-          </a:p>
-        </p:txBody>
-      </p:sp>
-      <p:sp>
-        <p:nvSpPr>
-          <p:cNvPr id="25603" name="内容占位符 4"/>
-          <p:cNvSpPr>
-            <a:spLocks noGrp="1"/>
-          </p:cNvSpPr>
-          <p:nvPr>
-            <p:ph sz="quarter" idx="11"/>
-          </p:nvPr>
-        </p:nvSpPr>
-        <p:spPr bwMode="auto">
-          <a:xfrm>
-            <a:off x="909638" y="236538"/>
-            <a:ext cx="7575550" cy="490537"/>
-          </a:xfrm>
-          <a:extLst>
-            <a:ext uri="{909E8E84-426E-40DD-AFC4-6F175D3DCCD1}">
-              <a14:hiddenFill xmlns:a14="http://schemas.microsoft.com/office/drawing/2010/main">
-                <a:solidFill>
-                  <a:srgbClr val="FFFFFF"/>
-                </a:solidFill>
-              </a14:hiddenFill>
-            </a:ext>
-            <a:ext uri="{91240B29-F687-4F45-9708-019B960494DF}">
-              <a14:hiddenLine xmlns:a14="http://schemas.microsoft.com/office/drawing/2010/main" w="9525">
-                <a:solidFill>
-                  <a:srgbClr val="000000"/>
-                </a:solidFill>
-                <a:miter lim="800000"/>
-                <a:headEnd/>
-                <a:tailEnd/>
-              </a14:hiddenLine>
-            </a:ext>
-          </a:extLst>
-        </p:spPr>
-        <p:txBody>
-          <a:bodyPr vert="horz" wrap="square" lIns="91440" tIns="45720" rIns="91440" bIns="45720" numCol="1" anchor="t" anchorCtr="0" compatLnSpc="1"/>
-          <a:lstStyle/>
-          <a:p>
-            <a:pPr>
-              <a:defRPr/>
-            </a:pPr>
-            <a:r>
-              <a:rPr lang="zh-CN" altLang="en-US" smtClean="0">
-                <a:latin typeface="+mn-ea"/>
-                <a:ea typeface="+mn-ea"/>
-              </a:rPr>
-              <a:t>路由配置</a:t>
-            </a:r>
-            <a:endParaRPr lang="zh-CN" altLang="en-US" dirty="0" smtClean="0">
-              <a:latin typeface="+mn-ea"/>
-              <a:ea typeface="+mn-ea"/>
-            </a:endParaRPr>
-          </a:p>
-        </p:txBody>
-      </p:sp>
       <p:sp>
         <p:nvSpPr>
           <p:cNvPr id="4" name="TextBox 3"/>
@@ -3291,8 +3078,8 @@
         </p:nvSpPr>
         <p:spPr>
           <a:xfrm>
-            <a:off x="693525" y="907845"/>
-            <a:ext cx="10228686" cy="4832092"/>
+            <a:off x="1125723" y="3795064"/>
+            <a:ext cx="8643960" cy="1938992"/>
           </a:xfrm>
           <a:prstGeom prst="rect">
             <a:avLst/>
@@ -3311,216 +3098,67 @@
           <a:lstStyle/>
           <a:p>
             <a:r>
-              <a:rPr lang="en-US" altLang="zh-CN" sz="2200" dirty="0"/>
-              <a:t>import { </a:t>
-            </a:r>
-            <a:r>
-              <a:rPr lang="en-US" altLang="zh-CN" sz="2200" dirty="0" err="1"/>
-              <a:t>BrowserRouter</a:t>
-            </a:r>
-            <a:r>
-              <a:rPr lang="en-US" altLang="zh-CN" sz="2200" dirty="0"/>
-              <a:t> as </a:t>
-            </a:r>
-            <a:r>
-              <a:rPr lang="en-US" altLang="zh-CN" sz="2200" dirty="0" err="1"/>
-              <a:t>Router,Route,Link</a:t>
-            </a:r>
-            <a:r>
-              <a:rPr lang="en-US" altLang="zh-CN" sz="2200" dirty="0"/>
-              <a:t>} from 'react-router-</a:t>
-            </a:r>
-            <a:r>
-              <a:rPr lang="en-US" altLang="zh-CN" sz="2200" dirty="0" err="1"/>
-              <a:t>dom</a:t>
-            </a:r>
-            <a:r>
-              <a:rPr lang="en-US" altLang="zh-CN" sz="2200" dirty="0"/>
-              <a:t>';</a:t>
-            </a:r>
-          </a:p>
-          <a:p>
-            <a:r>
-              <a:rPr lang="en-US" altLang="zh-CN" sz="2200" dirty="0" smtClean="0"/>
-              <a:t>……</a:t>
-            </a:r>
-            <a:endParaRPr lang="en-US" altLang="zh-CN" sz="2200" dirty="0"/>
-          </a:p>
-          <a:p>
-            <a:r>
-              <a:rPr lang="en-US" altLang="zh-CN" sz="2200" dirty="0" smtClean="0"/>
-              <a:t>class Hello </a:t>
-            </a:r>
-            <a:r>
-              <a:rPr lang="en-US" altLang="zh-CN" sz="2200" dirty="0">
-                <a:solidFill>
-                  <a:srgbClr val="FF0000"/>
-                </a:solidFill>
-              </a:rPr>
-              <a:t>extends </a:t>
-            </a:r>
-            <a:r>
-              <a:rPr lang="en-US" altLang="zh-CN" sz="2200" dirty="0" err="1"/>
-              <a:t>React.</a:t>
-            </a:r>
-            <a:r>
-              <a:rPr lang="en-US" altLang="zh-CN" sz="2200" dirty="0" err="1">
-                <a:solidFill>
-                  <a:srgbClr val="FF0000"/>
-                </a:solidFill>
-              </a:rPr>
-              <a:t>Component</a:t>
-            </a:r>
-            <a:r>
-              <a:rPr lang="en-US" altLang="zh-CN" sz="2200" dirty="0"/>
-              <a:t> { </a:t>
-            </a:r>
-            <a:endParaRPr lang="en-US" altLang="zh-CN" sz="2200" dirty="0" smtClean="0"/>
-          </a:p>
-          <a:p>
-            <a:r>
-              <a:rPr lang="en-US" altLang="zh-CN" sz="2200" dirty="0" smtClean="0"/>
-              <a:t>	</a:t>
-            </a:r>
-            <a:r>
-              <a:rPr lang="en-US" altLang="zh-CN" sz="2200" dirty="0" smtClean="0">
-                <a:solidFill>
-                  <a:srgbClr val="FF0000"/>
-                </a:solidFill>
-              </a:rPr>
-              <a:t>render</a:t>
-            </a:r>
-            <a:r>
-              <a:rPr lang="en-US" altLang="zh-CN" sz="2200" dirty="0" smtClean="0"/>
-              <a:t>( ) </a:t>
-            </a:r>
-            <a:r>
-              <a:rPr lang="en-US" altLang="zh-CN" sz="2200" dirty="0"/>
-              <a:t>{ </a:t>
-            </a:r>
-            <a:endParaRPr lang="en-US" altLang="zh-CN" sz="2200" dirty="0" smtClean="0"/>
-          </a:p>
-          <a:p>
-            <a:r>
-              <a:rPr lang="en-US" altLang="zh-CN" sz="2200" dirty="0" smtClean="0"/>
-              <a:t>		</a:t>
-            </a:r>
-            <a:r>
-              <a:rPr lang="en-US" altLang="zh-CN" sz="2200" dirty="0" smtClean="0">
-                <a:solidFill>
-                  <a:srgbClr val="FF0000"/>
-                </a:solidFill>
-              </a:rPr>
-              <a:t>return (</a:t>
-            </a:r>
-          </a:p>
-          <a:p>
-            <a:r>
-              <a:rPr lang="en-US" altLang="zh-CN" sz="2200" dirty="0" smtClean="0">
-                <a:solidFill>
-                  <a:srgbClr val="FF0000"/>
-                </a:solidFill>
-              </a:rPr>
-              <a:t>			</a:t>
-            </a:r>
-            <a:r>
-              <a:rPr lang="en-US" altLang="zh-CN" sz="2200" dirty="0"/>
-              <a:t>&lt;Router&gt;</a:t>
-            </a:r>
-          </a:p>
-          <a:p>
-            <a:r>
-              <a:rPr lang="en-US" altLang="zh-CN" sz="2200" dirty="0" smtClean="0"/>
-              <a:t>				&lt;</a:t>
-            </a:r>
-            <a:r>
-              <a:rPr lang="en-US" altLang="zh-CN" sz="2200" dirty="0"/>
-              <a:t>div&gt;</a:t>
-            </a:r>
-          </a:p>
-          <a:p>
-            <a:r>
-              <a:rPr lang="en-US" altLang="zh-CN" sz="2200" dirty="0" smtClean="0"/>
-              <a:t>					&lt;</a:t>
-            </a:r>
-            <a:r>
-              <a:rPr lang="en-US" altLang="zh-CN" sz="2200" dirty="0"/>
-              <a:t>Route exact path='/' component={Home}/&gt;</a:t>
-            </a:r>
-          </a:p>
-          <a:p>
-            <a:r>
-              <a:rPr lang="en-US" altLang="zh-CN" sz="2200" dirty="0" smtClean="0"/>
-              <a:t>					&lt;</a:t>
-            </a:r>
-            <a:r>
-              <a:rPr lang="en-US" altLang="zh-CN" sz="2200" dirty="0"/>
-              <a:t>Route path='/about' component={About}/&gt;</a:t>
-            </a:r>
-          </a:p>
-          <a:p>
-            <a:r>
-              <a:rPr lang="en-US" altLang="zh-CN" sz="2200" dirty="0" smtClean="0"/>
-              <a:t>				&lt;/</a:t>
-            </a:r>
-            <a:r>
-              <a:rPr lang="en-US" altLang="zh-CN" sz="2200" dirty="0"/>
-              <a:t>div&gt;</a:t>
-            </a:r>
-          </a:p>
-          <a:p>
-            <a:r>
-              <a:rPr lang="en-US" altLang="zh-CN" sz="2200" dirty="0" smtClean="0"/>
-              <a:t>			&lt;/</a:t>
-            </a:r>
-            <a:r>
-              <a:rPr lang="en-US" altLang="zh-CN" sz="2200" dirty="0"/>
-              <a:t>Router</a:t>
-            </a:r>
-            <a:r>
-              <a:rPr lang="en-US" altLang="zh-CN" sz="2200" dirty="0" smtClean="0"/>
-              <a:t>&gt;</a:t>
-            </a:r>
-            <a:endParaRPr lang="en-US" altLang="zh-CN" sz="2200" dirty="0">
-              <a:solidFill>
-                <a:srgbClr val="FF0000"/>
-              </a:solidFill>
-            </a:endParaRPr>
-          </a:p>
-          <a:p>
-            <a:r>
-              <a:rPr lang="en-US" altLang="zh-CN" sz="2200" dirty="0" smtClean="0">
-                <a:solidFill>
-                  <a:srgbClr val="FF0000"/>
-                </a:solidFill>
-              </a:rPr>
-              <a:t>		)</a:t>
-            </a:r>
-            <a:r>
-              <a:rPr lang="en-US" altLang="zh-CN" sz="2200" dirty="0" smtClean="0"/>
-              <a:t>; </a:t>
-            </a:r>
-            <a:endParaRPr lang="en-US" altLang="zh-CN" sz="2200" dirty="0" smtClean="0"/>
-          </a:p>
-          <a:p>
-            <a:r>
-              <a:rPr lang="en-US" altLang="zh-CN" sz="2200" dirty="0" smtClean="0"/>
-              <a:t>	} </a:t>
-            </a:r>
-          </a:p>
-          <a:p>
-            <a:r>
-              <a:rPr lang="en-US" altLang="zh-CN" sz="2200" dirty="0" smtClean="0"/>
-              <a:t>}</a:t>
-            </a:r>
-            <a:endParaRPr lang="en-US" altLang="zh-CN" sz="2200" dirty="0" smtClean="0"/>
+              <a:rPr lang="en-US" altLang="zh-CN" sz="2400" dirty="0"/>
+              <a:t>&lt;Switch&gt;</a:t>
+            </a:r>
+          </a:p>
+          <a:p>
+            <a:r>
+              <a:rPr lang="en-US" altLang="zh-CN" sz="2400" dirty="0" smtClean="0"/>
+              <a:t>	&lt;</a:t>
+            </a:r>
+            <a:r>
+              <a:rPr lang="en-US" altLang="zh-CN" sz="2400" dirty="0"/>
+              <a:t>Redirect from </a:t>
+            </a:r>
+            <a:r>
+              <a:rPr lang="en-US" altLang="zh-CN" sz="2400" dirty="0" smtClean="0"/>
+              <a:t>= '/old‘  to = ‘/new‘ /&gt;</a:t>
+            </a:r>
+            <a:endParaRPr lang="en-US" altLang="zh-CN" sz="2400" dirty="0"/>
+          </a:p>
+          <a:p>
+            <a:r>
+              <a:rPr lang="en-US" altLang="zh-CN" sz="2400" dirty="0" smtClean="0"/>
+              <a:t>	&lt;</a:t>
+            </a:r>
+            <a:r>
+              <a:rPr lang="en-US" altLang="zh-CN" sz="2400" dirty="0"/>
+              <a:t>Route path</a:t>
+            </a:r>
+            <a:r>
+              <a:rPr lang="en-US" altLang="zh-CN" sz="2400" dirty="0" smtClean="0"/>
+              <a:t>='/new' </a:t>
+            </a:r>
+            <a:r>
+              <a:rPr lang="en-US" altLang="zh-CN" sz="2400" dirty="0"/>
+              <a:t>component</a:t>
+            </a:r>
+            <a:r>
+              <a:rPr lang="en-US" altLang="zh-CN" sz="2400" dirty="0" smtClean="0"/>
+              <a:t>={ New }/&gt;</a:t>
+            </a:r>
+            <a:endParaRPr lang="en-US" altLang="zh-CN" sz="2400" dirty="0"/>
+          </a:p>
+          <a:p>
+            <a:r>
+              <a:rPr lang="en-US" altLang="zh-CN" sz="2400" dirty="0" smtClean="0"/>
+              <a:t>&lt;/</a:t>
+            </a:r>
+            <a:r>
+              <a:rPr lang="en-US" altLang="zh-CN" sz="2400" dirty="0"/>
+              <a:t>Switch&gt;</a:t>
+            </a:r>
+          </a:p>
+          <a:p>
+            <a:endParaRPr lang="en-US" altLang="zh-CN" sz="2400" dirty="0" smtClean="0"/>
           </a:p>
         </p:txBody>
       </p:sp>
     </p:spTree>
     <p:extLst>
       <p:ext uri="{BB962C8B-B14F-4D97-AF65-F5344CB8AC3E}">
-        <p14:creationId xmlns:p14="http://schemas.microsoft.com/office/powerpoint/2010/main" val="1784312958"/>
+        <p14:creationId xmlns:p14="http://schemas.microsoft.com/office/powerpoint/2010/main" val="388183530"/>
       </p:ext>
     </p:extLst>
   </p:cSld>
@@ -3548,7 +3186,7 @@
                             </p:stCondLst>
                             <p:childTnLst>
                               <p:par>
-                                <p:cTn id="5" presetID="22" presetClass="entr" presetSubtype="4" fill="hold" grpId="0" nodeType="clickEffect">
+                                <p:cTn id="5" presetID="22" presetClass="entr" presetSubtype="4" fill="hold" nodeType="clickEffect">
                                   <p:stCondLst>
                                     <p:cond delay="0"/>
                                   </p:stCondLst>
@@ -3556,6 +3194,67 @@
                                     <p:set>
                                       <p:cBhvr>
                                         <p:cTn id="6" dur="1" fill="hold">
+                                          <p:stCondLst>
+                                            <p:cond delay="0"/>
+                                          </p:stCondLst>
+                                        </p:cTn>
+                                        <p:tgtEl>
+                                          <p:spTgt spid="30722">
+                                            <p:txEl>
+                                              <p:pRg st="3" end="3"/>
+                                            </p:txEl>
+                                          </p:spTgt>
+                                        </p:tgtEl>
+                                        <p:attrNameLst>
+                                          <p:attrName>style.visibility</p:attrName>
+                                        </p:attrNameLst>
+                                      </p:cBhvr>
+                                      <p:to>
+                                        <p:strVal val="visible"/>
+                                      </p:to>
+                                    </p:set>
+                                    <p:animEffect transition="in" filter="wipe(down)">
+                                      <p:cBhvr>
+                                        <p:cTn id="7" dur="500"/>
+                                        <p:tgtEl>
+                                          <p:spTgt spid="30722">
+                                            <p:txEl>
+                                              <p:pRg st="3" end="3"/>
+                                            </p:txEl>
+                                          </p:spTgt>
+                                        </p:tgtEl>
+                                      </p:cBhvr>
+                                    </p:animEffect>
+                                  </p:childTnLst>
+                                </p:cTn>
+                              </p:par>
+                            </p:childTnLst>
+                          </p:cTn>
+                        </p:par>
+                      </p:childTnLst>
+                    </p:cTn>
+                  </p:par>
+                  <p:par>
+                    <p:cTn id="8" fill="hold">
+                      <p:stCondLst>
+                        <p:cond delay="indefinite"/>
+                      </p:stCondLst>
+                      <p:childTnLst>
+                        <p:par>
+                          <p:cTn id="9" fill="hold">
+                            <p:stCondLst>
+                              <p:cond delay="0"/>
+                            </p:stCondLst>
+                            <p:childTnLst>
+                              <p:par>
+                                <p:cTn id="10" presetID="22" presetClass="entr" presetSubtype="4" fill="hold" grpId="0" nodeType="clickEffect">
+                                  <p:stCondLst>
+                                    <p:cond delay="0"/>
+                                  </p:stCondLst>
+                                  <p:childTnLst>
+                                    <p:set>
+                                      <p:cBhvr>
+                                        <p:cTn id="11" dur="1" fill="hold">
                                           <p:stCondLst>
                                             <p:cond delay="0"/>
                                           </p:stCondLst>
@@ -3573,7 +3272,7 @@
                                     </p:set>
                                     <p:animEffect transition="in" filter="wipe(down)">
                                       <p:cBhvr>
-                                        <p:cTn id="7" dur="500"/>
+                                        <p:cTn id="12" dur="500"/>
                                         <p:tgtEl>
                                           <p:spTgt spid="4"/>
                                         </p:tgtEl>
@@ -3616,7 +3315,7 @@
 </p:sld>
 </file>
 
-<file path=ppt/slides/slide5.xml><?xml version="1.0" encoding="utf-8"?>
+<file path=ppt/slides/slide11.xml><?xml version="1.0" encoding="utf-8"?>
 <p:sld xmlns:a="http://schemas.openxmlformats.org/drawingml/2006/main" xmlns:r="http://schemas.openxmlformats.org/officeDocument/2006/relationships" xmlns:p="http://schemas.openxmlformats.org/presentationml/2006/main">
   <p:cSld>
     <p:spTree>
@@ -4025,7 +3724,7 @@
 </p:sld>
 </file>
 
-<file path=ppt/slides/slide6.xml><?xml version="1.0" encoding="utf-8"?>
+<file path=ppt/slides/slide12.xml><?xml version="1.0" encoding="utf-8"?>
 <p:sld xmlns:a="http://schemas.openxmlformats.org/drawingml/2006/main" xmlns:r="http://schemas.openxmlformats.org/officeDocument/2006/relationships" xmlns:p="http://schemas.openxmlformats.org/presentationml/2006/main">
   <p:cSld>
     <p:spTree>
@@ -4115,11 +3814,7 @@
             <a:pPr marL="591820" lvl="1"/>
             <a:r>
               <a:rPr lang="en-US" altLang="zh-CN" dirty="0"/>
-              <a:t> </a:t>
-            </a:r>
-            <a:r>
-              <a:rPr lang="en-US" altLang="zh-CN" dirty="0"/>
-              <a:t>&lt;Link to</a:t>
+              <a:t> &lt;Link to</a:t>
             </a:r>
             <a:r>
               <a:rPr lang="en-US" altLang="zh-CN" dirty="0" smtClean="0"/>
@@ -4147,11 +3842,7 @@
             <a:pPr marL="360045"/>
             <a:r>
               <a:rPr lang="en-US" altLang="zh-CN" sz="2800" dirty="0" smtClean="0"/>
-              <a:t>		</a:t>
-            </a:r>
-            <a:r>
-              <a:rPr lang="en-US" altLang="zh-CN" sz="2800" dirty="0" smtClean="0"/>
-              <a:t> </a:t>
+              <a:t>		 </a:t>
             </a:r>
             <a:r>
               <a:rPr lang="zh-CN" altLang="en-US" sz="2800" dirty="0" smtClean="0"/>
@@ -4169,18 +3860,120 @@
               <a:t> </a:t>
             </a:r>
             <a:r>
+              <a:rPr lang="en-US" altLang="zh-CN" dirty="0" smtClean="0">
+                <a:latin typeface="+mj-ea"/>
+                <a:ea typeface="+mj-ea"/>
+              </a:rPr>
+              <a:t>match </a:t>
+            </a:r>
+            <a:r>
               <a:rPr lang="zh-CN" altLang="en-US" dirty="0" smtClean="0">
                 <a:latin typeface="+mj-ea"/>
                 <a:ea typeface="+mj-ea"/>
               </a:rPr>
-              <a:t>数据存放在 </a:t>
+              <a:t>对象</a:t>
+            </a:r>
+            <a:endParaRPr lang="en-US" altLang="zh-CN" dirty="0" smtClean="0">
+              <a:latin typeface="+mj-ea"/>
+              <a:ea typeface="+mj-ea"/>
+            </a:endParaRPr>
+          </a:p>
+          <a:p>
+            <a:pPr marL="593090" lvl="2"/>
+            <a:r>
+              <a:rPr lang="zh-CN" altLang="en-US" dirty="0" smtClean="0"/>
+              <a:t> 一个包含 </a:t>
+            </a:r>
+            <a:r>
+              <a:rPr lang="en-US" altLang="zh-CN" dirty="0" smtClean="0"/>
+              <a:t>&lt;Route path=‘’&gt; </a:t>
+            </a:r>
+            <a:r>
+              <a:rPr lang="zh-CN" altLang="en-US" dirty="0" smtClean="0"/>
+              <a:t>匹配</a:t>
+            </a:r>
+            <a:r>
+              <a:rPr lang="zh-CN" altLang="en-US" dirty="0"/>
+              <a:t>路径</a:t>
+            </a:r>
+            <a:r>
+              <a:rPr lang="zh-CN" altLang="en-US" dirty="0" smtClean="0"/>
+              <a:t>参</a:t>
+            </a:r>
+            <a:r>
+              <a:rPr lang="zh-CN" altLang="en-US" dirty="0"/>
+              <a:t>信息</a:t>
+            </a:r>
+            <a:r>
+              <a:rPr lang="zh-CN" altLang="en-US" dirty="0" smtClean="0"/>
+              <a:t>的对象</a:t>
+            </a:r>
+            <a:endParaRPr lang="en-US" altLang="zh-CN" dirty="0" smtClean="0"/>
+          </a:p>
+          <a:p>
+            <a:pPr marL="593090" lvl="2"/>
+            <a:r>
+              <a:rPr lang="en-US" altLang="zh-CN" dirty="0">
+                <a:latin typeface="+mj-ea"/>
+                <a:ea typeface="+mj-ea"/>
+              </a:rPr>
+              <a:t> </a:t>
             </a:r>
             <a:r>
               <a:rPr lang="en-US" altLang="zh-CN" dirty="0" err="1" smtClean="0"/>
-              <a:t>this.props.match.params</a:t>
+              <a:t>params</a:t>
             </a:r>
             <a:endParaRPr lang="en-US" altLang="zh-CN" dirty="0">
               <a:ea typeface="宋体" panose="02010600030101010101" pitchFamily="2" charset="-122"/>
+            </a:endParaRPr>
+          </a:p>
+          <a:p>
+            <a:pPr marL="593090" lvl="2"/>
+            <a:r>
+              <a:rPr lang="en-US" altLang="zh-CN" dirty="0" smtClean="0">
+                <a:latin typeface="+mn-ea"/>
+                <a:ea typeface="+mn-ea"/>
+              </a:rPr>
+              <a:t> </a:t>
+            </a:r>
+            <a:r>
+              <a:rPr lang="en-US" altLang="zh-CN" dirty="0" err="1" smtClean="0">
+                <a:latin typeface="+mn-ea"/>
+                <a:ea typeface="+mn-ea"/>
+              </a:rPr>
+              <a:t>url</a:t>
+            </a:r>
+            <a:r>
+              <a:rPr lang="zh-CN" altLang="en-US" dirty="0" smtClean="0">
+                <a:latin typeface="+mn-ea"/>
+                <a:ea typeface="+mn-ea"/>
+              </a:rPr>
+              <a:t>、</a:t>
+            </a:r>
+            <a:r>
+              <a:rPr lang="en-US" altLang="zh-CN" dirty="0" smtClean="0">
+                <a:latin typeface="+mn-ea"/>
+                <a:ea typeface="+mn-ea"/>
+              </a:rPr>
+              <a:t>path</a:t>
+            </a:r>
+            <a:r>
+              <a:rPr lang="zh-CN" altLang="en-US" dirty="0" smtClean="0">
+                <a:latin typeface="+mn-ea"/>
+                <a:ea typeface="+mn-ea"/>
+              </a:rPr>
+              <a:t>、</a:t>
+            </a:r>
+            <a:r>
+              <a:rPr lang="en-US" altLang="zh-CN" dirty="0" err="1" smtClean="0">
+                <a:latin typeface="+mn-ea"/>
+                <a:ea typeface="+mn-ea"/>
+              </a:rPr>
+              <a:t>isExact</a:t>
+            </a:r>
+            <a:endParaRPr lang="en-US" altLang="zh-CN" dirty="0" smtClean="0">
+              <a:latin typeface="+mn-ea"/>
+              <a:ea typeface="+mn-ea"/>
             </a:endParaRPr>
           </a:p>
         </p:txBody>
@@ -4234,10 +4027,35 @@
               </a:rPr>
               <a:t>动态路由</a:t>
             </a:r>
-            <a:endParaRPr lang="zh-CN" altLang="en-US" dirty="0" smtClean="0">
-              <a:latin typeface="+mn-ea"/>
-              <a:ea typeface="+mn-ea"/>
-            </a:endParaRPr>
+          </a:p>
+        </p:txBody>
+      </p:sp>
+      <p:sp>
+        <p:nvSpPr>
+          <p:cNvPr id="4" name="矩形 3"/>
+          <p:cNvSpPr/>
+          <p:nvPr/>
+        </p:nvSpPr>
+        <p:spPr>
+          <a:xfrm>
+            <a:off x="10201881" y="5848655"/>
+            <a:ext cx="1368627" cy="461665"/>
+          </a:xfrm>
+          <a:prstGeom prst="rect">
+            <a:avLst/>
+          </a:prstGeom>
+        </p:spPr>
+        <p:txBody>
+          <a:bodyPr wrap="square">
+            <a:spAutoFit/>
+          </a:bodyPr>
+          <a:lstStyle/>
+          <a:p>
+            <a:r>
+              <a:rPr lang="en-US" altLang="zh-CN" sz="2400" dirty="0" smtClean="0"/>
+              <a:t>demo02</a:t>
+            </a:r>
+            <a:endParaRPr lang="zh-CN" altLang="en-US" sz="2400" dirty="0"/>
           </a:p>
         </p:txBody>
       </p:sp>
@@ -4261,7 +4079,7 @@
 </p:sld>
 </file>
 
-<file path=ppt/slides/slide7.xml><?xml version="1.0" encoding="utf-8"?>
+<file path=ppt/slides/slide13.xml><?xml version="1.0" encoding="utf-8"?>
 <p:sld xmlns:a="http://schemas.openxmlformats.org/drawingml/2006/main" xmlns:r="http://schemas.openxmlformats.org/officeDocument/2006/relationships" xmlns:p="http://schemas.openxmlformats.org/presentationml/2006/main">
   <p:cSld>
     <p:spTree>
@@ -4293,9 +4111,7 @@
             <a:off x="693526" y="907845"/>
             <a:ext cx="10228685" cy="4898244"/>
           </a:xfrm>
-          <a:solidFill>
-            <a:schemeClr val="bg1"/>
-          </a:solidFill>
+          <a:noFill/>
         </p:spPr>
         <p:txBody>
           <a:bodyPr vert="horz" wrap="square" lIns="91440" tIns="45720" rIns="91440" bIns="45720" numCol="1" anchor="t" anchorCtr="0" compatLnSpc="1"/>
@@ -4339,11 +4155,7 @@
             <a:pPr marL="591820" lvl="1"/>
             <a:r>
               <a:rPr lang="en-US" altLang="zh-CN" dirty="0"/>
-              <a:t> </a:t>
-            </a:r>
-            <a:r>
-              <a:rPr lang="en-US" altLang="zh-CN" dirty="0"/>
-              <a:t>&lt;Link to</a:t>
+              <a:t> &lt;Link to</a:t>
             </a:r>
             <a:r>
               <a:rPr lang="en-US" altLang="zh-CN" dirty="0" smtClean="0"/>
@@ -4375,11 +4187,7 @@
             <a:pPr marL="360045"/>
             <a:r>
               <a:rPr lang="en-US" altLang="zh-CN" sz="2800" dirty="0" smtClean="0"/>
-              <a:t>		</a:t>
-            </a:r>
-            <a:r>
-              <a:rPr lang="en-US" altLang="zh-CN" sz="2800" dirty="0" smtClean="0"/>
-              <a:t> </a:t>
+              <a:t>		 </a:t>
             </a:r>
             <a:r>
               <a:rPr lang="zh-CN" altLang="en-US" sz="2800" dirty="0" smtClean="0"/>
@@ -4604,10 +4412,6 @@
               </a:rPr>
               <a:t>传值</a:t>
             </a:r>
-            <a:endParaRPr lang="zh-CN" altLang="en-US" dirty="0" smtClean="0">
-              <a:latin typeface="+mn-ea"/>
-              <a:ea typeface="+mn-ea"/>
-            </a:endParaRPr>
           </a:p>
         </p:txBody>
       </p:sp>
@@ -4631,7 +4435,7 @@
 </p:sld>
 </file>
 
-<file path=ppt/slides/slide8.xml><?xml version="1.0" encoding="utf-8"?>
+<file path=ppt/slides/slide14.xml><?xml version="1.0" encoding="utf-8"?>
 <p:sld xmlns:a="http://schemas.openxmlformats.org/drawingml/2006/main" xmlns:r="http://schemas.openxmlformats.org/officeDocument/2006/relationships" xmlns:p="http://schemas.openxmlformats.org/presentationml/2006/main">
   <p:cSld>
     <p:spTree>
@@ -4813,6 +4617,4819 @@
         </p:spPr>
       </p:pic>
     </p:spTree>
+  </p:cSld>
+  <p:clrMapOvr>
+    <a:masterClrMapping/>
+  </p:clrMapOvr>
+  <p:timing>
+    <p:tnLst>
+      <p:par>
+        <p:cTn id="1" dur="indefinite" restart="never" nodeType="tmRoot"/>
+      </p:par>
+    </p:tnLst>
+  </p:timing>
+</p:sld>
+</file>
+
+<file path=ppt/slides/slide2.xml><?xml version="1.0" encoding="utf-8"?>
+<p:sld xmlns:a="http://schemas.openxmlformats.org/drawingml/2006/main" xmlns:r="http://schemas.openxmlformats.org/officeDocument/2006/relationships" xmlns:p="http://schemas.openxmlformats.org/presentationml/2006/main">
+  <p:cSld>
+    <p:spTree>
+      <p:nvGrpSpPr>
+        <p:cNvPr id="1" name=""/>
+        <p:cNvGrpSpPr/>
+        <p:nvPr/>
+      </p:nvGrpSpPr>
+      <p:grpSpPr>
+        <a:xfrm>
+          <a:off x="0" y="0"/>
+          <a:ext cx="0" cy="0"/>
+          <a:chOff x="0" y="0"/>
+          <a:chExt cx="0" cy="0"/>
+        </a:xfrm>
+      </p:grpSpPr>
+      <p:sp>
+        <p:nvSpPr>
+          <p:cNvPr id="21506" name="矩形 2"/>
+          <p:cNvSpPr>
+            <a:spLocks noChangeArrowheads="1"/>
+          </p:cNvSpPr>
+          <p:nvPr/>
+        </p:nvSpPr>
+        <p:spPr bwMode="auto">
+          <a:xfrm>
+            <a:off x="1053690" y="258763"/>
+            <a:ext cx="3186523" cy="585787"/>
+          </a:xfrm>
+          <a:prstGeom prst="rect">
+            <a:avLst/>
+          </a:prstGeom>
+          <a:noFill/>
+          <a:ln>
+            <a:noFill/>
+          </a:ln>
+          <a:extLst>
+            <a:ext uri="{909E8E84-426E-40DD-AFC4-6F175D3DCCD1}">
+              <a14:hiddenFill xmlns:a14="http://schemas.microsoft.com/office/drawing/2010/main">
+                <a:solidFill>
+                  <a:srgbClr val="FFFFFF"/>
+                </a:solidFill>
+              </a14:hiddenFill>
+            </a:ext>
+            <a:ext uri="{91240B29-F687-4F45-9708-019B960494DF}">
+              <a14:hiddenLine xmlns:a14="http://schemas.microsoft.com/office/drawing/2010/main" w="9525">
+                <a:solidFill>
+                  <a:srgbClr val="000000"/>
+                </a:solidFill>
+                <a:miter lim="800000"/>
+                <a:headEnd/>
+                <a:tailEnd/>
+              </a14:hiddenLine>
+            </a:ext>
+          </a:extLst>
+        </p:spPr>
+        <p:txBody>
+          <a:bodyPr wrap="square">
+            <a:spAutoFit/>
+          </a:bodyPr>
+          <a:lstStyle>
+            <a:lvl1pPr>
+              <a:defRPr sz="3200">
+                <a:solidFill>
+                  <a:schemeClr val="tx1"/>
+                </a:solidFill>
+                <a:latin typeface="Arial" panose="020B0604020202020204" pitchFamily="34" charset="0"/>
+                <a:ea typeface="微软雅黑" panose="020B0503020204020204" pitchFamily="34" charset="-122"/>
+              </a:defRPr>
+            </a:lvl1pPr>
+            <a:lvl2pPr marL="742950" indent="-285750">
+              <a:defRPr sz="3200">
+                <a:solidFill>
+                  <a:schemeClr val="tx1"/>
+                </a:solidFill>
+                <a:latin typeface="Arial" panose="020B0604020202020204" pitchFamily="34" charset="0"/>
+                <a:ea typeface="微软雅黑" panose="020B0503020204020204" pitchFamily="34" charset="-122"/>
+              </a:defRPr>
+            </a:lvl2pPr>
+            <a:lvl3pPr marL="1143000" indent="-228600">
+              <a:defRPr sz="3200">
+                <a:solidFill>
+                  <a:schemeClr val="tx1"/>
+                </a:solidFill>
+                <a:latin typeface="Arial" panose="020B0604020202020204" pitchFamily="34" charset="0"/>
+                <a:ea typeface="微软雅黑" panose="020B0503020204020204" pitchFamily="34" charset="-122"/>
+              </a:defRPr>
+            </a:lvl3pPr>
+            <a:lvl4pPr marL="1600200" indent="-228600">
+              <a:defRPr sz="3200">
+                <a:solidFill>
+                  <a:schemeClr val="tx1"/>
+                </a:solidFill>
+                <a:latin typeface="Arial" panose="020B0604020202020204" pitchFamily="34" charset="0"/>
+                <a:ea typeface="微软雅黑" panose="020B0503020204020204" pitchFamily="34" charset="-122"/>
+              </a:defRPr>
+            </a:lvl4pPr>
+            <a:lvl5pPr marL="2057400" indent="-228600">
+              <a:defRPr sz="3200">
+                <a:solidFill>
+                  <a:schemeClr val="tx1"/>
+                </a:solidFill>
+                <a:latin typeface="Arial" panose="020B0604020202020204" pitchFamily="34" charset="0"/>
+                <a:ea typeface="微软雅黑" panose="020B0503020204020204" pitchFamily="34" charset="-122"/>
+              </a:defRPr>
+            </a:lvl5pPr>
+            <a:lvl6pPr marL="2514600" indent="-228600" eaLnBrk="0" fontAlgn="base" hangingPunct="0">
+              <a:spcBef>
+                <a:spcPct val="0"/>
+              </a:spcBef>
+              <a:spcAft>
+                <a:spcPct val="0"/>
+              </a:spcAft>
+              <a:defRPr sz="3200">
+                <a:solidFill>
+                  <a:schemeClr val="tx1"/>
+                </a:solidFill>
+                <a:latin typeface="Arial" panose="020B0604020202020204" pitchFamily="34" charset="0"/>
+                <a:ea typeface="微软雅黑" panose="020B0503020204020204" pitchFamily="34" charset="-122"/>
+              </a:defRPr>
+            </a:lvl6pPr>
+            <a:lvl7pPr marL="2971800" indent="-228600" eaLnBrk="0" fontAlgn="base" hangingPunct="0">
+              <a:spcBef>
+                <a:spcPct val="0"/>
+              </a:spcBef>
+              <a:spcAft>
+                <a:spcPct val="0"/>
+              </a:spcAft>
+              <a:defRPr sz="3200">
+                <a:solidFill>
+                  <a:schemeClr val="tx1"/>
+                </a:solidFill>
+                <a:latin typeface="Arial" panose="020B0604020202020204" pitchFamily="34" charset="0"/>
+                <a:ea typeface="微软雅黑" panose="020B0503020204020204" pitchFamily="34" charset="-122"/>
+              </a:defRPr>
+            </a:lvl7pPr>
+            <a:lvl8pPr marL="3429000" indent="-228600" eaLnBrk="0" fontAlgn="base" hangingPunct="0">
+              <a:spcBef>
+                <a:spcPct val="0"/>
+              </a:spcBef>
+              <a:spcAft>
+                <a:spcPct val="0"/>
+              </a:spcAft>
+              <a:defRPr sz="3200">
+                <a:solidFill>
+                  <a:schemeClr val="tx1"/>
+                </a:solidFill>
+                <a:latin typeface="Arial" panose="020B0604020202020204" pitchFamily="34" charset="0"/>
+                <a:ea typeface="微软雅黑" panose="020B0503020204020204" pitchFamily="34" charset="-122"/>
+              </a:defRPr>
+            </a:lvl8pPr>
+            <a:lvl9pPr marL="3886200" indent="-228600" eaLnBrk="0" fontAlgn="base" hangingPunct="0">
+              <a:spcBef>
+                <a:spcPct val="0"/>
+              </a:spcBef>
+              <a:spcAft>
+                <a:spcPct val="0"/>
+              </a:spcAft>
+              <a:defRPr sz="3200">
+                <a:solidFill>
+                  <a:schemeClr val="tx1"/>
+                </a:solidFill>
+                <a:latin typeface="Arial" panose="020B0604020202020204" pitchFamily="34" charset="0"/>
+                <a:ea typeface="微软雅黑" panose="020B0503020204020204" pitchFamily="34" charset="-122"/>
+              </a:defRPr>
+            </a:lvl9pPr>
+          </a:lstStyle>
+          <a:p>
+            <a:r>
+              <a:rPr lang="zh-CN" altLang="en-US" dirty="0" smtClean="0">
+                <a:solidFill>
+                  <a:srgbClr val="C00000"/>
+                </a:solidFill>
+                <a:latin typeface="+mj-ea"/>
+                <a:ea typeface="+mj-ea"/>
+              </a:rPr>
+              <a:t>内容提纲</a:t>
+            </a:r>
+            <a:endParaRPr lang="zh-CN" altLang="en-US" dirty="0">
+              <a:solidFill>
+                <a:srgbClr val="C00000"/>
+              </a:solidFill>
+              <a:latin typeface="+mj-ea"/>
+              <a:ea typeface="+mj-ea"/>
+            </a:endParaRPr>
+          </a:p>
+        </p:txBody>
+      </p:sp>
+      <p:sp>
+        <p:nvSpPr>
+          <p:cNvPr id="21507" name="AutoShape 6"/>
+          <p:cNvSpPr>
+            <a:spLocks noChangeArrowheads="1"/>
+          </p:cNvSpPr>
+          <p:nvPr/>
+        </p:nvSpPr>
+        <p:spPr bwMode="auto">
+          <a:xfrm>
+            <a:off x="2309813" y="1428750"/>
+            <a:ext cx="6532562" cy="3943350"/>
+          </a:xfrm>
+          <a:prstGeom prst="roundRect">
+            <a:avLst>
+              <a:gd name="adj" fmla="val 16667"/>
+            </a:avLst>
+          </a:prstGeom>
+          <a:noFill/>
+          <a:ln w="28575">
+            <a:solidFill>
+              <a:srgbClr val="C0C0C0"/>
+            </a:solidFill>
+            <a:prstDash val="sysDot"/>
+            <a:round/>
+          </a:ln>
+          <a:extLst>
+            <a:ext uri="{909E8E84-426E-40DD-AFC4-6F175D3DCCD1}">
+              <a14:hiddenFill xmlns:a14="http://schemas.microsoft.com/office/drawing/2010/main">
+                <a:solidFill>
+                  <a:srgbClr val="FFFFFF"/>
+                </a:solidFill>
+              </a14:hiddenFill>
+            </a:ext>
+          </a:extLst>
+        </p:spPr>
+        <p:txBody>
+          <a:bodyPr wrap="none" anchor="ctr"/>
+          <a:lstStyle>
+            <a:lvl1pPr marL="457200" indent="-457200">
+              <a:defRPr sz="3200">
+                <a:solidFill>
+                  <a:schemeClr val="tx1"/>
+                </a:solidFill>
+                <a:latin typeface="Arial" panose="020B0604020202020204" pitchFamily="34" charset="0"/>
+                <a:ea typeface="微软雅黑" panose="020B0503020204020204" pitchFamily="34" charset="-122"/>
+              </a:defRPr>
+            </a:lvl1pPr>
+            <a:lvl2pPr marL="742950" indent="-285750">
+              <a:defRPr sz="3200">
+                <a:solidFill>
+                  <a:schemeClr val="tx1"/>
+                </a:solidFill>
+                <a:latin typeface="Arial" panose="020B0604020202020204" pitchFamily="34" charset="0"/>
+                <a:ea typeface="微软雅黑" panose="020B0503020204020204" pitchFamily="34" charset="-122"/>
+              </a:defRPr>
+            </a:lvl2pPr>
+            <a:lvl3pPr marL="1143000" indent="-228600">
+              <a:defRPr sz="3200">
+                <a:solidFill>
+                  <a:schemeClr val="tx1"/>
+                </a:solidFill>
+                <a:latin typeface="Arial" panose="020B0604020202020204" pitchFamily="34" charset="0"/>
+                <a:ea typeface="微软雅黑" panose="020B0503020204020204" pitchFamily="34" charset="-122"/>
+              </a:defRPr>
+            </a:lvl3pPr>
+            <a:lvl4pPr marL="1600200" indent="-228600">
+              <a:defRPr sz="3200">
+                <a:solidFill>
+                  <a:schemeClr val="tx1"/>
+                </a:solidFill>
+                <a:latin typeface="Arial" panose="020B0604020202020204" pitchFamily="34" charset="0"/>
+                <a:ea typeface="微软雅黑" panose="020B0503020204020204" pitchFamily="34" charset="-122"/>
+              </a:defRPr>
+            </a:lvl4pPr>
+            <a:lvl5pPr marL="2057400" indent="-228600">
+              <a:defRPr sz="3200">
+                <a:solidFill>
+                  <a:schemeClr val="tx1"/>
+                </a:solidFill>
+                <a:latin typeface="Arial" panose="020B0604020202020204" pitchFamily="34" charset="0"/>
+                <a:ea typeface="微软雅黑" panose="020B0503020204020204" pitchFamily="34" charset="-122"/>
+              </a:defRPr>
+            </a:lvl5pPr>
+            <a:lvl6pPr marL="2514600" indent="-228600" eaLnBrk="0" fontAlgn="base" hangingPunct="0">
+              <a:spcBef>
+                <a:spcPct val="0"/>
+              </a:spcBef>
+              <a:spcAft>
+                <a:spcPct val="0"/>
+              </a:spcAft>
+              <a:defRPr sz="3200">
+                <a:solidFill>
+                  <a:schemeClr val="tx1"/>
+                </a:solidFill>
+                <a:latin typeface="Arial" panose="020B0604020202020204" pitchFamily="34" charset="0"/>
+                <a:ea typeface="微软雅黑" panose="020B0503020204020204" pitchFamily="34" charset="-122"/>
+              </a:defRPr>
+            </a:lvl6pPr>
+            <a:lvl7pPr marL="2971800" indent="-228600" eaLnBrk="0" fontAlgn="base" hangingPunct="0">
+              <a:spcBef>
+                <a:spcPct val="0"/>
+              </a:spcBef>
+              <a:spcAft>
+                <a:spcPct val="0"/>
+              </a:spcAft>
+              <a:defRPr sz="3200">
+                <a:solidFill>
+                  <a:schemeClr val="tx1"/>
+                </a:solidFill>
+                <a:latin typeface="Arial" panose="020B0604020202020204" pitchFamily="34" charset="0"/>
+                <a:ea typeface="微软雅黑" panose="020B0503020204020204" pitchFamily="34" charset="-122"/>
+              </a:defRPr>
+            </a:lvl7pPr>
+            <a:lvl8pPr marL="3429000" indent="-228600" eaLnBrk="0" fontAlgn="base" hangingPunct="0">
+              <a:spcBef>
+                <a:spcPct val="0"/>
+              </a:spcBef>
+              <a:spcAft>
+                <a:spcPct val="0"/>
+              </a:spcAft>
+              <a:defRPr sz="3200">
+                <a:solidFill>
+                  <a:schemeClr val="tx1"/>
+                </a:solidFill>
+                <a:latin typeface="Arial" panose="020B0604020202020204" pitchFamily="34" charset="0"/>
+                <a:ea typeface="微软雅黑" panose="020B0503020204020204" pitchFamily="34" charset="-122"/>
+              </a:defRPr>
+            </a:lvl8pPr>
+            <a:lvl9pPr marL="3886200" indent="-228600" eaLnBrk="0" fontAlgn="base" hangingPunct="0">
+              <a:spcBef>
+                <a:spcPct val="0"/>
+              </a:spcBef>
+              <a:spcAft>
+                <a:spcPct val="0"/>
+              </a:spcAft>
+              <a:defRPr sz="3200">
+                <a:solidFill>
+                  <a:schemeClr val="tx1"/>
+                </a:solidFill>
+                <a:latin typeface="Arial" panose="020B0604020202020204" pitchFamily="34" charset="0"/>
+                <a:ea typeface="微软雅黑" panose="020B0503020204020204" pitchFamily="34" charset="-122"/>
+              </a:defRPr>
+            </a:lvl9pPr>
+          </a:lstStyle>
+          <a:p>
+            <a:pPr>
+              <a:lnSpc>
+                <a:spcPct val="200000"/>
+              </a:lnSpc>
+              <a:buClr>
+                <a:srgbClr val="92D050"/>
+              </a:buClr>
+              <a:buFont typeface="Wingdings" panose="05000000000000000000" pitchFamily="2" charset="2"/>
+              <a:buChar char="Ø"/>
+            </a:pPr>
+            <a:r>
+              <a:rPr lang="zh-CN" altLang="en-US" sz="2800" b="1" dirty="0" smtClean="0">
+                <a:solidFill>
+                  <a:srgbClr val="C00000"/>
+                </a:solidFill>
+                <a:latin typeface="+mj-ea"/>
+                <a:ea typeface="+mj-ea"/>
+              </a:rPr>
+              <a:t>路由配置</a:t>
+            </a:r>
+            <a:endParaRPr lang="en-US" altLang="zh-CN" sz="2800" b="1" dirty="0" smtClean="0">
+              <a:solidFill>
+                <a:srgbClr val="C00000"/>
+              </a:solidFill>
+              <a:latin typeface="+mj-ea"/>
+              <a:ea typeface="+mj-ea"/>
+            </a:endParaRPr>
+          </a:p>
+          <a:p>
+            <a:pPr>
+              <a:lnSpc>
+                <a:spcPct val="200000"/>
+              </a:lnSpc>
+              <a:buClr>
+                <a:srgbClr val="92D050"/>
+              </a:buClr>
+              <a:buFont typeface="Wingdings" panose="05000000000000000000" pitchFamily="2" charset="2"/>
+              <a:buChar char="Ø"/>
+            </a:pPr>
+            <a:r>
+              <a:rPr lang="zh-CN" altLang="en-US" sz="2800" b="1" dirty="0" smtClean="0">
+                <a:latin typeface="+mj-ea"/>
+                <a:ea typeface="+mj-ea"/>
+              </a:rPr>
+              <a:t>动态路由</a:t>
+            </a:r>
+            <a:endParaRPr lang="en-US" altLang="zh-CN" sz="2800" b="1" dirty="0" smtClean="0">
+              <a:latin typeface="+mj-ea"/>
+              <a:ea typeface="+mj-ea"/>
+            </a:endParaRPr>
+          </a:p>
+        </p:txBody>
+      </p:sp>
+    </p:spTree>
+    <p:extLst>
+      <p:ext uri="{BB962C8B-B14F-4D97-AF65-F5344CB8AC3E}">
+        <p14:creationId xmlns:p14="http://schemas.microsoft.com/office/powerpoint/2010/main" val="2563261401"/>
+      </p:ext>
+    </p:extLst>
+  </p:cSld>
+  <p:clrMapOvr>
+    <a:masterClrMapping/>
+  </p:clrMapOvr>
+  <p:transition/>
+  <p:timing>
+    <p:tnLst>
+      <p:par>
+        <p:cTn id="1" dur="indefinite" restart="never" nodeType="tmRoot"/>
+      </p:par>
+    </p:tnLst>
+  </p:timing>
+</p:sld>
+</file>
+
+<file path=ppt/slides/slide3.xml><?xml version="1.0" encoding="utf-8"?>
+<p:sld xmlns:a="http://schemas.openxmlformats.org/drawingml/2006/main" xmlns:r="http://schemas.openxmlformats.org/officeDocument/2006/relationships" xmlns:p="http://schemas.openxmlformats.org/presentationml/2006/main">
+  <p:cSld>
+    <p:spTree>
+      <p:nvGrpSpPr>
+        <p:cNvPr id="1" name=""/>
+        <p:cNvGrpSpPr/>
+        <p:nvPr/>
+      </p:nvGrpSpPr>
+      <p:grpSpPr>
+        <a:xfrm>
+          <a:off x="0" y="0"/>
+          <a:ext cx="0" cy="0"/>
+          <a:chOff x="0" y="0"/>
+          <a:chExt cx="0" cy="0"/>
+        </a:xfrm>
+      </p:grpSpPr>
+      <p:sp>
+        <p:nvSpPr>
+          <p:cNvPr id="30722" name="内容占位符 3"/>
+          <p:cNvSpPr>
+            <a:spLocks noGrp="1"/>
+          </p:cNvSpPr>
+          <p:nvPr>
+            <p:ph sz="quarter" idx="10"/>
+          </p:nvPr>
+        </p:nvSpPr>
+        <p:spPr bwMode="auto">
+          <a:xfrm>
+            <a:off x="693526" y="907845"/>
+            <a:ext cx="11498474" cy="5114344"/>
+          </a:xfrm>
+          <a:noFill/>
+        </p:spPr>
+        <p:txBody>
+          <a:bodyPr vert="horz" wrap="square" lIns="91440" tIns="45720" rIns="91440" bIns="45720" numCol="1" anchor="t" anchorCtr="0" compatLnSpc="1"/>
+          <a:lstStyle/>
+          <a:p>
+            <a:pPr marL="360045"/>
+            <a:r>
+              <a:rPr lang="en-US" altLang="zh-CN" dirty="0"/>
+              <a:t> </a:t>
+            </a:r>
+            <a:r>
+              <a:rPr lang="en-US" altLang="zh-CN" dirty="0" smtClean="0"/>
+              <a:t>React </a:t>
+            </a:r>
+            <a:r>
+              <a:rPr lang="zh-CN" altLang="en-US" dirty="0" smtClean="0"/>
+              <a:t>路由</a:t>
+            </a:r>
+            <a:endParaRPr lang="en-US" altLang="zh-CN" dirty="0" smtClean="0"/>
+          </a:p>
+          <a:p>
+            <a:pPr marL="591820" lvl="1"/>
+            <a:r>
+              <a:rPr lang="en-US" altLang="zh-CN" sz="2400" dirty="0" smtClean="0"/>
+              <a:t> </a:t>
+            </a:r>
+            <a:r>
+              <a:rPr lang="en-US" altLang="zh-CN" dirty="0" smtClean="0"/>
+              <a:t>react-router </a:t>
+            </a:r>
+            <a:r>
+              <a:rPr lang="zh-CN" altLang="en-US" dirty="0" smtClean="0"/>
+              <a:t>是</a:t>
+            </a:r>
+            <a:r>
+              <a:rPr lang="zh-CN" altLang="en-US" dirty="0"/>
+              <a:t>浏览器和原生应用的通用</a:t>
+            </a:r>
+            <a:r>
+              <a:rPr lang="zh-CN" altLang="en-US" dirty="0" smtClean="0"/>
+              <a:t>部分</a:t>
+            </a:r>
+            <a:endParaRPr lang="zh-CN" altLang="en-US" dirty="0"/>
+          </a:p>
+          <a:p>
+            <a:pPr marL="591820" lvl="1"/>
+            <a:r>
+              <a:rPr lang="en-US" altLang="zh-CN" dirty="0" smtClean="0"/>
+              <a:t> react-router-native </a:t>
+            </a:r>
+            <a:r>
+              <a:rPr lang="zh-CN" altLang="en-US" dirty="0" smtClean="0"/>
+              <a:t>是</a:t>
+            </a:r>
+            <a:r>
+              <a:rPr lang="zh-CN" altLang="en-US" dirty="0"/>
+              <a:t>用于原生应用</a:t>
+            </a:r>
+            <a:r>
+              <a:rPr lang="zh-CN" altLang="en-US" dirty="0" smtClean="0"/>
+              <a:t>的</a:t>
+            </a:r>
+            <a:endParaRPr lang="en-US" altLang="zh-CN" dirty="0" smtClean="0"/>
+          </a:p>
+          <a:p>
+            <a:pPr marL="591820" lvl="1"/>
+            <a:r>
+              <a:rPr lang="en-US" altLang="zh-CN" dirty="0"/>
+              <a:t> react-router-</a:t>
+            </a:r>
+            <a:r>
+              <a:rPr lang="en-US" altLang="zh-CN" dirty="0" err="1"/>
+              <a:t>dom</a:t>
+            </a:r>
+            <a:r>
+              <a:rPr lang="en-US" altLang="zh-CN" dirty="0"/>
+              <a:t> </a:t>
+            </a:r>
+            <a:r>
+              <a:rPr lang="zh-CN" altLang="en-US" dirty="0"/>
+              <a:t>是用于浏览器的</a:t>
+            </a:r>
+            <a:endParaRPr lang="en-US" altLang="zh-CN" dirty="0" smtClean="0"/>
+          </a:p>
+          <a:p>
+            <a:pPr marL="360045"/>
+            <a:r>
+              <a:rPr lang="en-US" altLang="zh-CN" sz="2800" dirty="0" smtClean="0"/>
+              <a:t>		 </a:t>
+            </a:r>
+            <a:r>
+              <a:rPr lang="zh-CN" altLang="en-US" dirty="0" smtClean="0"/>
+              <a:t>安装</a:t>
+            </a:r>
+            <a:endParaRPr lang="en-US" altLang="zh-CN" dirty="0"/>
+          </a:p>
+          <a:p>
+            <a:pPr marL="591820" lvl="1"/>
+            <a:r>
+              <a:rPr lang="en-US" altLang="zh-CN" dirty="0"/>
+              <a:t> </a:t>
+            </a:r>
+            <a:r>
+              <a:rPr lang="en-US" altLang="zh-CN" dirty="0" err="1"/>
+              <a:t>npm</a:t>
+            </a:r>
+            <a:r>
+              <a:rPr lang="en-US" altLang="zh-CN" dirty="0"/>
+              <a:t> install --save  react-router-</a:t>
+            </a:r>
+            <a:r>
+              <a:rPr lang="en-US" altLang="zh-CN" dirty="0" err="1"/>
+              <a:t>dom</a:t>
+            </a:r>
+            <a:endParaRPr lang="en-US" altLang="zh-CN" dirty="0"/>
+          </a:p>
+          <a:p>
+            <a:pPr marL="360045"/>
+            <a:r>
+              <a:rPr lang="zh-CN" altLang="en-US" dirty="0" smtClean="0"/>
+              <a:t> 引入</a:t>
+            </a:r>
+            <a:endParaRPr lang="en-US" altLang="zh-CN" dirty="0"/>
+          </a:p>
+          <a:p>
+            <a:pPr marL="591820" lvl="1"/>
+            <a:r>
+              <a:rPr lang="en-US" altLang="zh-CN" dirty="0">
+                <a:ea typeface="宋体" panose="02010600030101010101" pitchFamily="2" charset="-122"/>
+              </a:rPr>
+              <a:t> </a:t>
+            </a:r>
+            <a:r>
+              <a:rPr lang="en-US" altLang="zh-CN" dirty="0"/>
+              <a:t>import { </a:t>
+            </a:r>
+            <a:r>
+              <a:rPr lang="en-US" altLang="zh-CN" dirty="0" err="1"/>
+              <a:t>BrowserRouter</a:t>
+            </a:r>
+            <a:r>
+              <a:rPr lang="en-US" altLang="zh-CN" dirty="0"/>
+              <a:t> as </a:t>
+            </a:r>
+            <a:r>
+              <a:rPr lang="en-US" altLang="zh-CN" dirty="0" err="1" smtClean="0"/>
+              <a:t>Router,Route,Link</a:t>
+            </a:r>
+            <a:r>
+              <a:rPr lang="en-US" altLang="zh-CN" dirty="0" smtClean="0"/>
+              <a:t>} </a:t>
+            </a:r>
+            <a:r>
+              <a:rPr lang="en-US" altLang="zh-CN" dirty="0"/>
+              <a:t>from 'react-router-</a:t>
+            </a:r>
+            <a:r>
+              <a:rPr lang="en-US" altLang="zh-CN" dirty="0" err="1"/>
+              <a:t>dom</a:t>
+            </a:r>
+            <a:r>
+              <a:rPr lang="en-US" altLang="zh-CN" dirty="0"/>
+              <a:t>';</a:t>
+            </a:r>
+            <a:endParaRPr lang="en-US" altLang="zh-CN" dirty="0">
+              <a:ea typeface="宋体" panose="02010600030101010101" pitchFamily="2" charset="-122"/>
+            </a:endParaRPr>
+          </a:p>
+          <a:p>
+            <a:pPr marL="360045"/>
+            <a:endParaRPr lang="en-US" altLang="zh-CN" sz="2800" dirty="0" smtClean="0"/>
+          </a:p>
+        </p:txBody>
+      </p:sp>
+      <p:sp>
+        <p:nvSpPr>
+          <p:cNvPr id="25603" name="内容占位符 4"/>
+          <p:cNvSpPr>
+            <a:spLocks noGrp="1"/>
+          </p:cNvSpPr>
+          <p:nvPr>
+            <p:ph sz="quarter" idx="11"/>
+          </p:nvPr>
+        </p:nvSpPr>
+        <p:spPr bwMode="auto">
+          <a:xfrm>
+            <a:off x="909638" y="236538"/>
+            <a:ext cx="7575550" cy="490537"/>
+          </a:xfrm>
+          <a:extLst>
+            <a:ext uri="{909E8E84-426E-40DD-AFC4-6F175D3DCCD1}">
+              <a14:hiddenFill xmlns:a14="http://schemas.microsoft.com/office/drawing/2010/main">
+                <a:solidFill>
+                  <a:srgbClr val="FFFFFF"/>
+                </a:solidFill>
+              </a14:hiddenFill>
+            </a:ext>
+            <a:ext uri="{91240B29-F687-4F45-9708-019B960494DF}">
+              <a14:hiddenLine xmlns:a14="http://schemas.microsoft.com/office/drawing/2010/main" w="9525">
+                <a:solidFill>
+                  <a:srgbClr val="000000"/>
+                </a:solidFill>
+                <a:miter lim="800000"/>
+                <a:headEnd/>
+                <a:tailEnd/>
+              </a14:hiddenLine>
+            </a:ext>
+          </a:extLst>
+        </p:spPr>
+        <p:txBody>
+          <a:bodyPr vert="horz" wrap="square" lIns="91440" tIns="45720" rIns="91440" bIns="45720" numCol="1" anchor="t" anchorCtr="0" compatLnSpc="1"/>
+          <a:lstStyle/>
+          <a:p>
+            <a:pPr>
+              <a:defRPr/>
+            </a:pPr>
+            <a:r>
+              <a:rPr lang="en-US" altLang="zh-CN" dirty="0" smtClean="0">
+                <a:latin typeface="+mn-ea"/>
+                <a:ea typeface="+mn-ea"/>
+              </a:rPr>
+              <a:t>React </a:t>
+            </a:r>
+            <a:r>
+              <a:rPr lang="zh-CN" altLang="en-US" dirty="0" smtClean="0">
+                <a:latin typeface="+mn-ea"/>
+                <a:ea typeface="+mn-ea"/>
+              </a:rPr>
+              <a:t>路由</a:t>
+            </a:r>
+          </a:p>
+        </p:txBody>
+      </p:sp>
+    </p:spTree>
+    <p:extLst>
+      <p:ext uri="{BB962C8B-B14F-4D97-AF65-F5344CB8AC3E}">
+        <p14:creationId xmlns:p14="http://schemas.microsoft.com/office/powerpoint/2010/main" val="4211889527"/>
+      </p:ext>
+    </p:extLst>
+  </p:cSld>
+  <p:clrMapOvr>
+    <a:masterClrMapping/>
+  </p:clrMapOvr>
+  <p:timing>
+    <p:tnLst>
+      <p:par>
+        <p:cTn id="1" dur="indefinite" restart="never" nodeType="tmRoot">
+          <p:childTnLst>
+            <p:seq concurrent="1" nextAc="seek">
+              <p:cTn id="2" dur="indefinite" nodeType="mainSeq">
+                <p:childTnLst>
+                  <p:par>
+                    <p:cTn id="3" fill="hold">
+                      <p:stCondLst>
+                        <p:cond delay="indefinite"/>
+                      </p:stCondLst>
+                      <p:childTnLst>
+                        <p:par>
+                          <p:cTn id="4" fill="hold">
+                            <p:stCondLst>
+                              <p:cond delay="0"/>
+                            </p:stCondLst>
+                            <p:childTnLst>
+                              <p:par>
+                                <p:cTn id="5" presetID="42" presetClass="entr" presetSubtype="0" fill="hold" nodeType="clickEffect">
+                                  <p:stCondLst>
+                                    <p:cond delay="0"/>
+                                  </p:stCondLst>
+                                  <p:childTnLst>
+                                    <p:set>
+                                      <p:cBhvr>
+                                        <p:cTn id="6" dur="1" fill="hold">
+                                          <p:stCondLst>
+                                            <p:cond delay="0"/>
+                                          </p:stCondLst>
+                                        </p:cTn>
+                                        <p:tgtEl>
+                                          <p:spTgt spid="30722">
+                                            <p:txEl>
+                                              <p:pRg st="1" end="1"/>
+                                            </p:txEl>
+                                          </p:spTgt>
+                                        </p:tgtEl>
+                                        <p:attrNameLst>
+                                          <p:attrName>style.visibility</p:attrName>
+                                        </p:attrNameLst>
+                                      </p:cBhvr>
+                                      <p:to>
+                                        <p:strVal val="visible"/>
+                                      </p:to>
+                                    </p:set>
+                                    <p:animEffect transition="in" filter="fade">
+                                      <p:cBhvr>
+                                        <p:cTn id="7" dur="1000"/>
+                                        <p:tgtEl>
+                                          <p:spTgt spid="30722">
+                                            <p:txEl>
+                                              <p:pRg st="1" end="1"/>
+                                            </p:txEl>
+                                          </p:spTgt>
+                                        </p:tgtEl>
+                                      </p:cBhvr>
+                                    </p:animEffect>
+                                    <p:anim calcmode="lin" valueType="num">
+                                      <p:cBhvr>
+                                        <p:cTn id="8" dur="1000" fill="hold"/>
+                                        <p:tgtEl>
+                                          <p:spTgt spid="30722">
+                                            <p:txEl>
+                                              <p:pRg st="1" end="1"/>
+                                            </p:txEl>
+                                          </p:spTgt>
+                                        </p:tgtEl>
+                                        <p:attrNameLst>
+                                          <p:attrName>ppt_x</p:attrName>
+                                        </p:attrNameLst>
+                                      </p:cBhvr>
+                                      <p:tavLst>
+                                        <p:tav tm="0">
+                                          <p:val>
+                                            <p:strVal val="#ppt_x"/>
+                                          </p:val>
+                                        </p:tav>
+                                        <p:tav tm="100000">
+                                          <p:val>
+                                            <p:strVal val="#ppt_x"/>
+                                          </p:val>
+                                        </p:tav>
+                                      </p:tavLst>
+                                    </p:anim>
+                                    <p:anim calcmode="lin" valueType="num">
+                                      <p:cBhvr>
+                                        <p:cTn id="9" dur="1000" fill="hold"/>
+                                        <p:tgtEl>
+                                          <p:spTgt spid="30722">
+                                            <p:txEl>
+                                              <p:pRg st="1" end="1"/>
+                                            </p:txEl>
+                                          </p:spTgt>
+                                        </p:tgtEl>
+                                        <p:attrNameLst>
+                                          <p:attrName>ppt_y</p:attrName>
+                                        </p:attrNameLst>
+                                      </p:cBhvr>
+                                      <p:tavLst>
+                                        <p:tav tm="0">
+                                          <p:val>
+                                            <p:strVal val="#ppt_y+.1"/>
+                                          </p:val>
+                                        </p:tav>
+                                        <p:tav tm="100000">
+                                          <p:val>
+                                            <p:strVal val="#ppt_y"/>
+                                          </p:val>
+                                        </p:tav>
+                                      </p:tavLst>
+                                    </p:anim>
+                                  </p:childTnLst>
+                                </p:cTn>
+                              </p:par>
+                              <p:par>
+                                <p:cTn id="10" presetID="42" presetClass="entr" presetSubtype="0" fill="hold" nodeType="withEffect">
+                                  <p:stCondLst>
+                                    <p:cond delay="0"/>
+                                  </p:stCondLst>
+                                  <p:childTnLst>
+                                    <p:set>
+                                      <p:cBhvr>
+                                        <p:cTn id="11" dur="1" fill="hold">
+                                          <p:stCondLst>
+                                            <p:cond delay="0"/>
+                                          </p:stCondLst>
+                                        </p:cTn>
+                                        <p:tgtEl>
+                                          <p:spTgt spid="30722">
+                                            <p:txEl>
+                                              <p:pRg st="2" end="2"/>
+                                            </p:txEl>
+                                          </p:spTgt>
+                                        </p:tgtEl>
+                                        <p:attrNameLst>
+                                          <p:attrName>style.visibility</p:attrName>
+                                        </p:attrNameLst>
+                                      </p:cBhvr>
+                                      <p:to>
+                                        <p:strVal val="visible"/>
+                                      </p:to>
+                                    </p:set>
+                                    <p:animEffect transition="in" filter="fade">
+                                      <p:cBhvr>
+                                        <p:cTn id="12" dur="1000"/>
+                                        <p:tgtEl>
+                                          <p:spTgt spid="30722">
+                                            <p:txEl>
+                                              <p:pRg st="2" end="2"/>
+                                            </p:txEl>
+                                          </p:spTgt>
+                                        </p:tgtEl>
+                                      </p:cBhvr>
+                                    </p:animEffect>
+                                    <p:anim calcmode="lin" valueType="num">
+                                      <p:cBhvr>
+                                        <p:cTn id="13" dur="1000" fill="hold"/>
+                                        <p:tgtEl>
+                                          <p:spTgt spid="30722">
+                                            <p:txEl>
+                                              <p:pRg st="2" end="2"/>
+                                            </p:txEl>
+                                          </p:spTgt>
+                                        </p:tgtEl>
+                                        <p:attrNameLst>
+                                          <p:attrName>ppt_x</p:attrName>
+                                        </p:attrNameLst>
+                                      </p:cBhvr>
+                                      <p:tavLst>
+                                        <p:tav tm="0">
+                                          <p:val>
+                                            <p:strVal val="#ppt_x"/>
+                                          </p:val>
+                                        </p:tav>
+                                        <p:tav tm="100000">
+                                          <p:val>
+                                            <p:strVal val="#ppt_x"/>
+                                          </p:val>
+                                        </p:tav>
+                                      </p:tavLst>
+                                    </p:anim>
+                                    <p:anim calcmode="lin" valueType="num">
+                                      <p:cBhvr>
+                                        <p:cTn id="14" dur="1000" fill="hold"/>
+                                        <p:tgtEl>
+                                          <p:spTgt spid="30722">
+                                            <p:txEl>
+                                              <p:pRg st="2" end="2"/>
+                                            </p:txEl>
+                                          </p:spTgt>
+                                        </p:tgtEl>
+                                        <p:attrNameLst>
+                                          <p:attrName>ppt_y</p:attrName>
+                                        </p:attrNameLst>
+                                      </p:cBhvr>
+                                      <p:tavLst>
+                                        <p:tav tm="0">
+                                          <p:val>
+                                            <p:strVal val="#ppt_y+.1"/>
+                                          </p:val>
+                                        </p:tav>
+                                        <p:tav tm="100000">
+                                          <p:val>
+                                            <p:strVal val="#ppt_y"/>
+                                          </p:val>
+                                        </p:tav>
+                                      </p:tavLst>
+                                    </p:anim>
+                                  </p:childTnLst>
+                                </p:cTn>
+                              </p:par>
+                              <p:par>
+                                <p:cTn id="15" presetID="42" presetClass="entr" presetSubtype="0" fill="hold" nodeType="withEffect">
+                                  <p:stCondLst>
+                                    <p:cond delay="0"/>
+                                  </p:stCondLst>
+                                  <p:childTnLst>
+                                    <p:set>
+                                      <p:cBhvr>
+                                        <p:cTn id="16" dur="1" fill="hold">
+                                          <p:stCondLst>
+                                            <p:cond delay="0"/>
+                                          </p:stCondLst>
+                                        </p:cTn>
+                                        <p:tgtEl>
+                                          <p:spTgt spid="30722">
+                                            <p:txEl>
+                                              <p:pRg st="3" end="3"/>
+                                            </p:txEl>
+                                          </p:spTgt>
+                                        </p:tgtEl>
+                                        <p:attrNameLst>
+                                          <p:attrName>style.visibility</p:attrName>
+                                        </p:attrNameLst>
+                                      </p:cBhvr>
+                                      <p:to>
+                                        <p:strVal val="visible"/>
+                                      </p:to>
+                                    </p:set>
+                                    <p:animEffect transition="in" filter="fade">
+                                      <p:cBhvr>
+                                        <p:cTn id="17" dur="1000"/>
+                                        <p:tgtEl>
+                                          <p:spTgt spid="30722">
+                                            <p:txEl>
+                                              <p:pRg st="3" end="3"/>
+                                            </p:txEl>
+                                          </p:spTgt>
+                                        </p:tgtEl>
+                                      </p:cBhvr>
+                                    </p:animEffect>
+                                    <p:anim calcmode="lin" valueType="num">
+                                      <p:cBhvr>
+                                        <p:cTn id="18" dur="1000" fill="hold"/>
+                                        <p:tgtEl>
+                                          <p:spTgt spid="30722">
+                                            <p:txEl>
+                                              <p:pRg st="3" end="3"/>
+                                            </p:txEl>
+                                          </p:spTgt>
+                                        </p:tgtEl>
+                                        <p:attrNameLst>
+                                          <p:attrName>ppt_x</p:attrName>
+                                        </p:attrNameLst>
+                                      </p:cBhvr>
+                                      <p:tavLst>
+                                        <p:tav tm="0">
+                                          <p:val>
+                                            <p:strVal val="#ppt_x"/>
+                                          </p:val>
+                                        </p:tav>
+                                        <p:tav tm="100000">
+                                          <p:val>
+                                            <p:strVal val="#ppt_x"/>
+                                          </p:val>
+                                        </p:tav>
+                                      </p:tavLst>
+                                    </p:anim>
+                                    <p:anim calcmode="lin" valueType="num">
+                                      <p:cBhvr>
+                                        <p:cTn id="19" dur="1000" fill="hold"/>
+                                        <p:tgtEl>
+                                          <p:spTgt spid="30722">
+                                            <p:txEl>
+                                              <p:pRg st="3" end="3"/>
+                                            </p:txEl>
+                                          </p:spTgt>
+                                        </p:tgtEl>
+                                        <p:attrNameLst>
+                                          <p:attrName>ppt_y</p:attrName>
+                                        </p:attrNameLst>
+                                      </p:cBhvr>
+                                      <p:tavLst>
+                                        <p:tav tm="0">
+                                          <p:val>
+                                            <p:strVal val="#ppt_y+.1"/>
+                                          </p:val>
+                                        </p:tav>
+                                        <p:tav tm="100000">
+                                          <p:val>
+                                            <p:strVal val="#ppt_y"/>
+                                          </p:val>
+                                        </p:tav>
+                                      </p:tavLst>
+                                    </p:anim>
+                                  </p:childTnLst>
+                                </p:cTn>
+                              </p:par>
+                            </p:childTnLst>
+                          </p:cTn>
+                        </p:par>
+                      </p:childTnLst>
+                    </p:cTn>
+                  </p:par>
+                  <p:par>
+                    <p:cTn id="20" fill="hold">
+                      <p:stCondLst>
+                        <p:cond delay="indefinite"/>
+                      </p:stCondLst>
+                      <p:childTnLst>
+                        <p:par>
+                          <p:cTn id="21" fill="hold">
+                            <p:stCondLst>
+                              <p:cond delay="0"/>
+                            </p:stCondLst>
+                            <p:childTnLst>
+                              <p:par>
+                                <p:cTn id="22" presetID="42" presetClass="entr" presetSubtype="0" fill="hold" nodeType="clickEffect">
+                                  <p:stCondLst>
+                                    <p:cond delay="0"/>
+                                  </p:stCondLst>
+                                  <p:childTnLst>
+                                    <p:set>
+                                      <p:cBhvr>
+                                        <p:cTn id="23" dur="1" fill="hold">
+                                          <p:stCondLst>
+                                            <p:cond delay="0"/>
+                                          </p:stCondLst>
+                                        </p:cTn>
+                                        <p:tgtEl>
+                                          <p:spTgt spid="30722">
+                                            <p:txEl>
+                                              <p:pRg st="4" end="4"/>
+                                            </p:txEl>
+                                          </p:spTgt>
+                                        </p:tgtEl>
+                                        <p:attrNameLst>
+                                          <p:attrName>style.visibility</p:attrName>
+                                        </p:attrNameLst>
+                                      </p:cBhvr>
+                                      <p:to>
+                                        <p:strVal val="visible"/>
+                                      </p:to>
+                                    </p:set>
+                                    <p:animEffect transition="in" filter="fade">
+                                      <p:cBhvr>
+                                        <p:cTn id="24" dur="1000"/>
+                                        <p:tgtEl>
+                                          <p:spTgt spid="30722">
+                                            <p:txEl>
+                                              <p:pRg st="4" end="4"/>
+                                            </p:txEl>
+                                          </p:spTgt>
+                                        </p:tgtEl>
+                                      </p:cBhvr>
+                                    </p:animEffect>
+                                    <p:anim calcmode="lin" valueType="num">
+                                      <p:cBhvr>
+                                        <p:cTn id="25" dur="1000" fill="hold"/>
+                                        <p:tgtEl>
+                                          <p:spTgt spid="30722">
+                                            <p:txEl>
+                                              <p:pRg st="4" end="4"/>
+                                            </p:txEl>
+                                          </p:spTgt>
+                                        </p:tgtEl>
+                                        <p:attrNameLst>
+                                          <p:attrName>ppt_x</p:attrName>
+                                        </p:attrNameLst>
+                                      </p:cBhvr>
+                                      <p:tavLst>
+                                        <p:tav tm="0">
+                                          <p:val>
+                                            <p:strVal val="#ppt_x"/>
+                                          </p:val>
+                                        </p:tav>
+                                        <p:tav tm="100000">
+                                          <p:val>
+                                            <p:strVal val="#ppt_x"/>
+                                          </p:val>
+                                        </p:tav>
+                                      </p:tavLst>
+                                    </p:anim>
+                                    <p:anim calcmode="lin" valueType="num">
+                                      <p:cBhvr>
+                                        <p:cTn id="26" dur="1000" fill="hold"/>
+                                        <p:tgtEl>
+                                          <p:spTgt spid="30722">
+                                            <p:txEl>
+                                              <p:pRg st="4" end="4"/>
+                                            </p:txEl>
+                                          </p:spTgt>
+                                        </p:tgtEl>
+                                        <p:attrNameLst>
+                                          <p:attrName>ppt_y</p:attrName>
+                                        </p:attrNameLst>
+                                      </p:cBhvr>
+                                      <p:tavLst>
+                                        <p:tav tm="0">
+                                          <p:val>
+                                            <p:strVal val="#ppt_y+.1"/>
+                                          </p:val>
+                                        </p:tav>
+                                        <p:tav tm="100000">
+                                          <p:val>
+                                            <p:strVal val="#ppt_y"/>
+                                          </p:val>
+                                        </p:tav>
+                                      </p:tavLst>
+                                    </p:anim>
+                                  </p:childTnLst>
+                                </p:cTn>
+                              </p:par>
+                              <p:par>
+                                <p:cTn id="27" presetID="42" presetClass="entr" presetSubtype="0" fill="hold" nodeType="withEffect">
+                                  <p:stCondLst>
+                                    <p:cond delay="0"/>
+                                  </p:stCondLst>
+                                  <p:childTnLst>
+                                    <p:set>
+                                      <p:cBhvr>
+                                        <p:cTn id="28" dur="1" fill="hold">
+                                          <p:stCondLst>
+                                            <p:cond delay="0"/>
+                                          </p:stCondLst>
+                                        </p:cTn>
+                                        <p:tgtEl>
+                                          <p:spTgt spid="30722">
+                                            <p:txEl>
+                                              <p:pRg st="5" end="5"/>
+                                            </p:txEl>
+                                          </p:spTgt>
+                                        </p:tgtEl>
+                                        <p:attrNameLst>
+                                          <p:attrName>style.visibility</p:attrName>
+                                        </p:attrNameLst>
+                                      </p:cBhvr>
+                                      <p:to>
+                                        <p:strVal val="visible"/>
+                                      </p:to>
+                                    </p:set>
+                                    <p:animEffect transition="in" filter="fade">
+                                      <p:cBhvr>
+                                        <p:cTn id="29" dur="1000"/>
+                                        <p:tgtEl>
+                                          <p:spTgt spid="30722">
+                                            <p:txEl>
+                                              <p:pRg st="5" end="5"/>
+                                            </p:txEl>
+                                          </p:spTgt>
+                                        </p:tgtEl>
+                                      </p:cBhvr>
+                                    </p:animEffect>
+                                    <p:anim calcmode="lin" valueType="num">
+                                      <p:cBhvr>
+                                        <p:cTn id="30" dur="1000" fill="hold"/>
+                                        <p:tgtEl>
+                                          <p:spTgt spid="30722">
+                                            <p:txEl>
+                                              <p:pRg st="5" end="5"/>
+                                            </p:txEl>
+                                          </p:spTgt>
+                                        </p:tgtEl>
+                                        <p:attrNameLst>
+                                          <p:attrName>ppt_x</p:attrName>
+                                        </p:attrNameLst>
+                                      </p:cBhvr>
+                                      <p:tavLst>
+                                        <p:tav tm="0">
+                                          <p:val>
+                                            <p:strVal val="#ppt_x"/>
+                                          </p:val>
+                                        </p:tav>
+                                        <p:tav tm="100000">
+                                          <p:val>
+                                            <p:strVal val="#ppt_x"/>
+                                          </p:val>
+                                        </p:tav>
+                                      </p:tavLst>
+                                    </p:anim>
+                                    <p:anim calcmode="lin" valueType="num">
+                                      <p:cBhvr>
+                                        <p:cTn id="31" dur="1000" fill="hold"/>
+                                        <p:tgtEl>
+                                          <p:spTgt spid="30722">
+                                            <p:txEl>
+                                              <p:pRg st="5" end="5"/>
+                                            </p:txEl>
+                                          </p:spTgt>
+                                        </p:tgtEl>
+                                        <p:attrNameLst>
+                                          <p:attrName>ppt_y</p:attrName>
+                                        </p:attrNameLst>
+                                      </p:cBhvr>
+                                      <p:tavLst>
+                                        <p:tav tm="0">
+                                          <p:val>
+                                            <p:strVal val="#ppt_y+.1"/>
+                                          </p:val>
+                                        </p:tav>
+                                        <p:tav tm="100000">
+                                          <p:val>
+                                            <p:strVal val="#ppt_y"/>
+                                          </p:val>
+                                        </p:tav>
+                                      </p:tavLst>
+                                    </p:anim>
+                                  </p:childTnLst>
+                                </p:cTn>
+                              </p:par>
+                            </p:childTnLst>
+                          </p:cTn>
+                        </p:par>
+                      </p:childTnLst>
+                    </p:cTn>
+                  </p:par>
+                  <p:par>
+                    <p:cTn id="32" fill="hold">
+                      <p:stCondLst>
+                        <p:cond delay="indefinite"/>
+                      </p:stCondLst>
+                      <p:childTnLst>
+                        <p:par>
+                          <p:cTn id="33" fill="hold">
+                            <p:stCondLst>
+                              <p:cond delay="0"/>
+                            </p:stCondLst>
+                            <p:childTnLst>
+                              <p:par>
+                                <p:cTn id="34" presetID="42" presetClass="entr" presetSubtype="0" fill="hold" nodeType="clickEffect">
+                                  <p:stCondLst>
+                                    <p:cond delay="0"/>
+                                  </p:stCondLst>
+                                  <p:childTnLst>
+                                    <p:set>
+                                      <p:cBhvr>
+                                        <p:cTn id="35" dur="1" fill="hold">
+                                          <p:stCondLst>
+                                            <p:cond delay="0"/>
+                                          </p:stCondLst>
+                                        </p:cTn>
+                                        <p:tgtEl>
+                                          <p:spTgt spid="30722">
+                                            <p:txEl>
+                                              <p:pRg st="6" end="6"/>
+                                            </p:txEl>
+                                          </p:spTgt>
+                                        </p:tgtEl>
+                                        <p:attrNameLst>
+                                          <p:attrName>style.visibility</p:attrName>
+                                        </p:attrNameLst>
+                                      </p:cBhvr>
+                                      <p:to>
+                                        <p:strVal val="visible"/>
+                                      </p:to>
+                                    </p:set>
+                                    <p:animEffect transition="in" filter="fade">
+                                      <p:cBhvr>
+                                        <p:cTn id="36" dur="1000"/>
+                                        <p:tgtEl>
+                                          <p:spTgt spid="30722">
+                                            <p:txEl>
+                                              <p:pRg st="6" end="6"/>
+                                            </p:txEl>
+                                          </p:spTgt>
+                                        </p:tgtEl>
+                                      </p:cBhvr>
+                                    </p:animEffect>
+                                    <p:anim calcmode="lin" valueType="num">
+                                      <p:cBhvr>
+                                        <p:cTn id="37" dur="1000" fill="hold"/>
+                                        <p:tgtEl>
+                                          <p:spTgt spid="30722">
+                                            <p:txEl>
+                                              <p:pRg st="6" end="6"/>
+                                            </p:txEl>
+                                          </p:spTgt>
+                                        </p:tgtEl>
+                                        <p:attrNameLst>
+                                          <p:attrName>ppt_x</p:attrName>
+                                        </p:attrNameLst>
+                                      </p:cBhvr>
+                                      <p:tavLst>
+                                        <p:tav tm="0">
+                                          <p:val>
+                                            <p:strVal val="#ppt_x"/>
+                                          </p:val>
+                                        </p:tav>
+                                        <p:tav tm="100000">
+                                          <p:val>
+                                            <p:strVal val="#ppt_x"/>
+                                          </p:val>
+                                        </p:tav>
+                                      </p:tavLst>
+                                    </p:anim>
+                                    <p:anim calcmode="lin" valueType="num">
+                                      <p:cBhvr>
+                                        <p:cTn id="38" dur="1000" fill="hold"/>
+                                        <p:tgtEl>
+                                          <p:spTgt spid="30722">
+                                            <p:txEl>
+                                              <p:pRg st="6" end="6"/>
+                                            </p:txEl>
+                                          </p:spTgt>
+                                        </p:tgtEl>
+                                        <p:attrNameLst>
+                                          <p:attrName>ppt_y</p:attrName>
+                                        </p:attrNameLst>
+                                      </p:cBhvr>
+                                      <p:tavLst>
+                                        <p:tav tm="0">
+                                          <p:val>
+                                            <p:strVal val="#ppt_y+.1"/>
+                                          </p:val>
+                                        </p:tav>
+                                        <p:tav tm="100000">
+                                          <p:val>
+                                            <p:strVal val="#ppt_y"/>
+                                          </p:val>
+                                        </p:tav>
+                                      </p:tavLst>
+                                    </p:anim>
+                                  </p:childTnLst>
+                                </p:cTn>
+                              </p:par>
+                              <p:par>
+                                <p:cTn id="39" presetID="42" presetClass="entr" presetSubtype="0" fill="hold" nodeType="withEffect">
+                                  <p:stCondLst>
+                                    <p:cond delay="0"/>
+                                  </p:stCondLst>
+                                  <p:childTnLst>
+                                    <p:set>
+                                      <p:cBhvr>
+                                        <p:cTn id="40" dur="1" fill="hold">
+                                          <p:stCondLst>
+                                            <p:cond delay="0"/>
+                                          </p:stCondLst>
+                                        </p:cTn>
+                                        <p:tgtEl>
+                                          <p:spTgt spid="30722">
+                                            <p:txEl>
+                                              <p:pRg st="7" end="7"/>
+                                            </p:txEl>
+                                          </p:spTgt>
+                                        </p:tgtEl>
+                                        <p:attrNameLst>
+                                          <p:attrName>style.visibility</p:attrName>
+                                        </p:attrNameLst>
+                                      </p:cBhvr>
+                                      <p:to>
+                                        <p:strVal val="visible"/>
+                                      </p:to>
+                                    </p:set>
+                                    <p:animEffect transition="in" filter="fade">
+                                      <p:cBhvr>
+                                        <p:cTn id="41" dur="1000"/>
+                                        <p:tgtEl>
+                                          <p:spTgt spid="30722">
+                                            <p:txEl>
+                                              <p:pRg st="7" end="7"/>
+                                            </p:txEl>
+                                          </p:spTgt>
+                                        </p:tgtEl>
+                                      </p:cBhvr>
+                                    </p:animEffect>
+                                    <p:anim calcmode="lin" valueType="num">
+                                      <p:cBhvr>
+                                        <p:cTn id="42" dur="1000" fill="hold"/>
+                                        <p:tgtEl>
+                                          <p:spTgt spid="30722">
+                                            <p:txEl>
+                                              <p:pRg st="7" end="7"/>
+                                            </p:txEl>
+                                          </p:spTgt>
+                                        </p:tgtEl>
+                                        <p:attrNameLst>
+                                          <p:attrName>ppt_x</p:attrName>
+                                        </p:attrNameLst>
+                                      </p:cBhvr>
+                                      <p:tavLst>
+                                        <p:tav tm="0">
+                                          <p:val>
+                                            <p:strVal val="#ppt_x"/>
+                                          </p:val>
+                                        </p:tav>
+                                        <p:tav tm="100000">
+                                          <p:val>
+                                            <p:strVal val="#ppt_x"/>
+                                          </p:val>
+                                        </p:tav>
+                                      </p:tavLst>
+                                    </p:anim>
+                                    <p:anim calcmode="lin" valueType="num">
+                                      <p:cBhvr>
+                                        <p:cTn id="43" dur="1000" fill="hold"/>
+                                        <p:tgtEl>
+                                          <p:spTgt spid="30722">
+                                            <p:txEl>
+                                              <p:pRg st="7" end="7"/>
+                                            </p:txEl>
+                                          </p:spTgt>
+                                        </p:tgtEl>
+                                        <p:attrNameLst>
+                                          <p:attrName>ppt_y</p:attrName>
+                                        </p:attrNameLst>
+                                      </p:cBhvr>
+                                      <p:tavLst>
+                                        <p:tav tm="0">
+                                          <p:val>
+                                            <p:strVal val="#ppt_y+.1"/>
+                                          </p:val>
+                                        </p:tav>
+                                        <p:tav tm="100000">
+                                          <p:val>
+                                            <p:strVal val="#ppt_y"/>
+                                          </p:val>
+                                        </p:tav>
+                                      </p:tavLst>
+                                    </p:anim>
+                                  </p:childTnLst>
+                                </p:cTn>
+                              </p:par>
+                            </p:childTnLst>
+                          </p:cTn>
+                        </p:par>
+                      </p:childTnLst>
+                    </p:cTn>
+                  </p:par>
+                </p:childTnLst>
+              </p:cTn>
+              <p:prevCondLst>
+                <p:cond evt="onPrev" delay="0">
+                  <p:tgtEl>
+                    <p:sldTgt/>
+                  </p:tgtEl>
+                </p:cond>
+              </p:prevCondLst>
+              <p:nextCondLst>
+                <p:cond evt="onNext" delay="0">
+                  <p:tgtEl>
+                    <p:sldTgt/>
+                  </p:tgtEl>
+                </p:cond>
+              </p:nextCondLst>
+            </p:seq>
+          </p:childTnLst>
+        </p:cTn>
+      </p:par>
+    </p:tnLst>
+  </p:timing>
+</p:sld>
+</file>
+
+<file path=ppt/slides/slide4.xml><?xml version="1.0" encoding="utf-8"?>
+<p:sld xmlns:a="http://schemas.openxmlformats.org/drawingml/2006/main" xmlns:r="http://schemas.openxmlformats.org/officeDocument/2006/relationships" xmlns:p="http://schemas.openxmlformats.org/presentationml/2006/main">
+  <p:cSld>
+    <p:spTree>
+      <p:nvGrpSpPr>
+        <p:cNvPr id="1" name=""/>
+        <p:cNvGrpSpPr/>
+        <p:nvPr/>
+      </p:nvGrpSpPr>
+      <p:grpSpPr>
+        <a:xfrm>
+          <a:off x="0" y="0"/>
+          <a:ext cx="0" cy="0"/>
+          <a:chOff x="0" y="0"/>
+          <a:chExt cx="0" cy="0"/>
+        </a:xfrm>
+      </p:grpSpPr>
+      <p:sp>
+        <p:nvSpPr>
+          <p:cNvPr id="30722" name="内容占位符 3"/>
+          <p:cNvSpPr>
+            <a:spLocks noGrp="1"/>
+          </p:cNvSpPr>
+          <p:nvPr>
+            <p:ph sz="quarter" idx="10"/>
+          </p:nvPr>
+        </p:nvSpPr>
+        <p:spPr bwMode="auto">
+          <a:xfrm>
+            <a:off x="693526" y="907845"/>
+            <a:ext cx="10228685" cy="4321378"/>
+          </a:xfrm>
+          <a:solidFill>
+            <a:schemeClr val="bg1"/>
+          </a:solidFill>
+        </p:spPr>
+        <p:txBody>
+          <a:bodyPr vert="horz" wrap="square" lIns="91440" tIns="45720" rIns="91440" bIns="45720" numCol="1" anchor="t" anchorCtr="0" compatLnSpc="1"/>
+          <a:lstStyle/>
+          <a:p>
+            <a:pPr marL="360045"/>
+            <a:endParaRPr lang="zh-CN" altLang="en-US" dirty="0" smtClean="0">
+              <a:ea typeface="宋体" panose="02010600030101010101" pitchFamily="2" charset="-122"/>
+            </a:endParaRPr>
+          </a:p>
+        </p:txBody>
+      </p:sp>
+      <p:sp>
+        <p:nvSpPr>
+          <p:cNvPr id="25603" name="内容占位符 4"/>
+          <p:cNvSpPr>
+            <a:spLocks noGrp="1"/>
+          </p:cNvSpPr>
+          <p:nvPr>
+            <p:ph sz="quarter" idx="11"/>
+          </p:nvPr>
+        </p:nvSpPr>
+        <p:spPr bwMode="auto">
+          <a:xfrm>
+            <a:off x="909638" y="236538"/>
+            <a:ext cx="7575550" cy="490537"/>
+          </a:xfrm>
+          <a:extLst>
+            <a:ext uri="{909E8E84-426E-40DD-AFC4-6F175D3DCCD1}">
+              <a14:hiddenFill xmlns:a14="http://schemas.microsoft.com/office/drawing/2010/main">
+                <a:solidFill>
+                  <a:srgbClr val="FFFFFF"/>
+                </a:solidFill>
+              </a14:hiddenFill>
+            </a:ext>
+            <a:ext uri="{91240B29-F687-4F45-9708-019B960494DF}">
+              <a14:hiddenLine xmlns:a14="http://schemas.microsoft.com/office/drawing/2010/main" w="9525">
+                <a:solidFill>
+                  <a:srgbClr val="000000"/>
+                </a:solidFill>
+                <a:miter lim="800000"/>
+                <a:headEnd/>
+                <a:tailEnd/>
+              </a14:hiddenLine>
+            </a:ext>
+          </a:extLst>
+        </p:spPr>
+        <p:txBody>
+          <a:bodyPr vert="horz" wrap="square" lIns="91440" tIns="45720" rIns="91440" bIns="45720" numCol="1" anchor="t" anchorCtr="0" compatLnSpc="1"/>
+          <a:lstStyle/>
+          <a:p>
+            <a:pPr>
+              <a:defRPr/>
+            </a:pPr>
+            <a:r>
+              <a:rPr lang="zh-CN" altLang="en-US" smtClean="0">
+                <a:latin typeface="+mn-ea"/>
+                <a:ea typeface="+mn-ea"/>
+              </a:rPr>
+              <a:t>路由配置</a:t>
+            </a:r>
+            <a:endParaRPr lang="zh-CN" altLang="en-US" dirty="0" smtClean="0">
+              <a:latin typeface="+mn-ea"/>
+              <a:ea typeface="+mn-ea"/>
+            </a:endParaRPr>
+          </a:p>
+        </p:txBody>
+      </p:sp>
+      <p:sp>
+        <p:nvSpPr>
+          <p:cNvPr id="4" name="TextBox 3"/>
+          <p:cNvSpPr txBox="1"/>
+          <p:nvPr/>
+        </p:nvSpPr>
+        <p:spPr>
+          <a:xfrm>
+            <a:off x="693525" y="907845"/>
+            <a:ext cx="10228686" cy="4832092"/>
+          </a:xfrm>
+          <a:prstGeom prst="rect">
+            <a:avLst/>
+          </a:prstGeom>
+          <a:solidFill>
+            <a:schemeClr val="accent1">
+              <a:lumMod val="10000"/>
+              <a:lumOff val="90000"/>
+            </a:schemeClr>
+          </a:solidFill>
+        </p:spPr>
+        <p:txBody>
+          <a:bodyPr wrap="square" rtlCol="0">
+            <a:spAutoFit/>
+          </a:bodyPr>
+          <a:lstStyle/>
+          <a:p>
+            <a:r>
+              <a:rPr lang="en-US" altLang="zh-CN" sz="2200" dirty="0"/>
+              <a:t>import { </a:t>
+            </a:r>
+            <a:r>
+              <a:rPr lang="en-US" altLang="zh-CN" sz="2200" dirty="0" err="1"/>
+              <a:t>BrowserRouter</a:t>
+            </a:r>
+            <a:r>
+              <a:rPr lang="en-US" altLang="zh-CN" sz="2200" dirty="0"/>
+              <a:t> as </a:t>
+            </a:r>
+            <a:r>
+              <a:rPr lang="en-US" altLang="zh-CN" sz="2200" dirty="0" err="1"/>
+              <a:t>Router,Route,Link</a:t>
+            </a:r>
+            <a:r>
+              <a:rPr lang="en-US" altLang="zh-CN" sz="2200" dirty="0"/>
+              <a:t>} from 'react-router-</a:t>
+            </a:r>
+            <a:r>
+              <a:rPr lang="en-US" altLang="zh-CN" sz="2200" dirty="0" err="1"/>
+              <a:t>dom</a:t>
+            </a:r>
+            <a:r>
+              <a:rPr lang="en-US" altLang="zh-CN" sz="2200" dirty="0"/>
+              <a:t>';</a:t>
+            </a:r>
+          </a:p>
+          <a:p>
+            <a:r>
+              <a:rPr lang="en-US" altLang="zh-CN" sz="2200" dirty="0" smtClean="0"/>
+              <a:t>……</a:t>
+            </a:r>
+            <a:endParaRPr lang="en-US" altLang="zh-CN" sz="2200" dirty="0"/>
+          </a:p>
+          <a:p>
+            <a:r>
+              <a:rPr lang="en-US" altLang="zh-CN" sz="2200" dirty="0" smtClean="0"/>
+              <a:t>class Hello </a:t>
+            </a:r>
+            <a:r>
+              <a:rPr lang="en-US" altLang="zh-CN" sz="2200" dirty="0">
+                <a:solidFill>
+                  <a:srgbClr val="FF0000"/>
+                </a:solidFill>
+              </a:rPr>
+              <a:t>extends </a:t>
+            </a:r>
+            <a:r>
+              <a:rPr lang="en-US" altLang="zh-CN" sz="2200" dirty="0" err="1"/>
+              <a:t>React.</a:t>
+            </a:r>
+            <a:r>
+              <a:rPr lang="en-US" altLang="zh-CN" sz="2200" dirty="0" err="1">
+                <a:solidFill>
+                  <a:srgbClr val="FF0000"/>
+                </a:solidFill>
+              </a:rPr>
+              <a:t>Component</a:t>
+            </a:r>
+            <a:r>
+              <a:rPr lang="en-US" altLang="zh-CN" sz="2200" dirty="0"/>
+              <a:t> { </a:t>
+            </a:r>
+            <a:endParaRPr lang="en-US" altLang="zh-CN" sz="2200" dirty="0" smtClean="0"/>
+          </a:p>
+          <a:p>
+            <a:r>
+              <a:rPr lang="en-US" altLang="zh-CN" sz="2200" dirty="0" smtClean="0"/>
+              <a:t>	</a:t>
+            </a:r>
+            <a:r>
+              <a:rPr lang="en-US" altLang="zh-CN" sz="2200" dirty="0" smtClean="0">
+                <a:solidFill>
+                  <a:srgbClr val="FF0000"/>
+                </a:solidFill>
+              </a:rPr>
+              <a:t>render</a:t>
+            </a:r>
+            <a:r>
+              <a:rPr lang="en-US" altLang="zh-CN" sz="2200" dirty="0" smtClean="0"/>
+              <a:t>( ) </a:t>
+            </a:r>
+            <a:r>
+              <a:rPr lang="en-US" altLang="zh-CN" sz="2200" dirty="0"/>
+              <a:t>{ </a:t>
+            </a:r>
+            <a:endParaRPr lang="en-US" altLang="zh-CN" sz="2200" dirty="0" smtClean="0"/>
+          </a:p>
+          <a:p>
+            <a:r>
+              <a:rPr lang="en-US" altLang="zh-CN" sz="2200" dirty="0" smtClean="0"/>
+              <a:t>		</a:t>
+            </a:r>
+            <a:r>
+              <a:rPr lang="en-US" altLang="zh-CN" sz="2200" dirty="0" smtClean="0">
+                <a:solidFill>
+                  <a:srgbClr val="FF0000"/>
+                </a:solidFill>
+              </a:rPr>
+              <a:t>return (</a:t>
+            </a:r>
+          </a:p>
+          <a:p>
+            <a:r>
+              <a:rPr lang="en-US" altLang="zh-CN" sz="2200" dirty="0" smtClean="0">
+                <a:solidFill>
+                  <a:srgbClr val="FF0000"/>
+                </a:solidFill>
+              </a:rPr>
+              <a:t>			</a:t>
+            </a:r>
+            <a:r>
+              <a:rPr lang="en-US" altLang="zh-CN" sz="2200" dirty="0"/>
+              <a:t>&lt;Router&gt;</a:t>
+            </a:r>
+          </a:p>
+          <a:p>
+            <a:r>
+              <a:rPr lang="en-US" altLang="zh-CN" sz="2200" dirty="0" smtClean="0"/>
+              <a:t>				&lt;</a:t>
+            </a:r>
+            <a:r>
+              <a:rPr lang="en-US" altLang="zh-CN" sz="2200" dirty="0"/>
+              <a:t>div&gt;</a:t>
+            </a:r>
+          </a:p>
+          <a:p>
+            <a:r>
+              <a:rPr lang="en-US" altLang="zh-CN" sz="2200" dirty="0" smtClean="0"/>
+              <a:t>					&lt;</a:t>
+            </a:r>
+            <a:r>
+              <a:rPr lang="en-US" altLang="zh-CN" sz="2200" dirty="0"/>
+              <a:t>Route exact path='/' component={Home}/&gt;</a:t>
+            </a:r>
+          </a:p>
+          <a:p>
+            <a:r>
+              <a:rPr lang="en-US" altLang="zh-CN" sz="2200" dirty="0" smtClean="0"/>
+              <a:t>					&lt;</a:t>
+            </a:r>
+            <a:r>
+              <a:rPr lang="en-US" altLang="zh-CN" sz="2200" dirty="0"/>
+              <a:t>Route path='/about' component={About}/&gt;</a:t>
+            </a:r>
+          </a:p>
+          <a:p>
+            <a:r>
+              <a:rPr lang="en-US" altLang="zh-CN" sz="2200" dirty="0" smtClean="0"/>
+              <a:t>				&lt;/</a:t>
+            </a:r>
+            <a:r>
+              <a:rPr lang="en-US" altLang="zh-CN" sz="2200" dirty="0"/>
+              <a:t>div&gt;</a:t>
+            </a:r>
+          </a:p>
+          <a:p>
+            <a:r>
+              <a:rPr lang="en-US" altLang="zh-CN" sz="2200" dirty="0" smtClean="0"/>
+              <a:t>			&lt;/</a:t>
+            </a:r>
+            <a:r>
+              <a:rPr lang="en-US" altLang="zh-CN" sz="2200" dirty="0"/>
+              <a:t>Router</a:t>
+            </a:r>
+            <a:r>
+              <a:rPr lang="en-US" altLang="zh-CN" sz="2200" dirty="0" smtClean="0"/>
+              <a:t>&gt;</a:t>
+            </a:r>
+            <a:endParaRPr lang="en-US" altLang="zh-CN" sz="2200" dirty="0">
+              <a:solidFill>
+                <a:srgbClr val="FF0000"/>
+              </a:solidFill>
+            </a:endParaRPr>
+          </a:p>
+          <a:p>
+            <a:r>
+              <a:rPr lang="en-US" altLang="zh-CN" sz="2200" dirty="0" smtClean="0">
+                <a:solidFill>
+                  <a:srgbClr val="FF0000"/>
+                </a:solidFill>
+              </a:rPr>
+              <a:t>		)</a:t>
+            </a:r>
+            <a:r>
+              <a:rPr lang="en-US" altLang="zh-CN" sz="2200" dirty="0" smtClean="0"/>
+              <a:t>; </a:t>
+            </a:r>
+          </a:p>
+          <a:p>
+            <a:r>
+              <a:rPr lang="en-US" altLang="zh-CN" sz="2200" dirty="0" smtClean="0"/>
+              <a:t>	} </a:t>
+            </a:r>
+          </a:p>
+          <a:p>
+            <a:r>
+              <a:rPr lang="en-US" altLang="zh-CN" sz="2200" dirty="0" smtClean="0"/>
+              <a:t>}</a:t>
+            </a:r>
+          </a:p>
+        </p:txBody>
+      </p:sp>
+      <p:sp>
+        <p:nvSpPr>
+          <p:cNvPr id="5" name="矩形 4"/>
+          <p:cNvSpPr/>
+          <p:nvPr/>
+        </p:nvSpPr>
+        <p:spPr>
+          <a:xfrm>
+            <a:off x="10201881" y="5848655"/>
+            <a:ext cx="1368627" cy="461665"/>
+          </a:xfrm>
+          <a:prstGeom prst="rect">
+            <a:avLst/>
+          </a:prstGeom>
+        </p:spPr>
+        <p:txBody>
+          <a:bodyPr wrap="square">
+            <a:spAutoFit/>
+          </a:bodyPr>
+          <a:lstStyle/>
+          <a:p>
+            <a:r>
+              <a:rPr lang="en-US" altLang="zh-CN" sz="2400" dirty="0" smtClean="0"/>
+              <a:t>demo01</a:t>
+            </a:r>
+            <a:endParaRPr lang="zh-CN" altLang="en-US" sz="2400" dirty="0"/>
+          </a:p>
+        </p:txBody>
+      </p:sp>
+    </p:spTree>
+    <p:extLst>
+      <p:ext uri="{BB962C8B-B14F-4D97-AF65-F5344CB8AC3E}">
+        <p14:creationId xmlns:p14="http://schemas.microsoft.com/office/powerpoint/2010/main" val="1784312958"/>
+      </p:ext>
+    </p:extLst>
+  </p:cSld>
+  <p:clrMapOvr>
+    <a:masterClrMapping/>
+  </p:clrMapOvr>
+  <p:timing>
+    <p:tnLst>
+      <p:par>
+        <p:cTn id="1" dur="indefinite" restart="never" nodeType="tmRoot"/>
+      </p:par>
+    </p:tnLst>
+  </p:timing>
+</p:sld>
+</file>
+
+<file path=ppt/slides/slide5.xml><?xml version="1.0" encoding="utf-8"?>
+<p:sld xmlns:a="http://schemas.openxmlformats.org/drawingml/2006/main" xmlns:r="http://schemas.openxmlformats.org/officeDocument/2006/relationships" xmlns:p="http://schemas.openxmlformats.org/presentationml/2006/main">
+  <p:cSld>
+    <p:spTree>
+      <p:nvGrpSpPr>
+        <p:cNvPr id="1" name=""/>
+        <p:cNvGrpSpPr/>
+        <p:nvPr/>
+      </p:nvGrpSpPr>
+      <p:grpSpPr>
+        <a:xfrm>
+          <a:off x="0" y="0"/>
+          <a:ext cx="0" cy="0"/>
+          <a:chOff x="0" y="0"/>
+          <a:chExt cx="0" cy="0"/>
+        </a:xfrm>
+      </p:grpSpPr>
+      <p:sp>
+        <p:nvSpPr>
+          <p:cNvPr id="30722" name="内容占位符 3"/>
+          <p:cNvSpPr>
+            <a:spLocks noGrp="1"/>
+          </p:cNvSpPr>
+          <p:nvPr>
+            <p:ph sz="quarter" idx="10"/>
+          </p:nvPr>
+        </p:nvSpPr>
+        <p:spPr bwMode="auto">
+          <a:xfrm>
+            <a:off x="693526" y="907845"/>
+            <a:ext cx="10228685" cy="4898244"/>
+          </a:xfrm>
+          <a:noFill/>
+        </p:spPr>
+        <p:txBody>
+          <a:bodyPr vert="horz" wrap="square" lIns="91440" tIns="45720" rIns="91440" bIns="45720" numCol="1" anchor="t" anchorCtr="0" compatLnSpc="1"/>
+          <a:lstStyle/>
+          <a:p>
+            <a:pPr marL="360045"/>
+            <a:r>
+              <a:rPr lang="en-US" altLang="zh-CN" dirty="0" smtClean="0"/>
+              <a:t> </a:t>
+            </a:r>
+            <a:r>
+              <a:rPr lang="en-US" altLang="zh-CN" b="1" dirty="0" err="1"/>
+              <a:t>BrowserRouter</a:t>
+            </a:r>
+            <a:r>
+              <a:rPr lang="en-US" altLang="zh-CN" b="1" dirty="0"/>
+              <a:t> </a:t>
+            </a:r>
+            <a:r>
+              <a:rPr lang="en-US" altLang="zh-CN" b="1" dirty="0" smtClean="0"/>
+              <a:t> VS  </a:t>
+            </a:r>
+            <a:r>
+              <a:rPr lang="en-US" altLang="zh-CN" b="1" dirty="0" err="1"/>
+              <a:t>HashRouter</a:t>
+            </a:r>
+            <a:endParaRPr lang="en-US" altLang="zh-CN" b="1" dirty="0"/>
+          </a:p>
+          <a:p>
+            <a:pPr marL="591820" lvl="1"/>
+            <a:r>
+              <a:rPr lang="zh-CN" altLang="en-US" dirty="0" smtClean="0"/>
+              <a:t> 都是路由的基本组件，需将其放在最外层，选其一使用</a:t>
+            </a:r>
+            <a:endParaRPr lang="en-US" altLang="zh-CN" dirty="0" smtClean="0"/>
+          </a:p>
+          <a:p>
+            <a:pPr marL="591820" lvl="1"/>
+            <a:r>
+              <a:rPr lang="zh-CN" altLang="en-US" dirty="0" smtClean="0">
+                <a:latin typeface="+mj-ea"/>
+              </a:rPr>
+              <a:t> 内部</a:t>
+            </a:r>
+            <a:r>
+              <a:rPr lang="zh-CN" altLang="en-US" dirty="0">
+                <a:latin typeface="+mj-ea"/>
+              </a:rPr>
+              <a:t>只能含有一个子节点</a:t>
+            </a:r>
+            <a:endParaRPr lang="en-US" altLang="zh-CN" dirty="0" smtClean="0"/>
+          </a:p>
+          <a:p>
+            <a:pPr marL="591820" lvl="1"/>
+            <a:r>
+              <a:rPr lang="zh-CN" altLang="en-US" dirty="0" smtClean="0"/>
+              <a:t> </a:t>
+            </a:r>
+            <a:r>
+              <a:rPr lang="en-US" altLang="zh-CN" dirty="0" err="1"/>
+              <a:t>BrowserRouter</a:t>
+            </a:r>
+            <a:r>
+              <a:rPr lang="en-US" altLang="zh-CN" b="1" dirty="0"/>
+              <a:t> </a:t>
+            </a:r>
+            <a:r>
+              <a:rPr lang="zh-CN" altLang="en-US" dirty="0" smtClean="0"/>
+              <a:t>的 </a:t>
+            </a:r>
+            <a:r>
+              <a:rPr lang="en-US" altLang="zh-CN" dirty="0" smtClean="0"/>
+              <a:t>URL </a:t>
+            </a:r>
+            <a:r>
+              <a:rPr lang="zh-CN" altLang="en-US" dirty="0"/>
+              <a:t>是指向真实 </a:t>
+            </a:r>
+            <a:r>
+              <a:rPr lang="en-US" altLang="zh-CN" dirty="0"/>
+              <a:t>URL </a:t>
+            </a:r>
+            <a:r>
+              <a:rPr lang="zh-CN" altLang="en-US" dirty="0"/>
+              <a:t>的资源</a:t>
+            </a:r>
+            <a:r>
+              <a:rPr lang="zh-CN" altLang="en-US" dirty="0" smtClean="0"/>
+              <a:t>路径，页面</a:t>
+            </a:r>
+            <a:r>
+              <a:rPr lang="zh-CN" altLang="en-US" dirty="0"/>
+              <a:t>和浏览器</a:t>
+            </a:r>
+            <a:r>
+              <a:rPr lang="zh-CN" altLang="en-US" dirty="0" smtClean="0"/>
+              <a:t>的 </a:t>
+            </a:r>
+            <a:r>
+              <a:rPr lang="en-US" altLang="zh-CN" dirty="0" smtClean="0"/>
+              <a:t>history </a:t>
+            </a:r>
+            <a:r>
+              <a:rPr lang="zh-CN" altLang="en-US" dirty="0" smtClean="0"/>
+              <a:t>保持一致</a:t>
+            </a:r>
+            <a:endParaRPr lang="en-US" altLang="zh-CN" dirty="0" smtClean="0"/>
+          </a:p>
+          <a:p>
+            <a:pPr marL="591820" lvl="1"/>
+            <a:r>
+              <a:rPr lang="en-US" altLang="zh-CN" dirty="0" smtClean="0">
+                <a:ea typeface="宋体" panose="02010600030101010101" pitchFamily="2" charset="-122"/>
+              </a:rPr>
+              <a:t> </a:t>
+            </a:r>
+            <a:r>
+              <a:rPr lang="en-US" altLang="zh-CN" dirty="0" err="1" smtClean="0"/>
+              <a:t>HashRouter</a:t>
+            </a:r>
+            <a:r>
+              <a:rPr lang="en-US" altLang="zh-CN" dirty="0" smtClean="0"/>
+              <a:t> </a:t>
+            </a:r>
+            <a:r>
+              <a:rPr lang="zh-CN" altLang="en-US" dirty="0" smtClean="0"/>
+              <a:t>使用 </a:t>
+            </a:r>
+            <a:r>
+              <a:rPr lang="en-US" altLang="zh-CN" dirty="0"/>
+              <a:t>URL </a:t>
+            </a:r>
+            <a:r>
+              <a:rPr lang="zh-CN" altLang="en-US" dirty="0"/>
+              <a:t>中的 </a:t>
+            </a:r>
+            <a:r>
+              <a:rPr lang="en-US" altLang="zh-CN" dirty="0"/>
+              <a:t>hash</a:t>
+            </a:r>
+            <a:r>
+              <a:rPr lang="zh-CN" altLang="en-US" dirty="0"/>
+              <a:t>（</a:t>
+            </a:r>
+            <a:r>
+              <a:rPr lang="en-US" altLang="zh-CN" dirty="0"/>
+              <a:t>#</a:t>
+            </a:r>
+            <a:r>
+              <a:rPr lang="zh-CN" altLang="en-US" dirty="0"/>
+              <a:t>）部分去创建</a:t>
+            </a:r>
+            <a:r>
+              <a:rPr lang="zh-CN" altLang="en-US" dirty="0" smtClean="0"/>
+              <a:t>路由</a:t>
+            </a:r>
+            <a:endParaRPr lang="en-US" altLang="zh-CN" dirty="0">
+              <a:latin typeface="+mj-ea"/>
+              <a:ea typeface="+mj-ea"/>
+            </a:endParaRPr>
+          </a:p>
+          <a:p>
+            <a:pPr marL="360045"/>
+            <a:r>
+              <a:rPr lang="en-US" altLang="zh-CN" dirty="0" smtClean="0">
+                <a:latin typeface="+mn-ea"/>
+                <a:ea typeface="+mn-ea"/>
+              </a:rPr>
+              <a:t> </a:t>
+            </a:r>
+            <a:r>
+              <a:rPr lang="en-US" altLang="zh-CN" dirty="0">
+                <a:latin typeface="+mn-ea"/>
+                <a:ea typeface="+mn-ea"/>
+              </a:rPr>
+              <a:t>&lt;</a:t>
+            </a:r>
+            <a:r>
+              <a:rPr lang="en-US" altLang="zh-CN" dirty="0" smtClean="0"/>
+              <a:t>Route /&gt;</a:t>
+            </a:r>
+            <a:endParaRPr lang="en-US" altLang="zh-CN" dirty="0" smtClean="0">
+              <a:latin typeface="+mn-ea"/>
+              <a:ea typeface="+mn-ea"/>
+            </a:endParaRPr>
+          </a:p>
+          <a:p>
+            <a:pPr marL="591820" lvl="1"/>
+            <a:r>
+              <a:rPr lang="en-US" altLang="zh-CN" dirty="0" smtClean="0"/>
+              <a:t> </a:t>
+            </a:r>
+            <a:r>
+              <a:rPr lang="zh-CN" altLang="en-US" dirty="0" smtClean="0"/>
+              <a:t>匹配路径、挂载组件</a:t>
+            </a:r>
+            <a:endParaRPr lang="en-US" altLang="zh-CN" dirty="0"/>
+          </a:p>
+        </p:txBody>
+      </p:sp>
+      <p:sp>
+        <p:nvSpPr>
+          <p:cNvPr id="25603" name="内容占位符 4"/>
+          <p:cNvSpPr>
+            <a:spLocks noGrp="1"/>
+          </p:cNvSpPr>
+          <p:nvPr>
+            <p:ph sz="quarter" idx="11"/>
+          </p:nvPr>
+        </p:nvSpPr>
+        <p:spPr bwMode="auto">
+          <a:xfrm>
+            <a:off x="909638" y="236538"/>
+            <a:ext cx="7575550" cy="490537"/>
+          </a:xfrm>
+          <a:extLst>
+            <a:ext uri="{909E8E84-426E-40DD-AFC4-6F175D3DCCD1}">
+              <a14:hiddenFill xmlns:a14="http://schemas.microsoft.com/office/drawing/2010/main">
+                <a:solidFill>
+                  <a:srgbClr val="FFFFFF"/>
+                </a:solidFill>
+              </a14:hiddenFill>
+            </a:ext>
+            <a:ext uri="{91240B29-F687-4F45-9708-019B960494DF}">
+              <a14:hiddenLine xmlns:a14="http://schemas.microsoft.com/office/drawing/2010/main" w="9525">
+                <a:solidFill>
+                  <a:srgbClr val="000000"/>
+                </a:solidFill>
+                <a:miter lim="800000"/>
+                <a:headEnd/>
+                <a:tailEnd/>
+              </a14:hiddenLine>
+            </a:ext>
+          </a:extLst>
+        </p:spPr>
+        <p:txBody>
+          <a:bodyPr vert="horz" wrap="square" lIns="91440" tIns="45720" rIns="91440" bIns="45720" numCol="1" anchor="t" anchorCtr="0" compatLnSpc="1"/>
+          <a:lstStyle/>
+          <a:p>
+            <a:pPr>
+              <a:defRPr/>
+            </a:pPr>
+            <a:r>
+              <a:rPr lang="zh-CN" altLang="en-US" smtClean="0">
+                <a:latin typeface="+mn-ea"/>
+                <a:ea typeface="+mn-ea"/>
+              </a:rPr>
+              <a:t>路由配置</a:t>
+            </a:r>
+            <a:endParaRPr lang="zh-CN" altLang="en-US" dirty="0" smtClean="0">
+              <a:latin typeface="+mn-ea"/>
+              <a:ea typeface="+mn-ea"/>
+            </a:endParaRPr>
+          </a:p>
+        </p:txBody>
+      </p:sp>
+    </p:spTree>
+  </p:cSld>
+  <p:clrMapOvr>
+    <a:masterClrMapping/>
+  </p:clrMapOvr>
+  <p:timing>
+    <p:tnLst>
+      <p:par>
+        <p:cTn id="1" dur="indefinite" restart="never" nodeType="tmRoot">
+          <p:childTnLst>
+            <p:seq concurrent="1" nextAc="seek">
+              <p:cTn id="2" dur="indefinite" nodeType="mainSeq">
+                <p:childTnLst>
+                  <p:par>
+                    <p:cTn id="3" fill="hold">
+                      <p:stCondLst>
+                        <p:cond delay="indefinite"/>
+                      </p:stCondLst>
+                      <p:childTnLst>
+                        <p:par>
+                          <p:cTn id="4" fill="hold">
+                            <p:stCondLst>
+                              <p:cond delay="0"/>
+                            </p:stCondLst>
+                            <p:childTnLst>
+                              <p:par>
+                                <p:cTn id="5" presetID="42" presetClass="entr" presetSubtype="0" fill="hold" nodeType="clickEffect">
+                                  <p:stCondLst>
+                                    <p:cond delay="0"/>
+                                  </p:stCondLst>
+                                  <p:childTnLst>
+                                    <p:set>
+                                      <p:cBhvr>
+                                        <p:cTn id="6" dur="1" fill="hold">
+                                          <p:stCondLst>
+                                            <p:cond delay="0"/>
+                                          </p:stCondLst>
+                                        </p:cTn>
+                                        <p:tgtEl>
+                                          <p:spTgt spid="30722">
+                                            <p:txEl>
+                                              <p:pRg st="1" end="1"/>
+                                            </p:txEl>
+                                          </p:spTgt>
+                                        </p:tgtEl>
+                                        <p:attrNameLst>
+                                          <p:attrName>style.visibility</p:attrName>
+                                        </p:attrNameLst>
+                                      </p:cBhvr>
+                                      <p:to>
+                                        <p:strVal val="visible"/>
+                                      </p:to>
+                                    </p:set>
+                                    <p:animEffect transition="in" filter="fade">
+                                      <p:cBhvr>
+                                        <p:cTn id="7" dur="1000"/>
+                                        <p:tgtEl>
+                                          <p:spTgt spid="30722">
+                                            <p:txEl>
+                                              <p:pRg st="1" end="1"/>
+                                            </p:txEl>
+                                          </p:spTgt>
+                                        </p:tgtEl>
+                                      </p:cBhvr>
+                                    </p:animEffect>
+                                    <p:anim calcmode="lin" valueType="num">
+                                      <p:cBhvr>
+                                        <p:cTn id="8" dur="1000" fill="hold"/>
+                                        <p:tgtEl>
+                                          <p:spTgt spid="30722">
+                                            <p:txEl>
+                                              <p:pRg st="1" end="1"/>
+                                            </p:txEl>
+                                          </p:spTgt>
+                                        </p:tgtEl>
+                                        <p:attrNameLst>
+                                          <p:attrName>ppt_x</p:attrName>
+                                        </p:attrNameLst>
+                                      </p:cBhvr>
+                                      <p:tavLst>
+                                        <p:tav tm="0">
+                                          <p:val>
+                                            <p:strVal val="#ppt_x"/>
+                                          </p:val>
+                                        </p:tav>
+                                        <p:tav tm="100000">
+                                          <p:val>
+                                            <p:strVal val="#ppt_x"/>
+                                          </p:val>
+                                        </p:tav>
+                                      </p:tavLst>
+                                    </p:anim>
+                                    <p:anim calcmode="lin" valueType="num">
+                                      <p:cBhvr>
+                                        <p:cTn id="9" dur="1000" fill="hold"/>
+                                        <p:tgtEl>
+                                          <p:spTgt spid="30722">
+                                            <p:txEl>
+                                              <p:pRg st="1" end="1"/>
+                                            </p:txEl>
+                                          </p:spTgt>
+                                        </p:tgtEl>
+                                        <p:attrNameLst>
+                                          <p:attrName>ppt_y</p:attrName>
+                                        </p:attrNameLst>
+                                      </p:cBhvr>
+                                      <p:tavLst>
+                                        <p:tav tm="0">
+                                          <p:val>
+                                            <p:strVal val="#ppt_y+.1"/>
+                                          </p:val>
+                                        </p:tav>
+                                        <p:tav tm="100000">
+                                          <p:val>
+                                            <p:strVal val="#ppt_y"/>
+                                          </p:val>
+                                        </p:tav>
+                                      </p:tavLst>
+                                    </p:anim>
+                                  </p:childTnLst>
+                                </p:cTn>
+                              </p:par>
+                              <p:par>
+                                <p:cTn id="10" presetID="42" presetClass="entr" presetSubtype="0" fill="hold" nodeType="withEffect">
+                                  <p:stCondLst>
+                                    <p:cond delay="0"/>
+                                  </p:stCondLst>
+                                  <p:childTnLst>
+                                    <p:set>
+                                      <p:cBhvr>
+                                        <p:cTn id="11" dur="1" fill="hold">
+                                          <p:stCondLst>
+                                            <p:cond delay="0"/>
+                                          </p:stCondLst>
+                                        </p:cTn>
+                                        <p:tgtEl>
+                                          <p:spTgt spid="30722">
+                                            <p:txEl>
+                                              <p:pRg st="2" end="2"/>
+                                            </p:txEl>
+                                          </p:spTgt>
+                                        </p:tgtEl>
+                                        <p:attrNameLst>
+                                          <p:attrName>style.visibility</p:attrName>
+                                        </p:attrNameLst>
+                                      </p:cBhvr>
+                                      <p:to>
+                                        <p:strVal val="visible"/>
+                                      </p:to>
+                                    </p:set>
+                                    <p:animEffect transition="in" filter="fade">
+                                      <p:cBhvr>
+                                        <p:cTn id="12" dur="1000"/>
+                                        <p:tgtEl>
+                                          <p:spTgt spid="30722">
+                                            <p:txEl>
+                                              <p:pRg st="2" end="2"/>
+                                            </p:txEl>
+                                          </p:spTgt>
+                                        </p:tgtEl>
+                                      </p:cBhvr>
+                                    </p:animEffect>
+                                    <p:anim calcmode="lin" valueType="num">
+                                      <p:cBhvr>
+                                        <p:cTn id="13" dur="1000" fill="hold"/>
+                                        <p:tgtEl>
+                                          <p:spTgt spid="30722">
+                                            <p:txEl>
+                                              <p:pRg st="2" end="2"/>
+                                            </p:txEl>
+                                          </p:spTgt>
+                                        </p:tgtEl>
+                                        <p:attrNameLst>
+                                          <p:attrName>ppt_x</p:attrName>
+                                        </p:attrNameLst>
+                                      </p:cBhvr>
+                                      <p:tavLst>
+                                        <p:tav tm="0">
+                                          <p:val>
+                                            <p:strVal val="#ppt_x"/>
+                                          </p:val>
+                                        </p:tav>
+                                        <p:tav tm="100000">
+                                          <p:val>
+                                            <p:strVal val="#ppt_x"/>
+                                          </p:val>
+                                        </p:tav>
+                                      </p:tavLst>
+                                    </p:anim>
+                                    <p:anim calcmode="lin" valueType="num">
+                                      <p:cBhvr>
+                                        <p:cTn id="14" dur="1000" fill="hold"/>
+                                        <p:tgtEl>
+                                          <p:spTgt spid="30722">
+                                            <p:txEl>
+                                              <p:pRg st="2" end="2"/>
+                                            </p:txEl>
+                                          </p:spTgt>
+                                        </p:tgtEl>
+                                        <p:attrNameLst>
+                                          <p:attrName>ppt_y</p:attrName>
+                                        </p:attrNameLst>
+                                      </p:cBhvr>
+                                      <p:tavLst>
+                                        <p:tav tm="0">
+                                          <p:val>
+                                            <p:strVal val="#ppt_y+.1"/>
+                                          </p:val>
+                                        </p:tav>
+                                        <p:tav tm="100000">
+                                          <p:val>
+                                            <p:strVal val="#ppt_y"/>
+                                          </p:val>
+                                        </p:tav>
+                                      </p:tavLst>
+                                    </p:anim>
+                                  </p:childTnLst>
+                                </p:cTn>
+                              </p:par>
+                            </p:childTnLst>
+                          </p:cTn>
+                        </p:par>
+                      </p:childTnLst>
+                    </p:cTn>
+                  </p:par>
+                  <p:par>
+                    <p:cTn id="15" fill="hold">
+                      <p:stCondLst>
+                        <p:cond delay="indefinite"/>
+                      </p:stCondLst>
+                      <p:childTnLst>
+                        <p:par>
+                          <p:cTn id="16" fill="hold">
+                            <p:stCondLst>
+                              <p:cond delay="0"/>
+                            </p:stCondLst>
+                            <p:childTnLst>
+                              <p:par>
+                                <p:cTn id="17" presetID="42" presetClass="entr" presetSubtype="0" fill="hold" nodeType="clickEffect">
+                                  <p:stCondLst>
+                                    <p:cond delay="0"/>
+                                  </p:stCondLst>
+                                  <p:childTnLst>
+                                    <p:set>
+                                      <p:cBhvr>
+                                        <p:cTn id="18" dur="1" fill="hold">
+                                          <p:stCondLst>
+                                            <p:cond delay="0"/>
+                                          </p:stCondLst>
+                                        </p:cTn>
+                                        <p:tgtEl>
+                                          <p:spTgt spid="30722">
+                                            <p:txEl>
+                                              <p:pRg st="3" end="3"/>
+                                            </p:txEl>
+                                          </p:spTgt>
+                                        </p:tgtEl>
+                                        <p:attrNameLst>
+                                          <p:attrName>style.visibility</p:attrName>
+                                        </p:attrNameLst>
+                                      </p:cBhvr>
+                                      <p:to>
+                                        <p:strVal val="visible"/>
+                                      </p:to>
+                                    </p:set>
+                                    <p:animEffect transition="in" filter="fade">
+                                      <p:cBhvr>
+                                        <p:cTn id="19" dur="1000"/>
+                                        <p:tgtEl>
+                                          <p:spTgt spid="30722">
+                                            <p:txEl>
+                                              <p:pRg st="3" end="3"/>
+                                            </p:txEl>
+                                          </p:spTgt>
+                                        </p:tgtEl>
+                                      </p:cBhvr>
+                                    </p:animEffect>
+                                    <p:anim calcmode="lin" valueType="num">
+                                      <p:cBhvr>
+                                        <p:cTn id="20" dur="1000" fill="hold"/>
+                                        <p:tgtEl>
+                                          <p:spTgt spid="30722">
+                                            <p:txEl>
+                                              <p:pRg st="3" end="3"/>
+                                            </p:txEl>
+                                          </p:spTgt>
+                                        </p:tgtEl>
+                                        <p:attrNameLst>
+                                          <p:attrName>ppt_x</p:attrName>
+                                        </p:attrNameLst>
+                                      </p:cBhvr>
+                                      <p:tavLst>
+                                        <p:tav tm="0">
+                                          <p:val>
+                                            <p:strVal val="#ppt_x"/>
+                                          </p:val>
+                                        </p:tav>
+                                        <p:tav tm="100000">
+                                          <p:val>
+                                            <p:strVal val="#ppt_x"/>
+                                          </p:val>
+                                        </p:tav>
+                                      </p:tavLst>
+                                    </p:anim>
+                                    <p:anim calcmode="lin" valueType="num">
+                                      <p:cBhvr>
+                                        <p:cTn id="21" dur="1000" fill="hold"/>
+                                        <p:tgtEl>
+                                          <p:spTgt spid="30722">
+                                            <p:txEl>
+                                              <p:pRg st="3" end="3"/>
+                                            </p:txEl>
+                                          </p:spTgt>
+                                        </p:tgtEl>
+                                        <p:attrNameLst>
+                                          <p:attrName>ppt_y</p:attrName>
+                                        </p:attrNameLst>
+                                      </p:cBhvr>
+                                      <p:tavLst>
+                                        <p:tav tm="0">
+                                          <p:val>
+                                            <p:strVal val="#ppt_y+.1"/>
+                                          </p:val>
+                                        </p:tav>
+                                        <p:tav tm="100000">
+                                          <p:val>
+                                            <p:strVal val="#ppt_y"/>
+                                          </p:val>
+                                        </p:tav>
+                                      </p:tavLst>
+                                    </p:anim>
+                                  </p:childTnLst>
+                                </p:cTn>
+                              </p:par>
+                            </p:childTnLst>
+                          </p:cTn>
+                        </p:par>
+                      </p:childTnLst>
+                    </p:cTn>
+                  </p:par>
+                  <p:par>
+                    <p:cTn id="22" fill="hold">
+                      <p:stCondLst>
+                        <p:cond delay="indefinite"/>
+                      </p:stCondLst>
+                      <p:childTnLst>
+                        <p:par>
+                          <p:cTn id="23" fill="hold">
+                            <p:stCondLst>
+                              <p:cond delay="0"/>
+                            </p:stCondLst>
+                            <p:childTnLst>
+                              <p:par>
+                                <p:cTn id="24" presetID="42" presetClass="entr" presetSubtype="0" fill="hold" nodeType="clickEffect">
+                                  <p:stCondLst>
+                                    <p:cond delay="0"/>
+                                  </p:stCondLst>
+                                  <p:childTnLst>
+                                    <p:set>
+                                      <p:cBhvr>
+                                        <p:cTn id="25" dur="1" fill="hold">
+                                          <p:stCondLst>
+                                            <p:cond delay="0"/>
+                                          </p:stCondLst>
+                                        </p:cTn>
+                                        <p:tgtEl>
+                                          <p:spTgt spid="30722">
+                                            <p:txEl>
+                                              <p:pRg st="4" end="4"/>
+                                            </p:txEl>
+                                          </p:spTgt>
+                                        </p:tgtEl>
+                                        <p:attrNameLst>
+                                          <p:attrName>style.visibility</p:attrName>
+                                        </p:attrNameLst>
+                                      </p:cBhvr>
+                                      <p:to>
+                                        <p:strVal val="visible"/>
+                                      </p:to>
+                                    </p:set>
+                                    <p:animEffect transition="in" filter="fade">
+                                      <p:cBhvr>
+                                        <p:cTn id="26" dur="1000"/>
+                                        <p:tgtEl>
+                                          <p:spTgt spid="30722">
+                                            <p:txEl>
+                                              <p:pRg st="4" end="4"/>
+                                            </p:txEl>
+                                          </p:spTgt>
+                                        </p:tgtEl>
+                                      </p:cBhvr>
+                                    </p:animEffect>
+                                    <p:anim calcmode="lin" valueType="num">
+                                      <p:cBhvr>
+                                        <p:cTn id="27" dur="1000" fill="hold"/>
+                                        <p:tgtEl>
+                                          <p:spTgt spid="30722">
+                                            <p:txEl>
+                                              <p:pRg st="4" end="4"/>
+                                            </p:txEl>
+                                          </p:spTgt>
+                                        </p:tgtEl>
+                                        <p:attrNameLst>
+                                          <p:attrName>ppt_x</p:attrName>
+                                        </p:attrNameLst>
+                                      </p:cBhvr>
+                                      <p:tavLst>
+                                        <p:tav tm="0">
+                                          <p:val>
+                                            <p:strVal val="#ppt_x"/>
+                                          </p:val>
+                                        </p:tav>
+                                        <p:tav tm="100000">
+                                          <p:val>
+                                            <p:strVal val="#ppt_x"/>
+                                          </p:val>
+                                        </p:tav>
+                                      </p:tavLst>
+                                    </p:anim>
+                                    <p:anim calcmode="lin" valueType="num">
+                                      <p:cBhvr>
+                                        <p:cTn id="28" dur="1000" fill="hold"/>
+                                        <p:tgtEl>
+                                          <p:spTgt spid="30722">
+                                            <p:txEl>
+                                              <p:pRg st="4" end="4"/>
+                                            </p:txEl>
+                                          </p:spTgt>
+                                        </p:tgtEl>
+                                        <p:attrNameLst>
+                                          <p:attrName>ppt_y</p:attrName>
+                                        </p:attrNameLst>
+                                      </p:cBhvr>
+                                      <p:tavLst>
+                                        <p:tav tm="0">
+                                          <p:val>
+                                            <p:strVal val="#ppt_y+.1"/>
+                                          </p:val>
+                                        </p:tav>
+                                        <p:tav tm="100000">
+                                          <p:val>
+                                            <p:strVal val="#ppt_y"/>
+                                          </p:val>
+                                        </p:tav>
+                                      </p:tavLst>
+                                    </p:anim>
+                                  </p:childTnLst>
+                                </p:cTn>
+                              </p:par>
+                            </p:childTnLst>
+                          </p:cTn>
+                        </p:par>
+                      </p:childTnLst>
+                    </p:cTn>
+                  </p:par>
+                  <p:par>
+                    <p:cTn id="29" fill="hold">
+                      <p:stCondLst>
+                        <p:cond delay="indefinite"/>
+                      </p:stCondLst>
+                      <p:childTnLst>
+                        <p:par>
+                          <p:cTn id="30" fill="hold">
+                            <p:stCondLst>
+                              <p:cond delay="0"/>
+                            </p:stCondLst>
+                            <p:childTnLst>
+                              <p:par>
+                                <p:cTn id="31" presetID="42" presetClass="entr" presetSubtype="0" fill="hold" nodeType="clickEffect">
+                                  <p:stCondLst>
+                                    <p:cond delay="0"/>
+                                  </p:stCondLst>
+                                  <p:childTnLst>
+                                    <p:set>
+                                      <p:cBhvr>
+                                        <p:cTn id="32" dur="1" fill="hold">
+                                          <p:stCondLst>
+                                            <p:cond delay="0"/>
+                                          </p:stCondLst>
+                                        </p:cTn>
+                                        <p:tgtEl>
+                                          <p:spTgt spid="30722">
+                                            <p:txEl>
+                                              <p:pRg st="5" end="5"/>
+                                            </p:txEl>
+                                          </p:spTgt>
+                                        </p:tgtEl>
+                                        <p:attrNameLst>
+                                          <p:attrName>style.visibility</p:attrName>
+                                        </p:attrNameLst>
+                                      </p:cBhvr>
+                                      <p:to>
+                                        <p:strVal val="visible"/>
+                                      </p:to>
+                                    </p:set>
+                                    <p:animEffect transition="in" filter="fade">
+                                      <p:cBhvr>
+                                        <p:cTn id="33" dur="1000"/>
+                                        <p:tgtEl>
+                                          <p:spTgt spid="30722">
+                                            <p:txEl>
+                                              <p:pRg st="5" end="5"/>
+                                            </p:txEl>
+                                          </p:spTgt>
+                                        </p:tgtEl>
+                                      </p:cBhvr>
+                                    </p:animEffect>
+                                    <p:anim calcmode="lin" valueType="num">
+                                      <p:cBhvr>
+                                        <p:cTn id="34" dur="1000" fill="hold"/>
+                                        <p:tgtEl>
+                                          <p:spTgt spid="30722">
+                                            <p:txEl>
+                                              <p:pRg st="5" end="5"/>
+                                            </p:txEl>
+                                          </p:spTgt>
+                                        </p:tgtEl>
+                                        <p:attrNameLst>
+                                          <p:attrName>ppt_x</p:attrName>
+                                        </p:attrNameLst>
+                                      </p:cBhvr>
+                                      <p:tavLst>
+                                        <p:tav tm="0">
+                                          <p:val>
+                                            <p:strVal val="#ppt_x"/>
+                                          </p:val>
+                                        </p:tav>
+                                        <p:tav tm="100000">
+                                          <p:val>
+                                            <p:strVal val="#ppt_x"/>
+                                          </p:val>
+                                        </p:tav>
+                                      </p:tavLst>
+                                    </p:anim>
+                                    <p:anim calcmode="lin" valueType="num">
+                                      <p:cBhvr>
+                                        <p:cTn id="35" dur="1000" fill="hold"/>
+                                        <p:tgtEl>
+                                          <p:spTgt spid="30722">
+                                            <p:txEl>
+                                              <p:pRg st="5" end="5"/>
+                                            </p:txEl>
+                                          </p:spTgt>
+                                        </p:tgtEl>
+                                        <p:attrNameLst>
+                                          <p:attrName>ppt_y</p:attrName>
+                                        </p:attrNameLst>
+                                      </p:cBhvr>
+                                      <p:tavLst>
+                                        <p:tav tm="0">
+                                          <p:val>
+                                            <p:strVal val="#ppt_y+.1"/>
+                                          </p:val>
+                                        </p:tav>
+                                        <p:tav tm="100000">
+                                          <p:val>
+                                            <p:strVal val="#ppt_y"/>
+                                          </p:val>
+                                        </p:tav>
+                                      </p:tavLst>
+                                    </p:anim>
+                                  </p:childTnLst>
+                                </p:cTn>
+                              </p:par>
+                              <p:par>
+                                <p:cTn id="36" presetID="42" presetClass="entr" presetSubtype="0" fill="hold" nodeType="withEffect">
+                                  <p:stCondLst>
+                                    <p:cond delay="0"/>
+                                  </p:stCondLst>
+                                  <p:childTnLst>
+                                    <p:set>
+                                      <p:cBhvr>
+                                        <p:cTn id="37" dur="1" fill="hold">
+                                          <p:stCondLst>
+                                            <p:cond delay="0"/>
+                                          </p:stCondLst>
+                                        </p:cTn>
+                                        <p:tgtEl>
+                                          <p:spTgt spid="30722">
+                                            <p:txEl>
+                                              <p:pRg st="6" end="6"/>
+                                            </p:txEl>
+                                          </p:spTgt>
+                                        </p:tgtEl>
+                                        <p:attrNameLst>
+                                          <p:attrName>style.visibility</p:attrName>
+                                        </p:attrNameLst>
+                                      </p:cBhvr>
+                                      <p:to>
+                                        <p:strVal val="visible"/>
+                                      </p:to>
+                                    </p:set>
+                                    <p:animEffect transition="in" filter="fade">
+                                      <p:cBhvr>
+                                        <p:cTn id="38" dur="1000"/>
+                                        <p:tgtEl>
+                                          <p:spTgt spid="30722">
+                                            <p:txEl>
+                                              <p:pRg st="6" end="6"/>
+                                            </p:txEl>
+                                          </p:spTgt>
+                                        </p:tgtEl>
+                                      </p:cBhvr>
+                                    </p:animEffect>
+                                    <p:anim calcmode="lin" valueType="num">
+                                      <p:cBhvr>
+                                        <p:cTn id="39" dur="1000" fill="hold"/>
+                                        <p:tgtEl>
+                                          <p:spTgt spid="30722">
+                                            <p:txEl>
+                                              <p:pRg st="6" end="6"/>
+                                            </p:txEl>
+                                          </p:spTgt>
+                                        </p:tgtEl>
+                                        <p:attrNameLst>
+                                          <p:attrName>ppt_x</p:attrName>
+                                        </p:attrNameLst>
+                                      </p:cBhvr>
+                                      <p:tavLst>
+                                        <p:tav tm="0">
+                                          <p:val>
+                                            <p:strVal val="#ppt_x"/>
+                                          </p:val>
+                                        </p:tav>
+                                        <p:tav tm="100000">
+                                          <p:val>
+                                            <p:strVal val="#ppt_x"/>
+                                          </p:val>
+                                        </p:tav>
+                                      </p:tavLst>
+                                    </p:anim>
+                                    <p:anim calcmode="lin" valueType="num">
+                                      <p:cBhvr>
+                                        <p:cTn id="40" dur="1000" fill="hold"/>
+                                        <p:tgtEl>
+                                          <p:spTgt spid="30722">
+                                            <p:txEl>
+                                              <p:pRg st="6" end="6"/>
+                                            </p:txEl>
+                                          </p:spTgt>
+                                        </p:tgtEl>
+                                        <p:attrNameLst>
+                                          <p:attrName>ppt_y</p:attrName>
+                                        </p:attrNameLst>
+                                      </p:cBhvr>
+                                      <p:tavLst>
+                                        <p:tav tm="0">
+                                          <p:val>
+                                            <p:strVal val="#ppt_y+.1"/>
+                                          </p:val>
+                                        </p:tav>
+                                        <p:tav tm="100000">
+                                          <p:val>
+                                            <p:strVal val="#ppt_y"/>
+                                          </p:val>
+                                        </p:tav>
+                                      </p:tavLst>
+                                    </p:anim>
+                                  </p:childTnLst>
+                                </p:cTn>
+                              </p:par>
+                            </p:childTnLst>
+                          </p:cTn>
+                        </p:par>
+                      </p:childTnLst>
+                    </p:cTn>
+                  </p:par>
+                </p:childTnLst>
+              </p:cTn>
+              <p:prevCondLst>
+                <p:cond evt="onPrev" delay="0">
+                  <p:tgtEl>
+                    <p:sldTgt/>
+                  </p:tgtEl>
+                </p:cond>
+              </p:prevCondLst>
+              <p:nextCondLst>
+                <p:cond evt="onNext" delay="0">
+                  <p:tgtEl>
+                    <p:sldTgt/>
+                  </p:tgtEl>
+                </p:cond>
+              </p:nextCondLst>
+            </p:seq>
+          </p:childTnLst>
+        </p:cTn>
+      </p:par>
+    </p:tnLst>
+  </p:timing>
+</p:sld>
+</file>
+
+<file path=ppt/slides/slide6.xml><?xml version="1.0" encoding="utf-8"?>
+<p:sld xmlns:a="http://schemas.openxmlformats.org/drawingml/2006/main" xmlns:r="http://schemas.openxmlformats.org/officeDocument/2006/relationships" xmlns:p="http://schemas.openxmlformats.org/presentationml/2006/main">
+  <p:cSld>
+    <p:spTree>
+      <p:nvGrpSpPr>
+        <p:cNvPr id="1" name=""/>
+        <p:cNvGrpSpPr/>
+        <p:nvPr/>
+      </p:nvGrpSpPr>
+      <p:grpSpPr>
+        <a:xfrm>
+          <a:off x="0" y="0"/>
+          <a:ext cx="0" cy="0"/>
+          <a:chOff x="0" y="0"/>
+          <a:chExt cx="0" cy="0"/>
+        </a:xfrm>
+      </p:grpSpPr>
+      <p:sp>
+        <p:nvSpPr>
+          <p:cNvPr id="30722" name="内容占位符 3"/>
+          <p:cNvSpPr>
+            <a:spLocks noGrp="1"/>
+          </p:cNvSpPr>
+          <p:nvPr>
+            <p:ph sz="quarter" idx="10"/>
+          </p:nvPr>
+        </p:nvSpPr>
+        <p:spPr bwMode="auto">
+          <a:xfrm>
+            <a:off x="693526" y="907845"/>
+            <a:ext cx="10228685" cy="4898244"/>
+          </a:xfrm>
+          <a:noFill/>
+        </p:spPr>
+        <p:txBody>
+          <a:bodyPr vert="horz" wrap="square" lIns="91440" tIns="45720" rIns="91440" bIns="45720" numCol="1" anchor="t" anchorCtr="0" compatLnSpc="1"/>
+          <a:lstStyle/>
+          <a:p>
+            <a:pPr marL="360045"/>
+            <a:r>
+              <a:rPr lang="en-US" altLang="zh-CN" dirty="0" smtClean="0">
+                <a:latin typeface="+mn-ea"/>
+                <a:ea typeface="+mn-ea"/>
+              </a:rPr>
+              <a:t> &lt;</a:t>
+            </a:r>
+            <a:r>
+              <a:rPr lang="en-US" altLang="zh-CN" dirty="0" smtClean="0"/>
+              <a:t>Route /&gt; </a:t>
+            </a:r>
+            <a:r>
+              <a:rPr lang="zh-CN" altLang="en-US" dirty="0" smtClean="0"/>
+              <a:t>续</a:t>
+            </a:r>
+            <a:endParaRPr lang="en-US" altLang="zh-CN" dirty="0" smtClean="0">
+              <a:latin typeface="+mn-ea"/>
+              <a:ea typeface="+mn-ea"/>
+            </a:endParaRPr>
+          </a:p>
+          <a:p>
+            <a:pPr marL="591820" lvl="1"/>
+            <a:r>
+              <a:rPr lang="en-US" altLang="zh-CN" dirty="0" smtClean="0"/>
+              <a:t> &lt;Route </a:t>
+            </a:r>
+            <a:r>
+              <a:rPr lang="en-US" altLang="zh-CN" dirty="0"/>
+              <a:t>exact</a:t>
+            </a:r>
+            <a:r>
+              <a:rPr lang="en-US" altLang="zh-CN" dirty="0" smtClean="0"/>
+              <a:t>  </a:t>
+            </a:r>
+            <a:r>
+              <a:rPr lang="en-US" altLang="zh-CN" dirty="0"/>
+              <a:t>path</a:t>
+            </a:r>
+            <a:r>
+              <a:rPr lang="en-US" altLang="zh-CN" dirty="0" smtClean="0"/>
+              <a:t>='/home'  component={ Home }/&gt;</a:t>
+            </a:r>
+          </a:p>
+          <a:p>
+            <a:pPr marL="591820" lvl="1"/>
+            <a:r>
+              <a:rPr lang="en-US" altLang="zh-CN" dirty="0"/>
+              <a:t> exact : </a:t>
+            </a:r>
+            <a:r>
+              <a:rPr lang="zh-CN" altLang="en-US" dirty="0"/>
+              <a:t>严格</a:t>
+            </a:r>
+            <a:r>
+              <a:rPr lang="zh-CN" altLang="en-US" dirty="0" smtClean="0"/>
+              <a:t>匹配</a:t>
+            </a:r>
+            <a:endParaRPr lang="en-US" altLang="zh-CN" dirty="0" smtClean="0"/>
+          </a:p>
+          <a:p>
+            <a:pPr marL="591820" lvl="1"/>
+            <a:r>
+              <a:rPr lang="en-US" altLang="zh-CN" dirty="0"/>
+              <a:t> </a:t>
+            </a:r>
+            <a:r>
+              <a:rPr lang="en-US" altLang="zh-CN" dirty="0" smtClean="0"/>
+              <a:t>path : </a:t>
+            </a:r>
+            <a:r>
+              <a:rPr lang="zh-CN" altLang="en-US" dirty="0" smtClean="0"/>
+              <a:t>字符串</a:t>
+            </a:r>
+            <a:r>
+              <a:rPr lang="zh-CN" altLang="en-US" dirty="0"/>
+              <a:t>类型</a:t>
+            </a:r>
+            <a:r>
+              <a:rPr lang="zh-CN" altLang="en-US" dirty="0" smtClean="0"/>
+              <a:t>，用来</a:t>
+            </a:r>
+            <a:r>
+              <a:rPr lang="zh-CN" altLang="en-US" dirty="0"/>
+              <a:t>匹配</a:t>
+            </a:r>
+            <a:r>
+              <a:rPr lang="en-US" altLang="zh-CN" dirty="0" err="1" smtClean="0"/>
+              <a:t>url</a:t>
+            </a:r>
+            <a:endParaRPr lang="en-US" altLang="zh-CN" dirty="0"/>
+          </a:p>
+          <a:p>
+            <a:pPr marL="591820" lvl="1"/>
+            <a:r>
+              <a:rPr lang="en-US" altLang="zh-CN" dirty="0"/>
+              <a:t> </a:t>
+            </a:r>
+            <a:r>
+              <a:rPr lang="en-US" altLang="zh-CN" dirty="0" smtClean="0"/>
+              <a:t>component :</a:t>
+            </a:r>
+            <a:r>
+              <a:rPr lang="zh-CN" altLang="en-US" dirty="0"/>
+              <a:t> </a:t>
+            </a:r>
+            <a:r>
+              <a:rPr lang="zh-CN" altLang="en-US" dirty="0" smtClean="0"/>
+              <a:t>值</a:t>
+            </a:r>
+            <a:r>
+              <a:rPr lang="zh-CN" altLang="en-US" dirty="0"/>
+              <a:t>是一个</a:t>
+            </a:r>
+            <a:r>
+              <a:rPr lang="zh-CN" altLang="en-US" dirty="0" smtClean="0"/>
+              <a:t>组件</a:t>
+            </a:r>
+            <a:r>
+              <a:rPr lang="zh-CN" altLang="en-US" dirty="0"/>
+              <a:t>，</a:t>
+            </a:r>
+            <a:r>
+              <a:rPr lang="zh-CN" altLang="en-US" dirty="0" smtClean="0"/>
+              <a:t>在 </a:t>
+            </a:r>
+            <a:r>
+              <a:rPr lang="en-US" altLang="zh-CN" dirty="0" smtClean="0"/>
+              <a:t>path </a:t>
+            </a:r>
+            <a:r>
+              <a:rPr lang="zh-CN" altLang="en-US" dirty="0" smtClean="0"/>
+              <a:t>匹配成功后挂载这个组件</a:t>
+            </a:r>
+            <a:endParaRPr lang="en-US" altLang="zh-CN" dirty="0" smtClean="0"/>
+          </a:p>
+          <a:p>
+            <a:pPr marL="591820" lvl="1"/>
+            <a:r>
+              <a:rPr lang="en-US" altLang="zh-CN" dirty="0"/>
+              <a:t> </a:t>
+            </a:r>
+            <a:r>
+              <a:rPr lang="en-US" altLang="zh-CN" dirty="0" smtClean="0"/>
+              <a:t>render : </a:t>
+            </a:r>
+            <a:r>
+              <a:rPr lang="zh-CN" altLang="en-US" dirty="0" smtClean="0"/>
+              <a:t>一个返回组件的方法</a:t>
+            </a:r>
+            <a:endParaRPr lang="en-US" altLang="zh-CN" dirty="0" smtClean="0"/>
+          </a:p>
+          <a:p>
+            <a:pPr marL="591820" lvl="1"/>
+            <a:r>
+              <a:rPr lang="en-US" altLang="zh-CN" dirty="0"/>
+              <a:t> </a:t>
+            </a:r>
+            <a:r>
+              <a:rPr lang="en-US" altLang="zh-CN" dirty="0" smtClean="0"/>
+              <a:t>children </a:t>
+            </a:r>
+            <a:r>
+              <a:rPr lang="zh-CN" altLang="en-US" dirty="0"/>
+              <a:t> </a:t>
+            </a:r>
+            <a:r>
+              <a:rPr lang="en-US" altLang="zh-CN" dirty="0" smtClean="0"/>
+              <a:t>: </a:t>
+            </a:r>
+            <a:r>
+              <a:rPr lang="zh-CN" altLang="en-US" dirty="0" smtClean="0"/>
+              <a:t>一</a:t>
+            </a:r>
+            <a:r>
+              <a:rPr lang="zh-CN" altLang="en-US" dirty="0"/>
+              <a:t>个返回组件的方法</a:t>
+            </a:r>
+            <a:endParaRPr lang="en-US" altLang="zh-CN" dirty="0"/>
+          </a:p>
+        </p:txBody>
+      </p:sp>
+      <p:sp>
+        <p:nvSpPr>
+          <p:cNvPr id="25603" name="内容占位符 4"/>
+          <p:cNvSpPr>
+            <a:spLocks noGrp="1"/>
+          </p:cNvSpPr>
+          <p:nvPr>
+            <p:ph sz="quarter" idx="11"/>
+          </p:nvPr>
+        </p:nvSpPr>
+        <p:spPr bwMode="auto">
+          <a:xfrm>
+            <a:off x="909638" y="236538"/>
+            <a:ext cx="7575550" cy="490537"/>
+          </a:xfrm>
+          <a:extLst>
+            <a:ext uri="{909E8E84-426E-40DD-AFC4-6F175D3DCCD1}">
+              <a14:hiddenFill xmlns:a14="http://schemas.microsoft.com/office/drawing/2010/main">
+                <a:solidFill>
+                  <a:srgbClr val="FFFFFF"/>
+                </a:solidFill>
+              </a14:hiddenFill>
+            </a:ext>
+            <a:ext uri="{91240B29-F687-4F45-9708-019B960494DF}">
+              <a14:hiddenLine xmlns:a14="http://schemas.microsoft.com/office/drawing/2010/main" w="9525">
+                <a:solidFill>
+                  <a:srgbClr val="000000"/>
+                </a:solidFill>
+                <a:miter lim="800000"/>
+                <a:headEnd/>
+                <a:tailEnd/>
+              </a14:hiddenLine>
+            </a:ext>
+          </a:extLst>
+        </p:spPr>
+        <p:txBody>
+          <a:bodyPr vert="horz" wrap="square" lIns="91440" tIns="45720" rIns="91440" bIns="45720" numCol="1" anchor="t" anchorCtr="0" compatLnSpc="1"/>
+          <a:lstStyle/>
+          <a:p>
+            <a:pPr>
+              <a:defRPr/>
+            </a:pPr>
+            <a:r>
+              <a:rPr lang="zh-CN" altLang="en-US" smtClean="0">
+                <a:latin typeface="+mn-ea"/>
+                <a:ea typeface="+mn-ea"/>
+              </a:rPr>
+              <a:t>路由配置</a:t>
+            </a:r>
+            <a:endParaRPr lang="zh-CN" altLang="en-US" dirty="0" smtClean="0">
+              <a:latin typeface="+mn-ea"/>
+              <a:ea typeface="+mn-ea"/>
+            </a:endParaRPr>
+          </a:p>
+        </p:txBody>
+      </p:sp>
+    </p:spTree>
+    <p:extLst>
+      <p:ext uri="{BB962C8B-B14F-4D97-AF65-F5344CB8AC3E}">
+        <p14:creationId xmlns:p14="http://schemas.microsoft.com/office/powerpoint/2010/main" val="254418307"/>
+      </p:ext>
+    </p:extLst>
+  </p:cSld>
+  <p:clrMapOvr>
+    <a:masterClrMapping/>
+  </p:clrMapOvr>
+  <p:timing>
+    <p:tnLst>
+      <p:par>
+        <p:cTn id="1" dur="indefinite" restart="never" nodeType="tmRoot">
+          <p:childTnLst>
+            <p:seq concurrent="1" nextAc="seek">
+              <p:cTn id="2" dur="indefinite" nodeType="mainSeq">
+                <p:childTnLst>
+                  <p:par>
+                    <p:cTn id="3" fill="hold">
+                      <p:stCondLst>
+                        <p:cond delay="indefinite"/>
+                      </p:stCondLst>
+                      <p:childTnLst>
+                        <p:par>
+                          <p:cTn id="4" fill="hold">
+                            <p:stCondLst>
+                              <p:cond delay="0"/>
+                            </p:stCondLst>
+                            <p:childTnLst>
+                              <p:par>
+                                <p:cTn id="5" presetID="42" presetClass="entr" presetSubtype="0" fill="hold" nodeType="clickEffect">
+                                  <p:stCondLst>
+                                    <p:cond delay="0"/>
+                                  </p:stCondLst>
+                                  <p:childTnLst>
+                                    <p:set>
+                                      <p:cBhvr>
+                                        <p:cTn id="6" dur="1" fill="hold">
+                                          <p:stCondLst>
+                                            <p:cond delay="0"/>
+                                          </p:stCondLst>
+                                        </p:cTn>
+                                        <p:tgtEl>
+                                          <p:spTgt spid="30722">
+                                            <p:txEl>
+                                              <p:pRg st="1" end="1"/>
+                                            </p:txEl>
+                                          </p:spTgt>
+                                        </p:tgtEl>
+                                        <p:attrNameLst>
+                                          <p:attrName>style.visibility</p:attrName>
+                                        </p:attrNameLst>
+                                      </p:cBhvr>
+                                      <p:to>
+                                        <p:strVal val="visible"/>
+                                      </p:to>
+                                    </p:set>
+                                    <p:animEffect transition="in" filter="fade">
+                                      <p:cBhvr>
+                                        <p:cTn id="7" dur="1000"/>
+                                        <p:tgtEl>
+                                          <p:spTgt spid="30722">
+                                            <p:txEl>
+                                              <p:pRg st="1" end="1"/>
+                                            </p:txEl>
+                                          </p:spTgt>
+                                        </p:tgtEl>
+                                      </p:cBhvr>
+                                    </p:animEffect>
+                                    <p:anim calcmode="lin" valueType="num">
+                                      <p:cBhvr>
+                                        <p:cTn id="8" dur="1000" fill="hold"/>
+                                        <p:tgtEl>
+                                          <p:spTgt spid="30722">
+                                            <p:txEl>
+                                              <p:pRg st="1" end="1"/>
+                                            </p:txEl>
+                                          </p:spTgt>
+                                        </p:tgtEl>
+                                        <p:attrNameLst>
+                                          <p:attrName>ppt_x</p:attrName>
+                                        </p:attrNameLst>
+                                      </p:cBhvr>
+                                      <p:tavLst>
+                                        <p:tav tm="0">
+                                          <p:val>
+                                            <p:strVal val="#ppt_x"/>
+                                          </p:val>
+                                        </p:tav>
+                                        <p:tav tm="100000">
+                                          <p:val>
+                                            <p:strVal val="#ppt_x"/>
+                                          </p:val>
+                                        </p:tav>
+                                      </p:tavLst>
+                                    </p:anim>
+                                    <p:anim calcmode="lin" valueType="num">
+                                      <p:cBhvr>
+                                        <p:cTn id="9" dur="1000" fill="hold"/>
+                                        <p:tgtEl>
+                                          <p:spTgt spid="30722">
+                                            <p:txEl>
+                                              <p:pRg st="1" end="1"/>
+                                            </p:txEl>
+                                          </p:spTgt>
+                                        </p:tgtEl>
+                                        <p:attrNameLst>
+                                          <p:attrName>ppt_y</p:attrName>
+                                        </p:attrNameLst>
+                                      </p:cBhvr>
+                                      <p:tavLst>
+                                        <p:tav tm="0">
+                                          <p:val>
+                                            <p:strVal val="#ppt_y+.1"/>
+                                          </p:val>
+                                        </p:tav>
+                                        <p:tav tm="100000">
+                                          <p:val>
+                                            <p:strVal val="#ppt_y"/>
+                                          </p:val>
+                                        </p:tav>
+                                      </p:tavLst>
+                                    </p:anim>
+                                  </p:childTnLst>
+                                </p:cTn>
+                              </p:par>
+                            </p:childTnLst>
+                          </p:cTn>
+                        </p:par>
+                      </p:childTnLst>
+                    </p:cTn>
+                  </p:par>
+                  <p:par>
+                    <p:cTn id="10" fill="hold">
+                      <p:stCondLst>
+                        <p:cond delay="indefinite"/>
+                      </p:stCondLst>
+                      <p:childTnLst>
+                        <p:par>
+                          <p:cTn id="11" fill="hold">
+                            <p:stCondLst>
+                              <p:cond delay="0"/>
+                            </p:stCondLst>
+                            <p:childTnLst>
+                              <p:par>
+                                <p:cTn id="12" presetID="42" presetClass="entr" presetSubtype="0" fill="hold" nodeType="clickEffect">
+                                  <p:stCondLst>
+                                    <p:cond delay="0"/>
+                                  </p:stCondLst>
+                                  <p:childTnLst>
+                                    <p:set>
+                                      <p:cBhvr>
+                                        <p:cTn id="13" dur="1" fill="hold">
+                                          <p:stCondLst>
+                                            <p:cond delay="0"/>
+                                          </p:stCondLst>
+                                        </p:cTn>
+                                        <p:tgtEl>
+                                          <p:spTgt spid="30722">
+                                            <p:txEl>
+                                              <p:pRg st="2" end="2"/>
+                                            </p:txEl>
+                                          </p:spTgt>
+                                        </p:tgtEl>
+                                        <p:attrNameLst>
+                                          <p:attrName>style.visibility</p:attrName>
+                                        </p:attrNameLst>
+                                      </p:cBhvr>
+                                      <p:to>
+                                        <p:strVal val="visible"/>
+                                      </p:to>
+                                    </p:set>
+                                    <p:animEffect transition="in" filter="fade">
+                                      <p:cBhvr>
+                                        <p:cTn id="14" dur="1000"/>
+                                        <p:tgtEl>
+                                          <p:spTgt spid="30722">
+                                            <p:txEl>
+                                              <p:pRg st="2" end="2"/>
+                                            </p:txEl>
+                                          </p:spTgt>
+                                        </p:tgtEl>
+                                      </p:cBhvr>
+                                    </p:animEffect>
+                                    <p:anim calcmode="lin" valueType="num">
+                                      <p:cBhvr>
+                                        <p:cTn id="15" dur="1000" fill="hold"/>
+                                        <p:tgtEl>
+                                          <p:spTgt spid="30722">
+                                            <p:txEl>
+                                              <p:pRg st="2" end="2"/>
+                                            </p:txEl>
+                                          </p:spTgt>
+                                        </p:tgtEl>
+                                        <p:attrNameLst>
+                                          <p:attrName>ppt_x</p:attrName>
+                                        </p:attrNameLst>
+                                      </p:cBhvr>
+                                      <p:tavLst>
+                                        <p:tav tm="0">
+                                          <p:val>
+                                            <p:strVal val="#ppt_x"/>
+                                          </p:val>
+                                        </p:tav>
+                                        <p:tav tm="100000">
+                                          <p:val>
+                                            <p:strVal val="#ppt_x"/>
+                                          </p:val>
+                                        </p:tav>
+                                      </p:tavLst>
+                                    </p:anim>
+                                    <p:anim calcmode="lin" valueType="num">
+                                      <p:cBhvr>
+                                        <p:cTn id="16" dur="1000" fill="hold"/>
+                                        <p:tgtEl>
+                                          <p:spTgt spid="30722">
+                                            <p:txEl>
+                                              <p:pRg st="2" end="2"/>
+                                            </p:txEl>
+                                          </p:spTgt>
+                                        </p:tgtEl>
+                                        <p:attrNameLst>
+                                          <p:attrName>ppt_y</p:attrName>
+                                        </p:attrNameLst>
+                                      </p:cBhvr>
+                                      <p:tavLst>
+                                        <p:tav tm="0">
+                                          <p:val>
+                                            <p:strVal val="#ppt_y+.1"/>
+                                          </p:val>
+                                        </p:tav>
+                                        <p:tav tm="100000">
+                                          <p:val>
+                                            <p:strVal val="#ppt_y"/>
+                                          </p:val>
+                                        </p:tav>
+                                      </p:tavLst>
+                                    </p:anim>
+                                  </p:childTnLst>
+                                </p:cTn>
+                              </p:par>
+                              <p:par>
+                                <p:cTn id="17" presetID="42" presetClass="entr" presetSubtype="0" fill="hold" nodeType="withEffect">
+                                  <p:stCondLst>
+                                    <p:cond delay="0"/>
+                                  </p:stCondLst>
+                                  <p:childTnLst>
+                                    <p:set>
+                                      <p:cBhvr>
+                                        <p:cTn id="18" dur="1" fill="hold">
+                                          <p:stCondLst>
+                                            <p:cond delay="0"/>
+                                          </p:stCondLst>
+                                        </p:cTn>
+                                        <p:tgtEl>
+                                          <p:spTgt spid="30722">
+                                            <p:txEl>
+                                              <p:pRg st="3" end="3"/>
+                                            </p:txEl>
+                                          </p:spTgt>
+                                        </p:tgtEl>
+                                        <p:attrNameLst>
+                                          <p:attrName>style.visibility</p:attrName>
+                                        </p:attrNameLst>
+                                      </p:cBhvr>
+                                      <p:to>
+                                        <p:strVal val="visible"/>
+                                      </p:to>
+                                    </p:set>
+                                    <p:animEffect transition="in" filter="fade">
+                                      <p:cBhvr>
+                                        <p:cTn id="19" dur="1000"/>
+                                        <p:tgtEl>
+                                          <p:spTgt spid="30722">
+                                            <p:txEl>
+                                              <p:pRg st="3" end="3"/>
+                                            </p:txEl>
+                                          </p:spTgt>
+                                        </p:tgtEl>
+                                      </p:cBhvr>
+                                    </p:animEffect>
+                                    <p:anim calcmode="lin" valueType="num">
+                                      <p:cBhvr>
+                                        <p:cTn id="20" dur="1000" fill="hold"/>
+                                        <p:tgtEl>
+                                          <p:spTgt spid="30722">
+                                            <p:txEl>
+                                              <p:pRg st="3" end="3"/>
+                                            </p:txEl>
+                                          </p:spTgt>
+                                        </p:tgtEl>
+                                        <p:attrNameLst>
+                                          <p:attrName>ppt_x</p:attrName>
+                                        </p:attrNameLst>
+                                      </p:cBhvr>
+                                      <p:tavLst>
+                                        <p:tav tm="0">
+                                          <p:val>
+                                            <p:strVal val="#ppt_x"/>
+                                          </p:val>
+                                        </p:tav>
+                                        <p:tav tm="100000">
+                                          <p:val>
+                                            <p:strVal val="#ppt_x"/>
+                                          </p:val>
+                                        </p:tav>
+                                      </p:tavLst>
+                                    </p:anim>
+                                    <p:anim calcmode="lin" valueType="num">
+                                      <p:cBhvr>
+                                        <p:cTn id="21" dur="1000" fill="hold"/>
+                                        <p:tgtEl>
+                                          <p:spTgt spid="30722">
+                                            <p:txEl>
+                                              <p:pRg st="3" end="3"/>
+                                            </p:txEl>
+                                          </p:spTgt>
+                                        </p:tgtEl>
+                                        <p:attrNameLst>
+                                          <p:attrName>ppt_y</p:attrName>
+                                        </p:attrNameLst>
+                                      </p:cBhvr>
+                                      <p:tavLst>
+                                        <p:tav tm="0">
+                                          <p:val>
+                                            <p:strVal val="#ppt_y+.1"/>
+                                          </p:val>
+                                        </p:tav>
+                                        <p:tav tm="100000">
+                                          <p:val>
+                                            <p:strVal val="#ppt_y"/>
+                                          </p:val>
+                                        </p:tav>
+                                      </p:tavLst>
+                                    </p:anim>
+                                  </p:childTnLst>
+                                </p:cTn>
+                              </p:par>
+                              <p:par>
+                                <p:cTn id="22" presetID="42" presetClass="entr" presetSubtype="0" fill="hold" nodeType="withEffect">
+                                  <p:stCondLst>
+                                    <p:cond delay="0"/>
+                                  </p:stCondLst>
+                                  <p:childTnLst>
+                                    <p:set>
+                                      <p:cBhvr>
+                                        <p:cTn id="23" dur="1" fill="hold">
+                                          <p:stCondLst>
+                                            <p:cond delay="0"/>
+                                          </p:stCondLst>
+                                        </p:cTn>
+                                        <p:tgtEl>
+                                          <p:spTgt spid="30722">
+                                            <p:txEl>
+                                              <p:pRg st="4" end="4"/>
+                                            </p:txEl>
+                                          </p:spTgt>
+                                        </p:tgtEl>
+                                        <p:attrNameLst>
+                                          <p:attrName>style.visibility</p:attrName>
+                                        </p:attrNameLst>
+                                      </p:cBhvr>
+                                      <p:to>
+                                        <p:strVal val="visible"/>
+                                      </p:to>
+                                    </p:set>
+                                    <p:animEffect transition="in" filter="fade">
+                                      <p:cBhvr>
+                                        <p:cTn id="24" dur="1000"/>
+                                        <p:tgtEl>
+                                          <p:spTgt spid="30722">
+                                            <p:txEl>
+                                              <p:pRg st="4" end="4"/>
+                                            </p:txEl>
+                                          </p:spTgt>
+                                        </p:tgtEl>
+                                      </p:cBhvr>
+                                    </p:animEffect>
+                                    <p:anim calcmode="lin" valueType="num">
+                                      <p:cBhvr>
+                                        <p:cTn id="25" dur="1000" fill="hold"/>
+                                        <p:tgtEl>
+                                          <p:spTgt spid="30722">
+                                            <p:txEl>
+                                              <p:pRg st="4" end="4"/>
+                                            </p:txEl>
+                                          </p:spTgt>
+                                        </p:tgtEl>
+                                        <p:attrNameLst>
+                                          <p:attrName>ppt_x</p:attrName>
+                                        </p:attrNameLst>
+                                      </p:cBhvr>
+                                      <p:tavLst>
+                                        <p:tav tm="0">
+                                          <p:val>
+                                            <p:strVal val="#ppt_x"/>
+                                          </p:val>
+                                        </p:tav>
+                                        <p:tav tm="100000">
+                                          <p:val>
+                                            <p:strVal val="#ppt_x"/>
+                                          </p:val>
+                                        </p:tav>
+                                      </p:tavLst>
+                                    </p:anim>
+                                    <p:anim calcmode="lin" valueType="num">
+                                      <p:cBhvr>
+                                        <p:cTn id="26" dur="1000" fill="hold"/>
+                                        <p:tgtEl>
+                                          <p:spTgt spid="30722">
+                                            <p:txEl>
+                                              <p:pRg st="4" end="4"/>
+                                            </p:txEl>
+                                          </p:spTgt>
+                                        </p:tgtEl>
+                                        <p:attrNameLst>
+                                          <p:attrName>ppt_y</p:attrName>
+                                        </p:attrNameLst>
+                                      </p:cBhvr>
+                                      <p:tavLst>
+                                        <p:tav tm="0">
+                                          <p:val>
+                                            <p:strVal val="#ppt_y+.1"/>
+                                          </p:val>
+                                        </p:tav>
+                                        <p:tav tm="100000">
+                                          <p:val>
+                                            <p:strVal val="#ppt_y"/>
+                                          </p:val>
+                                        </p:tav>
+                                      </p:tavLst>
+                                    </p:anim>
+                                  </p:childTnLst>
+                                </p:cTn>
+                              </p:par>
+                            </p:childTnLst>
+                          </p:cTn>
+                        </p:par>
+                      </p:childTnLst>
+                    </p:cTn>
+                  </p:par>
+                  <p:par>
+                    <p:cTn id="27" fill="hold">
+                      <p:stCondLst>
+                        <p:cond delay="indefinite"/>
+                      </p:stCondLst>
+                      <p:childTnLst>
+                        <p:par>
+                          <p:cTn id="28" fill="hold">
+                            <p:stCondLst>
+                              <p:cond delay="0"/>
+                            </p:stCondLst>
+                            <p:childTnLst>
+                              <p:par>
+                                <p:cTn id="29" presetID="42" presetClass="entr" presetSubtype="0" fill="hold" nodeType="clickEffect">
+                                  <p:stCondLst>
+                                    <p:cond delay="0"/>
+                                  </p:stCondLst>
+                                  <p:childTnLst>
+                                    <p:set>
+                                      <p:cBhvr>
+                                        <p:cTn id="30" dur="1" fill="hold">
+                                          <p:stCondLst>
+                                            <p:cond delay="0"/>
+                                          </p:stCondLst>
+                                        </p:cTn>
+                                        <p:tgtEl>
+                                          <p:spTgt spid="30722">
+                                            <p:txEl>
+                                              <p:pRg st="5" end="5"/>
+                                            </p:txEl>
+                                          </p:spTgt>
+                                        </p:tgtEl>
+                                        <p:attrNameLst>
+                                          <p:attrName>style.visibility</p:attrName>
+                                        </p:attrNameLst>
+                                      </p:cBhvr>
+                                      <p:to>
+                                        <p:strVal val="visible"/>
+                                      </p:to>
+                                    </p:set>
+                                    <p:animEffect transition="in" filter="fade">
+                                      <p:cBhvr>
+                                        <p:cTn id="31" dur="1000"/>
+                                        <p:tgtEl>
+                                          <p:spTgt spid="30722">
+                                            <p:txEl>
+                                              <p:pRg st="5" end="5"/>
+                                            </p:txEl>
+                                          </p:spTgt>
+                                        </p:tgtEl>
+                                      </p:cBhvr>
+                                    </p:animEffect>
+                                    <p:anim calcmode="lin" valueType="num">
+                                      <p:cBhvr>
+                                        <p:cTn id="32" dur="1000" fill="hold"/>
+                                        <p:tgtEl>
+                                          <p:spTgt spid="30722">
+                                            <p:txEl>
+                                              <p:pRg st="5" end="5"/>
+                                            </p:txEl>
+                                          </p:spTgt>
+                                        </p:tgtEl>
+                                        <p:attrNameLst>
+                                          <p:attrName>ppt_x</p:attrName>
+                                        </p:attrNameLst>
+                                      </p:cBhvr>
+                                      <p:tavLst>
+                                        <p:tav tm="0">
+                                          <p:val>
+                                            <p:strVal val="#ppt_x"/>
+                                          </p:val>
+                                        </p:tav>
+                                        <p:tav tm="100000">
+                                          <p:val>
+                                            <p:strVal val="#ppt_x"/>
+                                          </p:val>
+                                        </p:tav>
+                                      </p:tavLst>
+                                    </p:anim>
+                                    <p:anim calcmode="lin" valueType="num">
+                                      <p:cBhvr>
+                                        <p:cTn id="33" dur="1000" fill="hold"/>
+                                        <p:tgtEl>
+                                          <p:spTgt spid="30722">
+                                            <p:txEl>
+                                              <p:pRg st="5" end="5"/>
+                                            </p:txEl>
+                                          </p:spTgt>
+                                        </p:tgtEl>
+                                        <p:attrNameLst>
+                                          <p:attrName>ppt_y</p:attrName>
+                                        </p:attrNameLst>
+                                      </p:cBhvr>
+                                      <p:tavLst>
+                                        <p:tav tm="0">
+                                          <p:val>
+                                            <p:strVal val="#ppt_y+.1"/>
+                                          </p:val>
+                                        </p:tav>
+                                        <p:tav tm="100000">
+                                          <p:val>
+                                            <p:strVal val="#ppt_y"/>
+                                          </p:val>
+                                        </p:tav>
+                                      </p:tavLst>
+                                    </p:anim>
+                                  </p:childTnLst>
+                                </p:cTn>
+                              </p:par>
+                              <p:par>
+                                <p:cTn id="34" presetID="42" presetClass="entr" presetSubtype="0" fill="hold" nodeType="withEffect">
+                                  <p:stCondLst>
+                                    <p:cond delay="0"/>
+                                  </p:stCondLst>
+                                  <p:childTnLst>
+                                    <p:set>
+                                      <p:cBhvr>
+                                        <p:cTn id="35" dur="1" fill="hold">
+                                          <p:stCondLst>
+                                            <p:cond delay="0"/>
+                                          </p:stCondLst>
+                                        </p:cTn>
+                                        <p:tgtEl>
+                                          <p:spTgt spid="30722">
+                                            <p:txEl>
+                                              <p:pRg st="6" end="6"/>
+                                            </p:txEl>
+                                          </p:spTgt>
+                                        </p:tgtEl>
+                                        <p:attrNameLst>
+                                          <p:attrName>style.visibility</p:attrName>
+                                        </p:attrNameLst>
+                                      </p:cBhvr>
+                                      <p:to>
+                                        <p:strVal val="visible"/>
+                                      </p:to>
+                                    </p:set>
+                                    <p:animEffect transition="in" filter="fade">
+                                      <p:cBhvr>
+                                        <p:cTn id="36" dur="1000"/>
+                                        <p:tgtEl>
+                                          <p:spTgt spid="30722">
+                                            <p:txEl>
+                                              <p:pRg st="6" end="6"/>
+                                            </p:txEl>
+                                          </p:spTgt>
+                                        </p:tgtEl>
+                                      </p:cBhvr>
+                                    </p:animEffect>
+                                    <p:anim calcmode="lin" valueType="num">
+                                      <p:cBhvr>
+                                        <p:cTn id="37" dur="1000" fill="hold"/>
+                                        <p:tgtEl>
+                                          <p:spTgt spid="30722">
+                                            <p:txEl>
+                                              <p:pRg st="6" end="6"/>
+                                            </p:txEl>
+                                          </p:spTgt>
+                                        </p:tgtEl>
+                                        <p:attrNameLst>
+                                          <p:attrName>ppt_x</p:attrName>
+                                        </p:attrNameLst>
+                                      </p:cBhvr>
+                                      <p:tavLst>
+                                        <p:tav tm="0">
+                                          <p:val>
+                                            <p:strVal val="#ppt_x"/>
+                                          </p:val>
+                                        </p:tav>
+                                        <p:tav tm="100000">
+                                          <p:val>
+                                            <p:strVal val="#ppt_x"/>
+                                          </p:val>
+                                        </p:tav>
+                                      </p:tavLst>
+                                    </p:anim>
+                                    <p:anim calcmode="lin" valueType="num">
+                                      <p:cBhvr>
+                                        <p:cTn id="38" dur="1000" fill="hold"/>
+                                        <p:tgtEl>
+                                          <p:spTgt spid="30722">
+                                            <p:txEl>
+                                              <p:pRg st="6" end="6"/>
+                                            </p:txEl>
+                                          </p:spTgt>
+                                        </p:tgtEl>
+                                        <p:attrNameLst>
+                                          <p:attrName>ppt_y</p:attrName>
+                                        </p:attrNameLst>
+                                      </p:cBhvr>
+                                      <p:tavLst>
+                                        <p:tav tm="0">
+                                          <p:val>
+                                            <p:strVal val="#ppt_y+.1"/>
+                                          </p:val>
+                                        </p:tav>
+                                        <p:tav tm="100000">
+                                          <p:val>
+                                            <p:strVal val="#ppt_y"/>
+                                          </p:val>
+                                        </p:tav>
+                                      </p:tavLst>
+                                    </p:anim>
+                                  </p:childTnLst>
+                                </p:cTn>
+                              </p:par>
+                            </p:childTnLst>
+                          </p:cTn>
+                        </p:par>
+                      </p:childTnLst>
+                    </p:cTn>
+                  </p:par>
+                </p:childTnLst>
+              </p:cTn>
+              <p:prevCondLst>
+                <p:cond evt="onPrev" delay="0">
+                  <p:tgtEl>
+                    <p:sldTgt/>
+                  </p:tgtEl>
+                </p:cond>
+              </p:prevCondLst>
+              <p:nextCondLst>
+                <p:cond evt="onNext" delay="0">
+                  <p:tgtEl>
+                    <p:sldTgt/>
+                  </p:tgtEl>
+                </p:cond>
+              </p:nextCondLst>
+            </p:seq>
+          </p:childTnLst>
+        </p:cTn>
+      </p:par>
+    </p:tnLst>
+  </p:timing>
+</p:sld>
+</file>
+
+<file path=ppt/slides/slide7.xml><?xml version="1.0" encoding="utf-8"?>
+<p:sld xmlns:a="http://schemas.openxmlformats.org/drawingml/2006/main" xmlns:r="http://schemas.openxmlformats.org/officeDocument/2006/relationships" xmlns:p="http://schemas.openxmlformats.org/presentationml/2006/main">
+  <p:cSld>
+    <p:spTree>
+      <p:nvGrpSpPr>
+        <p:cNvPr id="1" name=""/>
+        <p:cNvGrpSpPr/>
+        <p:nvPr/>
+      </p:nvGrpSpPr>
+      <p:grpSpPr>
+        <a:xfrm>
+          <a:off x="0" y="0"/>
+          <a:ext cx="0" cy="0"/>
+          <a:chOff x="0" y="0"/>
+          <a:chExt cx="0" cy="0"/>
+        </a:xfrm>
+      </p:grpSpPr>
+      <p:sp>
+        <p:nvSpPr>
+          <p:cNvPr id="30722" name="内容占位符 3"/>
+          <p:cNvSpPr>
+            <a:spLocks noGrp="1"/>
+          </p:cNvSpPr>
+          <p:nvPr>
+            <p:ph sz="quarter" idx="10"/>
+          </p:nvPr>
+        </p:nvSpPr>
+        <p:spPr bwMode="auto">
+          <a:xfrm>
+            <a:off x="693526" y="907845"/>
+            <a:ext cx="10228685" cy="4898244"/>
+          </a:xfrm>
+          <a:noFill/>
+        </p:spPr>
+        <p:txBody>
+          <a:bodyPr vert="horz" wrap="square" lIns="91440" tIns="45720" rIns="91440" bIns="45720" numCol="1" anchor="t" anchorCtr="0" compatLnSpc="1"/>
+          <a:lstStyle/>
+          <a:p>
+            <a:pPr marL="360045"/>
+            <a:r>
+              <a:rPr lang="en-US" altLang="zh-CN" dirty="0" smtClean="0">
+                <a:latin typeface="+mn-ea"/>
+                <a:ea typeface="+mn-ea"/>
+              </a:rPr>
+              <a:t> </a:t>
+            </a:r>
+            <a:r>
+              <a:rPr lang="en-US" altLang="zh-CN" dirty="0" smtClean="0">
+                <a:latin typeface="+mn-ea"/>
+                <a:ea typeface="+mn-ea"/>
+              </a:rPr>
+              <a:t>&lt;Switch</a:t>
+            </a:r>
+            <a:r>
+              <a:rPr lang="en-US" altLang="zh-CN" dirty="0" smtClean="0"/>
+              <a:t> &gt; </a:t>
+            </a:r>
+            <a:r>
+              <a:rPr lang="en-US" altLang="zh-CN" dirty="0" smtClean="0"/>
+              <a:t>… </a:t>
+            </a:r>
+            <a:r>
+              <a:rPr lang="en-US" altLang="zh-CN" dirty="0" smtClean="0"/>
+              <a:t>&lt;/Switch&gt; </a:t>
+            </a:r>
+          </a:p>
+          <a:p>
+            <a:pPr marL="591820" lvl="1"/>
+            <a:r>
+              <a:rPr lang="en-US" altLang="zh-CN" dirty="0"/>
+              <a:t> </a:t>
+            </a:r>
+            <a:r>
+              <a:rPr lang="zh-CN" altLang="en-US" dirty="0" smtClean="0"/>
+              <a:t>只会挂载与 </a:t>
+            </a:r>
+            <a:r>
+              <a:rPr lang="en-US" altLang="zh-CN" dirty="0" smtClean="0"/>
+              <a:t>&lt;</a:t>
+            </a:r>
+            <a:r>
+              <a:rPr lang="en-US" altLang="zh-CN" dirty="0"/>
+              <a:t>Route</a:t>
+            </a:r>
+            <a:r>
+              <a:rPr lang="en-US" altLang="zh-CN" dirty="0" smtClean="0"/>
+              <a:t>&gt; </a:t>
+            </a:r>
+            <a:r>
+              <a:rPr lang="zh-CN" altLang="en-US" dirty="0" smtClean="0"/>
+              <a:t>路径匹配成功的第一个</a:t>
+            </a:r>
+            <a:endParaRPr lang="en-US" altLang="zh-CN" dirty="0" smtClean="0"/>
+          </a:p>
+          <a:p>
+            <a:pPr marL="591820" lvl="1"/>
+            <a:r>
+              <a:rPr lang="en-US" altLang="zh-CN" dirty="0" smtClean="0"/>
+              <a:t> </a:t>
+            </a:r>
+            <a:r>
+              <a:rPr lang="zh-CN" altLang="en-US" dirty="0" smtClean="0"/>
+              <a:t>子节点只能是 </a:t>
+            </a:r>
+            <a:r>
+              <a:rPr lang="en-US" altLang="zh-CN" dirty="0"/>
+              <a:t>&lt;</a:t>
+            </a:r>
+            <a:r>
+              <a:rPr lang="en-US" altLang="zh-CN" dirty="0" smtClean="0"/>
+              <a:t>Route&gt; </a:t>
+            </a:r>
+            <a:r>
+              <a:rPr lang="zh-CN" altLang="en-US" dirty="0" smtClean="0"/>
+              <a:t>或 </a:t>
+            </a:r>
+            <a:r>
+              <a:rPr lang="en-US" altLang="zh-CN" dirty="0" smtClean="0"/>
+              <a:t>&lt;Redirect  /&gt;</a:t>
+            </a:r>
+            <a:endParaRPr lang="en-US" altLang="zh-CN" dirty="0" smtClean="0"/>
+          </a:p>
+        </p:txBody>
+      </p:sp>
+      <p:sp>
+        <p:nvSpPr>
+          <p:cNvPr id="25603" name="内容占位符 4"/>
+          <p:cNvSpPr>
+            <a:spLocks noGrp="1"/>
+          </p:cNvSpPr>
+          <p:nvPr>
+            <p:ph sz="quarter" idx="11"/>
+          </p:nvPr>
+        </p:nvSpPr>
+        <p:spPr bwMode="auto">
+          <a:xfrm>
+            <a:off x="909638" y="236538"/>
+            <a:ext cx="7575550" cy="490537"/>
+          </a:xfrm>
+          <a:extLst>
+            <a:ext uri="{909E8E84-426E-40DD-AFC4-6F175D3DCCD1}">
+              <a14:hiddenFill xmlns:a14="http://schemas.microsoft.com/office/drawing/2010/main">
+                <a:solidFill>
+                  <a:srgbClr val="FFFFFF"/>
+                </a:solidFill>
+              </a14:hiddenFill>
+            </a:ext>
+            <a:ext uri="{91240B29-F687-4F45-9708-019B960494DF}">
+              <a14:hiddenLine xmlns:a14="http://schemas.microsoft.com/office/drawing/2010/main" w="9525">
+                <a:solidFill>
+                  <a:srgbClr val="000000"/>
+                </a:solidFill>
+                <a:miter lim="800000"/>
+                <a:headEnd/>
+                <a:tailEnd/>
+              </a14:hiddenLine>
+            </a:ext>
+          </a:extLst>
+        </p:spPr>
+        <p:txBody>
+          <a:bodyPr vert="horz" wrap="square" lIns="91440" tIns="45720" rIns="91440" bIns="45720" numCol="1" anchor="t" anchorCtr="0" compatLnSpc="1"/>
+          <a:lstStyle/>
+          <a:p>
+            <a:pPr>
+              <a:defRPr/>
+            </a:pPr>
+            <a:r>
+              <a:rPr lang="zh-CN" altLang="en-US" smtClean="0">
+                <a:latin typeface="+mn-ea"/>
+                <a:ea typeface="+mn-ea"/>
+              </a:rPr>
+              <a:t>路由配置</a:t>
+            </a:r>
+            <a:endParaRPr lang="zh-CN" altLang="en-US" dirty="0" smtClean="0">
+              <a:latin typeface="+mn-ea"/>
+              <a:ea typeface="+mn-ea"/>
+            </a:endParaRPr>
+          </a:p>
+        </p:txBody>
+      </p:sp>
+      <p:sp>
+        <p:nvSpPr>
+          <p:cNvPr id="4" name="TextBox 3"/>
+          <p:cNvSpPr txBox="1"/>
+          <p:nvPr/>
+        </p:nvSpPr>
+        <p:spPr>
+          <a:xfrm>
+            <a:off x="981657" y="3137600"/>
+            <a:ext cx="10228686" cy="2308324"/>
+          </a:xfrm>
+          <a:prstGeom prst="rect">
+            <a:avLst/>
+          </a:prstGeom>
+          <a:solidFill>
+            <a:schemeClr val="accent1">
+              <a:lumMod val="10000"/>
+              <a:lumOff val="90000"/>
+            </a:schemeClr>
+          </a:solidFill>
+        </p:spPr>
+        <p:txBody>
+          <a:bodyPr wrap="square" rtlCol="0">
+            <a:spAutoFit/>
+          </a:bodyPr>
+          <a:lstStyle/>
+          <a:p>
+            <a:r>
+              <a:rPr lang="en-US" altLang="zh-CN" sz="2400" dirty="0"/>
+              <a:t>&lt;Switch&gt;</a:t>
+            </a:r>
+            <a:r>
+              <a:rPr lang="en-US" altLang="zh-CN" sz="2400" dirty="0"/>
+              <a:t> </a:t>
+            </a:r>
+            <a:endParaRPr lang="en-US" altLang="zh-CN" sz="2400" dirty="0" smtClean="0"/>
+          </a:p>
+          <a:p>
+            <a:r>
+              <a:rPr lang="en-US" altLang="zh-CN" sz="2400" dirty="0" smtClean="0"/>
+              <a:t>	&lt;</a:t>
+            </a:r>
+            <a:r>
+              <a:rPr lang="en-US" altLang="zh-CN" sz="2400" dirty="0"/>
+              <a:t>Route exact path="/" component</a:t>
+            </a:r>
+            <a:r>
+              <a:rPr lang="en-US" altLang="zh-CN" sz="2400" dirty="0" smtClean="0"/>
+              <a:t>={ Home }/&gt; </a:t>
+            </a:r>
+          </a:p>
+          <a:p>
+            <a:r>
+              <a:rPr lang="en-US" altLang="zh-CN" sz="2400" dirty="0" smtClean="0"/>
+              <a:t>	&lt;</a:t>
+            </a:r>
+            <a:r>
+              <a:rPr lang="en-US" altLang="zh-CN" sz="2400" dirty="0"/>
+              <a:t>Route path="/about" component</a:t>
+            </a:r>
+            <a:r>
+              <a:rPr lang="en-US" altLang="zh-CN" sz="2400" dirty="0" smtClean="0"/>
+              <a:t>={ About }/&gt; </a:t>
+            </a:r>
+          </a:p>
+          <a:p>
+            <a:r>
+              <a:rPr lang="en-US" altLang="zh-CN" sz="2400" dirty="0" smtClean="0"/>
+              <a:t>	&lt;</a:t>
+            </a:r>
+            <a:r>
+              <a:rPr lang="en-US" altLang="zh-CN" sz="2400" dirty="0"/>
+              <a:t>Route path="/:user" component</a:t>
+            </a:r>
+            <a:r>
+              <a:rPr lang="en-US" altLang="zh-CN" sz="2400" dirty="0" smtClean="0"/>
+              <a:t>={ User }/&gt; </a:t>
+            </a:r>
+          </a:p>
+          <a:p>
+            <a:r>
+              <a:rPr lang="en-US" altLang="zh-CN" sz="2400" dirty="0" smtClean="0"/>
+              <a:t>	&lt;</a:t>
+            </a:r>
+            <a:r>
+              <a:rPr lang="en-US" altLang="zh-CN" sz="2400" dirty="0"/>
+              <a:t>Route component</a:t>
+            </a:r>
+            <a:r>
+              <a:rPr lang="en-US" altLang="zh-CN" sz="2400" dirty="0" smtClean="0"/>
+              <a:t>={ </a:t>
+            </a:r>
+            <a:r>
+              <a:rPr lang="en-US" altLang="zh-CN" sz="2400" dirty="0" err="1" smtClean="0"/>
+              <a:t>NoMatch</a:t>
+            </a:r>
+            <a:r>
+              <a:rPr lang="en-US" altLang="zh-CN" sz="2400" dirty="0" smtClean="0"/>
+              <a:t> }/&gt; </a:t>
+            </a:r>
+          </a:p>
+          <a:p>
+            <a:r>
+              <a:rPr lang="en-US" altLang="zh-CN" sz="2400" dirty="0" smtClean="0"/>
+              <a:t>&lt;/</a:t>
+            </a:r>
+            <a:r>
+              <a:rPr lang="en-US" altLang="zh-CN" sz="2400" dirty="0"/>
+              <a:t>Switch&gt;</a:t>
+            </a:r>
+            <a:endParaRPr lang="en-US" altLang="zh-CN" sz="2400" dirty="0" smtClean="0"/>
+          </a:p>
+        </p:txBody>
+      </p:sp>
+    </p:spTree>
+    <p:extLst>
+      <p:ext uri="{BB962C8B-B14F-4D97-AF65-F5344CB8AC3E}">
+        <p14:creationId xmlns:p14="http://schemas.microsoft.com/office/powerpoint/2010/main" val="104544784"/>
+      </p:ext>
+    </p:extLst>
+  </p:cSld>
+  <p:clrMapOvr>
+    <a:masterClrMapping/>
+  </p:clrMapOvr>
+  <p:timing>
+    <p:tnLst>
+      <p:par>
+        <p:cTn id="1" dur="indefinite" restart="never" nodeType="tmRoot">
+          <p:childTnLst>
+            <p:seq concurrent="1" nextAc="seek">
+              <p:cTn id="2" dur="indefinite" nodeType="mainSeq">
+                <p:childTnLst>
+                  <p:par>
+                    <p:cTn id="3" fill="hold">
+                      <p:stCondLst>
+                        <p:cond delay="indefinite"/>
+                      </p:stCondLst>
+                      <p:childTnLst>
+                        <p:par>
+                          <p:cTn id="4" fill="hold">
+                            <p:stCondLst>
+                              <p:cond delay="0"/>
+                            </p:stCondLst>
+                            <p:childTnLst>
+                              <p:par>
+                                <p:cTn id="5" presetID="42" presetClass="entr" presetSubtype="0" fill="hold" grpId="0" nodeType="clickEffect">
+                                  <p:stCondLst>
+                                    <p:cond delay="0"/>
+                                  </p:stCondLst>
+                                  <p:childTnLst>
+                                    <p:set>
+                                      <p:cBhvr>
+                                        <p:cTn id="6" dur="1" fill="hold">
+                                          <p:stCondLst>
+                                            <p:cond delay="0"/>
+                                          </p:stCondLst>
+                                        </p:cTn>
+                                        <p:tgtEl>
+                                          <p:spTgt spid="4"/>
+                                        </p:tgtEl>
+                                        <p:attrNameLst>
+                                          <p:attrName>style.visibility</p:attrName>
+                                        </p:attrNameLst>
+                                      </p:cBhvr>
+                                      <p:to>
+                                        <p:strVal val="visible"/>
+                                      </p:to>
+                                    </p:set>
+                                    <p:animEffect transition="in" filter="fade">
+                                      <p:cBhvr>
+                                        <p:cTn id="7" dur="1000"/>
+                                        <p:tgtEl>
+                                          <p:spTgt spid="4"/>
+                                        </p:tgtEl>
+                                      </p:cBhvr>
+                                    </p:animEffect>
+                                    <p:anim calcmode="lin" valueType="num">
+                                      <p:cBhvr>
+                                        <p:cTn id="8" dur="1000" fill="hold"/>
+                                        <p:tgtEl>
+                                          <p:spTgt spid="4"/>
+                                        </p:tgtEl>
+                                        <p:attrNameLst>
+                                          <p:attrName>ppt_x</p:attrName>
+                                        </p:attrNameLst>
+                                      </p:cBhvr>
+                                      <p:tavLst>
+                                        <p:tav tm="0">
+                                          <p:val>
+                                            <p:strVal val="#ppt_x"/>
+                                          </p:val>
+                                        </p:tav>
+                                        <p:tav tm="100000">
+                                          <p:val>
+                                            <p:strVal val="#ppt_x"/>
+                                          </p:val>
+                                        </p:tav>
+                                      </p:tavLst>
+                                    </p:anim>
+                                    <p:anim calcmode="lin" valueType="num">
+                                      <p:cBhvr>
+                                        <p:cTn id="9" dur="1000" fill="hold"/>
+                                        <p:tgtEl>
+                                          <p:spTgt spid="4"/>
+                                        </p:tgtEl>
+                                        <p:attrNameLst>
+                                          <p:attrName>ppt_y</p:attrName>
+                                        </p:attrNameLst>
+                                      </p:cBhvr>
+                                      <p:tavLst>
+                                        <p:tav tm="0">
+                                          <p:val>
+                                            <p:strVal val="#ppt_y+.1"/>
+                                          </p:val>
+                                        </p:tav>
+                                        <p:tav tm="100000">
+                                          <p:val>
+                                            <p:strVal val="#ppt_y"/>
+                                          </p:val>
+                                        </p:tav>
+                                      </p:tavLst>
+                                    </p:anim>
+                                  </p:childTnLst>
+                                </p:cTn>
+                              </p:par>
+                            </p:childTnLst>
+                          </p:cTn>
+                        </p:par>
+                      </p:childTnLst>
+                    </p:cTn>
+                  </p:par>
+                </p:childTnLst>
+              </p:cTn>
+              <p:prevCondLst>
+                <p:cond evt="onPrev" delay="0">
+                  <p:tgtEl>
+                    <p:sldTgt/>
+                  </p:tgtEl>
+                </p:cond>
+              </p:prevCondLst>
+              <p:nextCondLst>
+                <p:cond evt="onNext" delay="0">
+                  <p:tgtEl>
+                    <p:sldTgt/>
+                  </p:tgtEl>
+                </p:cond>
+              </p:nextCondLst>
+            </p:seq>
+          </p:childTnLst>
+        </p:cTn>
+      </p:par>
+    </p:tnLst>
+    <p:bldLst>
+      <p:bldP spid="4" grpId="0" animBg="1"/>
+    </p:bldLst>
+  </p:timing>
+</p:sld>
+</file>
+
+<file path=ppt/slides/slide8.xml><?xml version="1.0" encoding="utf-8"?>
+<p:sld xmlns:a="http://schemas.openxmlformats.org/drawingml/2006/main" xmlns:r="http://schemas.openxmlformats.org/officeDocument/2006/relationships" xmlns:p="http://schemas.openxmlformats.org/presentationml/2006/main">
+  <p:cSld>
+    <p:spTree>
+      <p:nvGrpSpPr>
+        <p:cNvPr id="1" name=""/>
+        <p:cNvGrpSpPr/>
+        <p:nvPr/>
+      </p:nvGrpSpPr>
+      <p:grpSpPr>
+        <a:xfrm>
+          <a:off x="0" y="0"/>
+          <a:ext cx="0" cy="0"/>
+          <a:chOff x="0" y="0"/>
+          <a:chExt cx="0" cy="0"/>
+        </a:xfrm>
+      </p:grpSpPr>
+      <p:sp>
+        <p:nvSpPr>
+          <p:cNvPr id="30722" name="内容占位符 3"/>
+          <p:cNvSpPr>
+            <a:spLocks noGrp="1"/>
+          </p:cNvSpPr>
+          <p:nvPr>
+            <p:ph sz="quarter" idx="10"/>
+          </p:nvPr>
+        </p:nvSpPr>
+        <p:spPr bwMode="auto">
+          <a:xfrm>
+            <a:off x="693526" y="907845"/>
+            <a:ext cx="10228685" cy="4898244"/>
+          </a:xfrm>
+          <a:noFill/>
+        </p:spPr>
+        <p:txBody>
+          <a:bodyPr vert="horz" wrap="square" lIns="91440" tIns="45720" rIns="91440" bIns="45720" numCol="1" anchor="t" anchorCtr="0" compatLnSpc="1"/>
+          <a:lstStyle/>
+          <a:p>
+            <a:pPr marL="360045"/>
+            <a:r>
+              <a:rPr lang="en-US" altLang="zh-CN" dirty="0" smtClean="0">
+                <a:latin typeface="+mn-ea"/>
+                <a:ea typeface="+mn-ea"/>
+              </a:rPr>
+              <a:t> &lt;</a:t>
+            </a:r>
+            <a:r>
+              <a:rPr lang="en-US" altLang="zh-CN" dirty="0" smtClean="0"/>
+              <a:t>Link  to = “…” &gt; </a:t>
+            </a:r>
+            <a:r>
+              <a:rPr lang="en-US" altLang="zh-CN" dirty="0" smtClean="0"/>
+              <a:t>… &lt;/Link&gt; </a:t>
+            </a:r>
+          </a:p>
+        </p:txBody>
+      </p:sp>
+      <p:sp>
+        <p:nvSpPr>
+          <p:cNvPr id="25603" name="内容占位符 4"/>
+          <p:cNvSpPr>
+            <a:spLocks noGrp="1"/>
+          </p:cNvSpPr>
+          <p:nvPr>
+            <p:ph sz="quarter" idx="11"/>
+          </p:nvPr>
+        </p:nvSpPr>
+        <p:spPr bwMode="auto">
+          <a:xfrm>
+            <a:off x="909638" y="236538"/>
+            <a:ext cx="7575550" cy="490537"/>
+          </a:xfrm>
+          <a:extLst>
+            <a:ext uri="{909E8E84-426E-40DD-AFC4-6F175D3DCCD1}">
+              <a14:hiddenFill xmlns:a14="http://schemas.microsoft.com/office/drawing/2010/main">
+                <a:solidFill>
+                  <a:srgbClr val="FFFFFF"/>
+                </a:solidFill>
+              </a14:hiddenFill>
+            </a:ext>
+            <a:ext uri="{91240B29-F687-4F45-9708-019B960494DF}">
+              <a14:hiddenLine xmlns:a14="http://schemas.microsoft.com/office/drawing/2010/main" w="9525">
+                <a:solidFill>
+                  <a:srgbClr val="000000"/>
+                </a:solidFill>
+                <a:miter lim="800000"/>
+                <a:headEnd/>
+                <a:tailEnd/>
+              </a14:hiddenLine>
+            </a:ext>
+          </a:extLst>
+        </p:spPr>
+        <p:txBody>
+          <a:bodyPr vert="horz" wrap="square" lIns="91440" tIns="45720" rIns="91440" bIns="45720" numCol="1" anchor="t" anchorCtr="0" compatLnSpc="1"/>
+          <a:lstStyle/>
+          <a:p>
+            <a:pPr>
+              <a:defRPr/>
+            </a:pPr>
+            <a:r>
+              <a:rPr lang="zh-CN" altLang="en-US" smtClean="0">
+                <a:latin typeface="+mn-ea"/>
+                <a:ea typeface="+mn-ea"/>
+              </a:rPr>
+              <a:t>路由配置</a:t>
+            </a:r>
+            <a:endParaRPr lang="zh-CN" altLang="en-US" dirty="0" smtClean="0">
+              <a:latin typeface="+mn-ea"/>
+              <a:ea typeface="+mn-ea"/>
+            </a:endParaRPr>
+          </a:p>
+        </p:txBody>
+      </p:sp>
+      <p:sp>
+        <p:nvSpPr>
+          <p:cNvPr id="4" name="TextBox 3"/>
+          <p:cNvSpPr txBox="1"/>
+          <p:nvPr/>
+        </p:nvSpPr>
+        <p:spPr>
+          <a:xfrm>
+            <a:off x="981657" y="1772241"/>
+            <a:ext cx="10228686" cy="4154984"/>
+          </a:xfrm>
+          <a:prstGeom prst="rect">
+            <a:avLst/>
+          </a:prstGeom>
+          <a:solidFill>
+            <a:schemeClr val="accent1">
+              <a:lumMod val="10000"/>
+              <a:lumOff val="90000"/>
+            </a:schemeClr>
+          </a:solidFill>
+        </p:spPr>
+        <p:txBody>
+          <a:bodyPr wrap="square" rtlCol="0">
+            <a:spAutoFit/>
+          </a:bodyPr>
+          <a:lstStyle/>
+          <a:p>
+            <a:r>
+              <a:rPr lang="en-US" altLang="zh-CN" sz="2400" dirty="0" smtClean="0">
+                <a:solidFill>
+                  <a:srgbClr val="FF0000"/>
+                </a:solidFill>
+              </a:rPr>
+              <a:t>to : string</a:t>
+            </a:r>
+          </a:p>
+          <a:p>
+            <a:r>
+              <a:rPr lang="en-US" altLang="zh-CN" sz="2400" dirty="0" smtClean="0"/>
+              <a:t>&lt;</a:t>
+            </a:r>
+            <a:r>
+              <a:rPr lang="en-US" altLang="zh-CN" sz="2400" dirty="0"/>
+              <a:t>Link to="/home"&gt;Home&lt;/Link</a:t>
+            </a:r>
+            <a:r>
+              <a:rPr lang="en-US" altLang="zh-CN" sz="2400" dirty="0" smtClean="0"/>
+              <a:t>&gt;</a:t>
+            </a:r>
+            <a:endParaRPr lang="en-US" altLang="zh-CN" sz="2400" dirty="0"/>
+          </a:p>
+          <a:p>
+            <a:endParaRPr lang="en-US" altLang="zh-CN" sz="2400" dirty="0" smtClean="0"/>
+          </a:p>
+          <a:p>
+            <a:r>
+              <a:rPr lang="en-US" altLang="zh-CN" sz="2400" dirty="0">
+                <a:solidFill>
+                  <a:srgbClr val="FF0000"/>
+                </a:solidFill>
+              </a:rPr>
+              <a:t>t</a:t>
+            </a:r>
+            <a:r>
+              <a:rPr lang="en-US" altLang="zh-CN" sz="2400" dirty="0" smtClean="0">
+                <a:solidFill>
+                  <a:srgbClr val="FF0000"/>
+                </a:solidFill>
+              </a:rPr>
+              <a:t>o : object</a:t>
+            </a:r>
+          </a:p>
+          <a:p>
+            <a:r>
+              <a:rPr lang="en-US" altLang="zh-CN" sz="2400" dirty="0" smtClean="0"/>
+              <a:t>&lt;</a:t>
+            </a:r>
+            <a:r>
+              <a:rPr lang="en-US" altLang="zh-CN" sz="2400" dirty="0"/>
+              <a:t>Link to</a:t>
+            </a:r>
+            <a:r>
+              <a:rPr lang="en-US" altLang="zh-CN" sz="2400" dirty="0" smtClean="0"/>
+              <a:t>={ { </a:t>
+            </a:r>
+          </a:p>
+          <a:p>
+            <a:r>
+              <a:rPr lang="en-US" altLang="zh-CN" sz="2400" dirty="0" smtClean="0"/>
+              <a:t>	pathname</a:t>
+            </a:r>
+            <a:r>
+              <a:rPr lang="en-US" altLang="zh-CN" sz="2400" dirty="0"/>
+              <a:t>: '/courses', </a:t>
+            </a:r>
+            <a:endParaRPr lang="en-US" altLang="zh-CN" sz="2400" dirty="0" smtClean="0"/>
+          </a:p>
+          <a:p>
+            <a:r>
+              <a:rPr lang="en-US" altLang="zh-CN" sz="2400" dirty="0" smtClean="0"/>
+              <a:t>	search</a:t>
+            </a:r>
+            <a:r>
+              <a:rPr lang="en-US" altLang="zh-CN" sz="2400" dirty="0"/>
+              <a:t>: '?sort=name', </a:t>
+            </a:r>
+            <a:endParaRPr lang="en-US" altLang="zh-CN" sz="2400" dirty="0" smtClean="0"/>
+          </a:p>
+          <a:p>
+            <a:r>
+              <a:rPr lang="en-US" altLang="zh-CN" sz="2400" dirty="0" smtClean="0"/>
+              <a:t>	hash</a:t>
+            </a:r>
+            <a:r>
+              <a:rPr lang="en-US" altLang="zh-CN" sz="2400" dirty="0"/>
+              <a:t>: '#the-hash</a:t>
+            </a:r>
+            <a:r>
+              <a:rPr lang="en-US" altLang="zh-CN" sz="2400" dirty="0" smtClean="0"/>
+              <a:t>',</a:t>
+            </a:r>
+          </a:p>
+          <a:p>
+            <a:r>
+              <a:rPr lang="en-US" altLang="zh-CN" sz="2400" dirty="0"/>
+              <a:t>	</a:t>
+            </a:r>
+            <a:r>
+              <a:rPr lang="en-US" altLang="zh-CN" sz="2400" dirty="0" smtClean="0"/>
+              <a:t>state:{id : 1}     </a:t>
+            </a:r>
+          </a:p>
+          <a:p>
+            <a:r>
+              <a:rPr lang="en-US" altLang="zh-CN" sz="2400" dirty="0">
+                <a:solidFill>
+                  <a:srgbClr val="FF0000"/>
+                </a:solidFill>
+                <a:latin typeface="+mj-ea"/>
+                <a:ea typeface="+mj-ea"/>
+              </a:rPr>
+              <a:t>	</a:t>
+            </a:r>
+            <a:r>
+              <a:rPr lang="en-US" altLang="zh-CN" sz="2400" dirty="0" smtClean="0">
+                <a:solidFill>
+                  <a:srgbClr val="FF0000"/>
+                </a:solidFill>
+                <a:latin typeface="+mj-ea"/>
+                <a:ea typeface="+mj-ea"/>
+              </a:rPr>
+              <a:t>//  </a:t>
+            </a:r>
+            <a:r>
+              <a:rPr lang="zh-CN" altLang="en-US" sz="2400" dirty="0" smtClean="0">
+                <a:solidFill>
+                  <a:srgbClr val="FF0000"/>
+                </a:solidFill>
+              </a:rPr>
+              <a:t>传到组件的数据，通过 </a:t>
+            </a:r>
+            <a:r>
+              <a:rPr lang="en-US" altLang="zh-CN" sz="2400" dirty="0" err="1" smtClean="0">
+                <a:solidFill>
+                  <a:srgbClr val="FF0000"/>
+                </a:solidFill>
+              </a:rPr>
+              <a:t>this.props.location.state</a:t>
+            </a:r>
+            <a:r>
+              <a:rPr lang="en-US" altLang="zh-CN" sz="2400" dirty="0" smtClean="0">
+                <a:solidFill>
+                  <a:srgbClr val="FF0000"/>
+                </a:solidFill>
+              </a:rPr>
+              <a:t> </a:t>
+            </a:r>
+            <a:r>
+              <a:rPr lang="zh-CN" altLang="en-US" sz="2400" dirty="0" smtClean="0">
+                <a:solidFill>
+                  <a:srgbClr val="FF0000"/>
+                </a:solidFill>
+              </a:rPr>
+              <a:t>获取</a:t>
+            </a:r>
+            <a:endParaRPr lang="en-US" altLang="zh-CN" sz="2400" dirty="0" smtClean="0">
+              <a:solidFill>
+                <a:srgbClr val="FF0000"/>
+              </a:solidFill>
+            </a:endParaRPr>
+          </a:p>
+          <a:p>
+            <a:r>
+              <a:rPr lang="en-US" altLang="zh-CN" sz="2400" dirty="0" smtClean="0"/>
+              <a:t> } } &gt; Courses &lt;/Link&gt;</a:t>
+            </a:r>
+            <a:endParaRPr lang="en-US" altLang="zh-CN" sz="2400" dirty="0" smtClean="0"/>
+          </a:p>
+        </p:txBody>
+      </p:sp>
+    </p:spTree>
+    <p:extLst>
+      <p:ext uri="{BB962C8B-B14F-4D97-AF65-F5344CB8AC3E}">
+        <p14:creationId xmlns:p14="http://schemas.microsoft.com/office/powerpoint/2010/main" val="3892674822"/>
+      </p:ext>
+    </p:extLst>
+  </p:cSld>
+  <p:clrMapOvr>
+    <a:masterClrMapping/>
+  </p:clrMapOvr>
+  <p:timing>
+    <p:tnLst>
+      <p:par>
+        <p:cTn id="1" dur="indefinite" restart="never" nodeType="tmRoot"/>
+      </p:par>
+    </p:tnLst>
+  </p:timing>
+</p:sld>
+</file>
+
+<file path=ppt/slides/slide9.xml><?xml version="1.0" encoding="utf-8"?>
+<p:sld xmlns:a="http://schemas.openxmlformats.org/drawingml/2006/main" xmlns:r="http://schemas.openxmlformats.org/officeDocument/2006/relationships" xmlns:p="http://schemas.openxmlformats.org/presentationml/2006/main">
+  <p:cSld>
+    <p:spTree>
+      <p:nvGrpSpPr>
+        <p:cNvPr id="1" name=""/>
+        <p:cNvGrpSpPr/>
+        <p:nvPr/>
+      </p:nvGrpSpPr>
+      <p:grpSpPr>
+        <a:xfrm>
+          <a:off x="0" y="0"/>
+          <a:ext cx="0" cy="0"/>
+          <a:chOff x="0" y="0"/>
+          <a:chExt cx="0" cy="0"/>
+        </a:xfrm>
+      </p:grpSpPr>
+      <p:sp>
+        <p:nvSpPr>
+          <p:cNvPr id="30722" name="内容占位符 3"/>
+          <p:cNvSpPr>
+            <a:spLocks noGrp="1"/>
+          </p:cNvSpPr>
+          <p:nvPr>
+            <p:ph sz="quarter" idx="10"/>
+          </p:nvPr>
+        </p:nvSpPr>
+        <p:spPr bwMode="auto">
+          <a:xfrm>
+            <a:off x="693526" y="907845"/>
+            <a:ext cx="10228685" cy="4898244"/>
+          </a:xfrm>
+          <a:noFill/>
+        </p:spPr>
+        <p:txBody>
+          <a:bodyPr vert="horz" wrap="square" lIns="91440" tIns="45720" rIns="91440" bIns="45720" numCol="1" anchor="t" anchorCtr="0" compatLnSpc="1"/>
+          <a:lstStyle/>
+          <a:p>
+            <a:pPr marL="360045"/>
+            <a:r>
+              <a:rPr lang="en-US" altLang="zh-CN" dirty="0" smtClean="0">
+                <a:latin typeface="+mn-ea"/>
+                <a:ea typeface="+mn-ea"/>
+              </a:rPr>
+              <a:t> </a:t>
+            </a:r>
+            <a:r>
+              <a:rPr lang="en-US" altLang="zh-CN" dirty="0" smtClean="0">
+                <a:latin typeface="+mn-ea"/>
+                <a:ea typeface="+mn-ea"/>
+              </a:rPr>
+              <a:t>&lt;</a:t>
+            </a:r>
+            <a:r>
+              <a:rPr lang="en-US" altLang="zh-CN" dirty="0" err="1" smtClean="0">
+                <a:latin typeface="+mn-ea"/>
+                <a:ea typeface="+mn-ea"/>
+              </a:rPr>
+              <a:t>Nav</a:t>
+            </a:r>
+            <a:r>
+              <a:rPr lang="en-US" altLang="zh-CN" dirty="0" err="1" smtClean="0"/>
+              <a:t>Link</a:t>
+            </a:r>
+            <a:r>
+              <a:rPr lang="en-US" altLang="zh-CN" dirty="0" smtClean="0"/>
+              <a:t>  to = “…” &gt; </a:t>
+            </a:r>
+            <a:r>
+              <a:rPr lang="en-US" altLang="zh-CN" dirty="0" smtClean="0"/>
+              <a:t>… </a:t>
+            </a:r>
+            <a:r>
+              <a:rPr lang="en-US" altLang="zh-CN" dirty="0" smtClean="0"/>
+              <a:t>&lt;/</a:t>
+            </a:r>
+            <a:r>
+              <a:rPr lang="en-US" altLang="zh-CN" dirty="0" err="1" smtClean="0"/>
+              <a:t>NavLink</a:t>
+            </a:r>
+            <a:r>
+              <a:rPr lang="en-US" altLang="zh-CN" dirty="0" smtClean="0"/>
+              <a:t>&gt; </a:t>
+            </a:r>
+            <a:endParaRPr lang="en-US" altLang="zh-CN" dirty="0" smtClean="0"/>
+          </a:p>
+          <a:p>
+            <a:pPr marL="591820" lvl="1"/>
+            <a:r>
+              <a:rPr lang="en-US" altLang="zh-CN" dirty="0"/>
+              <a:t> </a:t>
+            </a:r>
+            <a:r>
+              <a:rPr lang="en-US" altLang="zh-CN" sz="2000" dirty="0" err="1" smtClean="0">
+                <a:latin typeface="+mn-ea"/>
+              </a:rPr>
+              <a:t>Nav</a:t>
+            </a:r>
+            <a:r>
+              <a:rPr lang="en-US" altLang="zh-CN" dirty="0" err="1" smtClean="0"/>
+              <a:t>Link</a:t>
+            </a:r>
+            <a:r>
+              <a:rPr lang="en-US" altLang="zh-CN" dirty="0" smtClean="0"/>
+              <a:t> </a:t>
+            </a:r>
+            <a:r>
+              <a:rPr lang="zh-CN" altLang="en-US" dirty="0" smtClean="0"/>
+              <a:t>是 </a:t>
+            </a:r>
+            <a:r>
+              <a:rPr lang="en-US" altLang="zh-CN" dirty="0" smtClean="0"/>
+              <a:t>Link  </a:t>
+            </a:r>
+            <a:r>
+              <a:rPr lang="zh-CN" altLang="en-US" dirty="0" smtClean="0"/>
+              <a:t>的子类</a:t>
+            </a:r>
+            <a:endParaRPr lang="en-US" altLang="zh-CN" dirty="0" smtClean="0"/>
+          </a:p>
+          <a:p>
+            <a:pPr marL="591820" lvl="1"/>
+            <a:r>
+              <a:rPr lang="en-US" altLang="zh-CN" dirty="0"/>
+              <a:t> </a:t>
+            </a:r>
+            <a:r>
+              <a:rPr lang="en-US" altLang="zh-CN" dirty="0" err="1" smtClean="0"/>
+              <a:t>activeClassName</a:t>
+            </a:r>
+            <a:r>
+              <a:rPr lang="zh-CN" altLang="en-US" dirty="0" smtClean="0"/>
+              <a:t>：</a:t>
+            </a:r>
+            <a:r>
+              <a:rPr lang="en-US" altLang="zh-CN" dirty="0" smtClean="0"/>
+              <a:t>string</a:t>
+            </a:r>
+            <a:r>
+              <a:rPr lang="zh-CN" altLang="en-US" dirty="0" smtClean="0"/>
+              <a:t>，被选中时添加的类名</a:t>
+            </a:r>
+            <a:endParaRPr lang="en-US" altLang="zh-CN" dirty="0" smtClean="0"/>
+          </a:p>
+          <a:p>
+            <a:pPr marL="591820" lvl="1"/>
+            <a:r>
+              <a:rPr lang="en-US" altLang="zh-CN" dirty="0"/>
+              <a:t> </a:t>
+            </a:r>
+            <a:r>
+              <a:rPr lang="en-US" altLang="zh-CN" dirty="0" err="1" smtClean="0"/>
+              <a:t>activeStyle</a:t>
+            </a:r>
+            <a:r>
+              <a:rPr lang="zh-CN" altLang="en-US" dirty="0" smtClean="0"/>
+              <a:t>：</a:t>
+            </a:r>
+            <a:r>
+              <a:rPr lang="en-US" altLang="zh-CN" dirty="0" smtClean="0"/>
+              <a:t>object</a:t>
+            </a:r>
+            <a:r>
+              <a:rPr lang="zh-CN" altLang="en-US" dirty="0" smtClean="0"/>
+              <a:t>，被选中时添加的行内样式</a:t>
+            </a:r>
+            <a:endParaRPr lang="en-US" altLang="zh-CN" dirty="0" smtClean="0"/>
+          </a:p>
+          <a:p>
+            <a:pPr marL="591820" lvl="1"/>
+            <a:r>
+              <a:rPr lang="en-US" altLang="zh-CN" dirty="0"/>
+              <a:t> </a:t>
+            </a:r>
+            <a:r>
+              <a:rPr lang="en-US" altLang="zh-CN" dirty="0" smtClean="0"/>
+              <a:t>exact</a:t>
+            </a:r>
+            <a:r>
+              <a:rPr lang="zh-CN" altLang="en-US" dirty="0" smtClean="0"/>
+              <a:t>：</a:t>
+            </a:r>
+            <a:r>
+              <a:rPr lang="en-US" altLang="zh-CN" dirty="0" err="1" smtClean="0"/>
+              <a:t>boolean</a:t>
+            </a:r>
+            <a:r>
+              <a:rPr lang="zh-CN" altLang="en-US" dirty="0" smtClean="0"/>
+              <a:t>，严格匹配</a:t>
+            </a:r>
+            <a:endParaRPr lang="en-US" altLang="zh-CN" dirty="0" smtClean="0"/>
+          </a:p>
+        </p:txBody>
+      </p:sp>
+      <p:sp>
+        <p:nvSpPr>
+          <p:cNvPr id="25603" name="内容占位符 4"/>
+          <p:cNvSpPr>
+            <a:spLocks noGrp="1"/>
+          </p:cNvSpPr>
+          <p:nvPr>
+            <p:ph sz="quarter" idx="11"/>
+          </p:nvPr>
+        </p:nvSpPr>
+        <p:spPr bwMode="auto">
+          <a:xfrm>
+            <a:off x="909638" y="236538"/>
+            <a:ext cx="7575550" cy="490537"/>
+          </a:xfrm>
+          <a:extLst>
+            <a:ext uri="{909E8E84-426E-40DD-AFC4-6F175D3DCCD1}">
+              <a14:hiddenFill xmlns:a14="http://schemas.microsoft.com/office/drawing/2010/main">
+                <a:solidFill>
+                  <a:srgbClr val="FFFFFF"/>
+                </a:solidFill>
+              </a14:hiddenFill>
+            </a:ext>
+            <a:ext uri="{91240B29-F687-4F45-9708-019B960494DF}">
+              <a14:hiddenLine xmlns:a14="http://schemas.microsoft.com/office/drawing/2010/main" w="9525">
+                <a:solidFill>
+                  <a:srgbClr val="000000"/>
+                </a:solidFill>
+                <a:miter lim="800000"/>
+                <a:headEnd/>
+                <a:tailEnd/>
+              </a14:hiddenLine>
+            </a:ext>
+          </a:extLst>
+        </p:spPr>
+        <p:txBody>
+          <a:bodyPr vert="horz" wrap="square" lIns="91440" tIns="45720" rIns="91440" bIns="45720" numCol="1" anchor="t" anchorCtr="0" compatLnSpc="1"/>
+          <a:lstStyle/>
+          <a:p>
+            <a:pPr>
+              <a:defRPr/>
+            </a:pPr>
+            <a:r>
+              <a:rPr lang="zh-CN" altLang="en-US" smtClean="0">
+                <a:latin typeface="+mn-ea"/>
+                <a:ea typeface="+mn-ea"/>
+              </a:rPr>
+              <a:t>路由配置</a:t>
+            </a:r>
+            <a:endParaRPr lang="zh-CN" altLang="en-US" dirty="0" smtClean="0">
+              <a:latin typeface="+mn-ea"/>
+              <a:ea typeface="+mn-ea"/>
+            </a:endParaRPr>
+          </a:p>
+        </p:txBody>
+      </p:sp>
+    </p:spTree>
+    <p:extLst>
+      <p:ext uri="{BB962C8B-B14F-4D97-AF65-F5344CB8AC3E}">
+        <p14:creationId xmlns:p14="http://schemas.microsoft.com/office/powerpoint/2010/main" val="1885099914"/>
+      </p:ext>
+    </p:extLst>
   </p:cSld>
   <p:clrMapOvr>
     <a:masterClrMapping/>
